--- a/Reports/2016_01_summit.pptx
+++ b/Reports/2016_01_summit.pptx
@@ -3,19 +3,18 @@
 <p:presentation xmlns:a="http://schemas.openxmlformats.org/drawingml/2006/main" xmlns:r="http://schemas.openxmlformats.org/officeDocument/2006/relationships" xmlns:p="http://schemas.openxmlformats.org/presentationml/2006/main" saveSubsetFonts="1">
   <p:sldMasterIdLst>
     <p:sldMasterId id="2147483660" r:id="rId1"/>
-    <p:sldMasterId id="2147483672" r:id="rId2"/>
-    <p:sldMasterId id="2147483684" r:id="rId3"/>
+    <p:sldMasterId id="2147483684" r:id="rId2"/>
   </p:sldMasterIdLst>
   <p:notesMasterIdLst>
-    <p:notesMasterId r:id="rId10"/>
+    <p:notesMasterId r:id="rId9"/>
   </p:notesMasterIdLst>
   <p:sldIdLst>
-    <p:sldId id="257" r:id="rId4"/>
-    <p:sldId id="258" r:id="rId5"/>
-    <p:sldId id="259" r:id="rId6"/>
-    <p:sldId id="260" r:id="rId7"/>
-    <p:sldId id="261" r:id="rId8"/>
-    <p:sldId id="262" r:id="rId9"/>
+    <p:sldId id="257" r:id="rId3"/>
+    <p:sldId id="259" r:id="rId4"/>
+    <p:sldId id="260" r:id="rId5"/>
+    <p:sldId id="263" r:id="rId6"/>
+    <p:sldId id="265" r:id="rId7"/>
+    <p:sldId id="266" r:id="rId8"/>
   </p:sldIdLst>
   <p:sldSz cx="9144000" cy="6858000" type="screen4x3"/>
   <p:notesSz cx="6858000" cy="9144000"/>
@@ -114,6 +113,22 @@
       </a:defRPr>
     </a:lvl9pPr>
   </p:defaultTextStyle>
+  <p:extLst>
+    <p:ext uri="{EFAFB233-063F-42B5-8137-9DF3F51BA10A}">
+      <p15:sldGuideLst xmlns:p15="http://schemas.microsoft.com/office/powerpoint/2012/main">
+        <p15:guide id="1" orient="horz" pos="2160">
+          <p15:clr>
+            <a:srgbClr val="A4A3A4"/>
+          </p15:clr>
+        </p15:guide>
+        <p15:guide id="2" pos="2880">
+          <p15:clr>
+            <a:srgbClr val="A4A3A4"/>
+          </p15:clr>
+        </p15:guide>
+      </p15:sldGuideLst>
+    </p:ext>
+  </p:extLst>
 </p:presentation>
 </file>
 
@@ -199,7 +214,7 @@
           <a:p>
             <a:fld id="{4C0BA6A2-2D9F-4B10-9C1A-89C15BF2AB87}" type="datetimeFigureOut">
               <a:rPr lang="en-US" smtClean="0"/>
-              <a:t>1/15/2016</a:t>
+              <a:t>1/17/2016</a:t>
             </a:fld>
             <a:endParaRPr lang="en-US"/>
           </a:p>
@@ -544,7 +559,7 @@
           <a:p>
             <a:fld id="{21E2F792-F837-49AC-B14A-DDB49DEF93BF}" type="slidenum">
               <a:rPr lang="en-US" smtClean="0"/>
-              <a:t>3</a:t>
+              <a:t>2</a:t>
             </a:fld>
             <a:endParaRPr lang="en-US"/>
           </a:p>
@@ -803,7 +818,7 @@
                 </a:solidFill>
               </a:rPr>
               <a:pPr defTabSz="457200"/>
-              <a:t>January 15, 2016</a:t>
+              <a:t>January 17, 2016</a:t>
             </a:fld>
             <a:endParaRPr lang="en-US" dirty="0">
               <a:solidFill>
@@ -956,7 +971,7 @@
                 </a:solidFill>
               </a:rPr>
               <a:pPr defTabSz="457200"/>
-              <a:t>January 15, 2016</a:t>
+              <a:t>January 17, 2016</a:t>
             </a:fld>
             <a:endParaRPr lang="en-US" dirty="0">
               <a:solidFill>
@@ -1155,7 +1170,7 @@
                 </a:solidFill>
               </a:rPr>
               <a:pPr defTabSz="457200"/>
-              <a:t>January 15, 2016</a:t>
+              <a:t>January 17, 2016</a:t>
             </a:fld>
             <a:endParaRPr lang="en-US" dirty="0">
               <a:solidFill>
@@ -1461,7 +1476,7 @@
                 </a:solidFill>
               </a:rPr>
               <a:pPr defTabSz="457200"/>
-              <a:t>January 15, 2016</a:t>
+              <a:t>January 17, 2016</a:t>
             </a:fld>
             <a:endParaRPr lang="en-US" dirty="0">
               <a:solidFill>
@@ -1474,7 +1489,7 @@
     </p:spTree>
     <p:extLst>
       <p:ext uri="{BB962C8B-B14F-4D97-AF65-F5344CB8AC3E}">
-        <p14:creationId xmlns:p14="http://schemas.microsoft.com/office/powerpoint/2010/main" val="1657148638"/>
+        <p14:creationId xmlns:p14="http://schemas.microsoft.com/office/powerpoint/2010/main" val="2205548464"/>
       </p:ext>
     </p:extLst>
   </p:cSld>
@@ -1715,7 +1730,7 @@
     </p:spTree>
     <p:extLst>
       <p:ext uri="{BB962C8B-B14F-4D97-AF65-F5344CB8AC3E}">
-        <p14:creationId xmlns:p14="http://schemas.microsoft.com/office/powerpoint/2010/main" val="1573275570"/>
+        <p14:creationId xmlns:p14="http://schemas.microsoft.com/office/powerpoint/2010/main" val="2227366800"/>
       </p:ext>
     </p:extLst>
   </p:cSld>
@@ -1931,7 +1946,7 @@
                 </a:solidFill>
               </a:rPr>
               <a:pPr defTabSz="457200"/>
-              <a:t>January 15, 2016</a:t>
+              <a:t>January 17, 2016</a:t>
             </a:fld>
             <a:endParaRPr lang="en-US" dirty="0">
               <a:solidFill>
@@ -1980,7 +1995,7 @@
     </p:spTree>
     <p:extLst>
       <p:ext uri="{BB962C8B-B14F-4D97-AF65-F5344CB8AC3E}">
-        <p14:creationId xmlns:p14="http://schemas.microsoft.com/office/powerpoint/2010/main" val="4054016901"/>
+        <p14:creationId xmlns:p14="http://schemas.microsoft.com/office/powerpoint/2010/main" val="1715894883"/>
       </p:ext>
     </p:extLst>
   </p:cSld>
@@ -2262,7 +2277,7 @@
     </p:spTree>
     <p:extLst>
       <p:ext uri="{BB962C8B-B14F-4D97-AF65-F5344CB8AC3E}">
-        <p14:creationId xmlns:p14="http://schemas.microsoft.com/office/powerpoint/2010/main" val="603710188"/>
+        <p14:creationId xmlns:p14="http://schemas.microsoft.com/office/powerpoint/2010/main" val="2773259300"/>
       </p:ext>
     </p:extLst>
   </p:cSld>
@@ -2654,7 +2669,7 @@
                 </a:solidFill>
               </a:rPr>
               <a:pPr defTabSz="457200"/>
-              <a:t>January 15, 2016</a:t>
+              <a:t>January 17, 2016</a:t>
             </a:fld>
             <a:endParaRPr lang="en-US" dirty="0">
               <a:solidFill>
@@ -2703,7 +2718,7 @@
     </p:spTree>
     <p:extLst>
       <p:ext uri="{BB962C8B-B14F-4D97-AF65-F5344CB8AC3E}">
-        <p14:creationId xmlns:p14="http://schemas.microsoft.com/office/powerpoint/2010/main" val="2873152600"/>
+        <p14:creationId xmlns:p14="http://schemas.microsoft.com/office/powerpoint/2010/main" val="1590720216"/>
       </p:ext>
     </p:extLst>
   </p:cSld>
@@ -2791,7 +2806,7 @@
                 </a:solidFill>
               </a:rPr>
               <a:pPr defTabSz="457200"/>
-              <a:t>January 15, 2016</a:t>
+              <a:t>January 17, 2016</a:t>
             </a:fld>
             <a:endParaRPr lang="en-US" dirty="0">
               <a:solidFill>
@@ -2875,7 +2890,7 @@
     </p:spTree>
     <p:extLst>
       <p:ext uri="{BB962C8B-B14F-4D97-AF65-F5344CB8AC3E}">
-        <p14:creationId xmlns:p14="http://schemas.microsoft.com/office/powerpoint/2010/main" val="2411903479"/>
+        <p14:creationId xmlns:p14="http://schemas.microsoft.com/office/powerpoint/2010/main" val="1096797934"/>
       </p:ext>
     </p:extLst>
   </p:cSld>
@@ -2940,7 +2955,7 @@
                 </a:solidFill>
               </a:rPr>
               <a:pPr defTabSz="457200"/>
-              <a:t>January 15, 2016</a:t>
+              <a:t>January 17, 2016</a:t>
             </a:fld>
             <a:endParaRPr lang="en-US" dirty="0">
               <a:solidFill>
@@ -2989,7 +3004,7 @@
     </p:spTree>
     <p:extLst>
       <p:ext uri="{BB962C8B-B14F-4D97-AF65-F5344CB8AC3E}">
-        <p14:creationId xmlns:p14="http://schemas.microsoft.com/office/powerpoint/2010/main" val="3230567709"/>
+        <p14:creationId xmlns:p14="http://schemas.microsoft.com/office/powerpoint/2010/main" val="1773216455"/>
       </p:ext>
     </p:extLst>
   </p:cSld>
@@ -3236,7 +3251,7 @@
                 </a:solidFill>
               </a:rPr>
               <a:pPr defTabSz="457200"/>
-              <a:t>January 15, 2016</a:t>
+              <a:t>January 17, 2016</a:t>
             </a:fld>
             <a:endParaRPr lang="en-US" dirty="0">
               <a:solidFill>
@@ -3285,7 +3300,7 @@
     </p:spTree>
     <p:extLst>
       <p:ext uri="{BB962C8B-B14F-4D97-AF65-F5344CB8AC3E}">
-        <p14:creationId xmlns:p14="http://schemas.microsoft.com/office/powerpoint/2010/main" val="325836807"/>
+        <p14:creationId xmlns:p14="http://schemas.microsoft.com/office/powerpoint/2010/main" val="2503998029"/>
       </p:ext>
     </p:extLst>
   </p:cSld>
@@ -3749,7 +3764,7 @@
                 </a:solidFill>
               </a:rPr>
               <a:pPr defTabSz="457200"/>
-              <a:t>January 15, 2016</a:t>
+              <a:t>January 17, 2016</a:t>
             </a:fld>
             <a:endParaRPr lang="en-US" dirty="0">
               <a:solidFill>
@@ -3833,7 +3848,7 @@
     </p:spTree>
     <p:extLst>
       <p:ext uri="{BB962C8B-B14F-4D97-AF65-F5344CB8AC3E}">
-        <p14:creationId xmlns:p14="http://schemas.microsoft.com/office/powerpoint/2010/main" val="566735634"/>
+        <p14:creationId xmlns:p14="http://schemas.microsoft.com/office/powerpoint/2010/main" val="2615124737"/>
       </p:ext>
     </p:extLst>
   </p:cSld>
@@ -3966,7 +3981,7 @@
                 </a:solidFill>
               </a:rPr>
               <a:pPr defTabSz="457200"/>
-              <a:t>January 15, 2016</a:t>
+              <a:t>January 17, 2016</a:t>
             </a:fld>
             <a:endParaRPr lang="en-US" dirty="0">
               <a:solidFill>
@@ -4015,7 +4030,7 @@
     </p:spTree>
     <p:extLst>
       <p:ext uri="{BB962C8B-B14F-4D97-AF65-F5344CB8AC3E}">
-        <p14:creationId xmlns:p14="http://schemas.microsoft.com/office/powerpoint/2010/main" val="4167893702"/>
+        <p14:creationId xmlns:p14="http://schemas.microsoft.com/office/powerpoint/2010/main" val="1601586088"/>
       </p:ext>
     </p:extLst>
   </p:cSld>
@@ -4165,7 +4180,7 @@
                 </a:solidFill>
               </a:rPr>
               <a:pPr defTabSz="457200"/>
-              <a:t>January 15, 2016</a:t>
+              <a:t>January 17, 2016</a:t>
             </a:fld>
             <a:endParaRPr lang="en-US" dirty="0">
               <a:solidFill>
@@ -4214,1792 +4229,7 @@
     </p:spTree>
     <p:extLst>
       <p:ext uri="{BB962C8B-B14F-4D97-AF65-F5344CB8AC3E}">
-        <p14:creationId xmlns:p14="http://schemas.microsoft.com/office/powerpoint/2010/main" val="2562842689"/>
-      </p:ext>
-    </p:extLst>
-  </p:cSld>
-  <p:clrMapOvr>
-    <a:masterClrMapping/>
-  </p:clrMapOvr>
-  <p:timing>
-    <p:tnLst>
-      <p:par>
-        <p:cTn id="1" dur="indefinite" restart="never" nodeType="tmRoot"/>
-      </p:par>
-    </p:tnLst>
-  </p:timing>
-</p:sldLayout>
-</file>
-
-<file path=ppt/slideLayouts/slideLayout23.xml><?xml version="1.0" encoding="utf-8"?>
-<p:sldLayout xmlns:a="http://schemas.openxmlformats.org/drawingml/2006/main" xmlns:r="http://schemas.openxmlformats.org/officeDocument/2006/relationships" xmlns:p="http://schemas.openxmlformats.org/presentationml/2006/main" type="title" preserve="1">
-  <p:cSld name="Title Slide">
-    <p:spTree>
-      <p:nvGrpSpPr>
-        <p:cNvPr id="1" name=""/>
-        <p:cNvGrpSpPr/>
-        <p:nvPr/>
-      </p:nvGrpSpPr>
-      <p:grpSpPr>
-        <a:xfrm>
-          <a:off x="0" y="0"/>
-          <a:ext cx="0" cy="0"/>
-          <a:chOff x="0" y="0"/>
-          <a:chExt cx="0" cy="0"/>
-        </a:xfrm>
-      </p:grpSpPr>
-      <p:pic>
-        <p:nvPicPr>
-          <p:cNvPr id="5" name="Picture 4"/>
-          <p:cNvPicPr>
-            <a:picLocks noChangeAspect="1"/>
-          </p:cNvPicPr>
-          <p:nvPr userDrawn="1"/>
-        </p:nvPicPr>
-        <p:blipFill>
-          <a:blip r:embed="rId2">
-            <a:extLst>
-              <a:ext uri="{28A0092B-C50C-407E-A947-70E740481C1C}">
-                <a14:useLocalDpi xmlns:a14="http://schemas.microsoft.com/office/drawing/2010/main"/>
-              </a:ext>
-            </a:extLst>
-          </a:blip>
-          <a:stretch>
-            <a:fillRect/>
-          </a:stretch>
-        </p:blipFill>
-        <p:spPr>
-          <a:xfrm>
-            <a:off x="0" y="0"/>
-            <a:ext cx="9143391" cy="6857543"/>
-          </a:xfrm>
-          <a:prstGeom prst="rect">
-            <a:avLst/>
-          </a:prstGeom>
-        </p:spPr>
-      </p:pic>
-      <p:sp>
-        <p:nvSpPr>
-          <p:cNvPr id="2" name="Title 1"/>
-          <p:cNvSpPr>
-            <a:spLocks noGrp="1"/>
-          </p:cNvSpPr>
-          <p:nvPr>
-            <p:ph type="ctrTitle"/>
-          </p:nvPr>
-        </p:nvSpPr>
-        <p:spPr>
-          <a:xfrm>
-            <a:off x="685800" y="2130425"/>
-            <a:ext cx="7772400" cy="1470025"/>
-          </a:xfrm>
-        </p:spPr>
-        <p:txBody>
-          <a:bodyPr lIns="0" tIns="0" rIns="0" bIns="0">
-            <a:normAutofit/>
-          </a:bodyPr>
-          <a:lstStyle>
-            <a:lvl1pPr algn="l">
-              <a:defRPr sz="3200" b="1" i="0">
-                <a:latin typeface="+mn-lt"/>
-                <a:cs typeface="Arial Narrow"/>
-              </a:defRPr>
-            </a:lvl1pPr>
-          </a:lstStyle>
-          <a:p>
-            <a:r>
-              <a:rPr lang="en-US" dirty="0" smtClean="0"/>
-              <a:t>Click to edit Master title style</a:t>
-            </a:r>
-            <a:endParaRPr lang="en-US" dirty="0"/>
-          </a:p>
-        </p:txBody>
-      </p:sp>
-      <p:sp>
-        <p:nvSpPr>
-          <p:cNvPr id="3" name="Subtitle 2"/>
-          <p:cNvSpPr>
-            <a:spLocks noGrp="1"/>
-          </p:cNvSpPr>
-          <p:nvPr>
-            <p:ph type="subTitle" idx="1"/>
-          </p:nvPr>
-        </p:nvSpPr>
-        <p:spPr>
-          <a:xfrm>
-            <a:off x="685800" y="3886200"/>
-            <a:ext cx="7772400" cy="964381"/>
-          </a:xfrm>
-        </p:spPr>
-        <p:txBody>
-          <a:bodyPr lIns="0" tIns="0" rIns="0" bIns="0">
-            <a:normAutofit/>
-          </a:bodyPr>
-          <a:lstStyle>
-            <a:lvl1pPr marL="0" indent="0" algn="l">
-              <a:buNone/>
-              <a:defRPr sz="2400">
-                <a:solidFill>
-                  <a:schemeClr val="tx1">
-                    <a:tint val="75000"/>
-                  </a:schemeClr>
-                </a:solidFill>
-              </a:defRPr>
-            </a:lvl1pPr>
-            <a:lvl2pPr marL="457200" indent="0" algn="ctr">
-              <a:buNone/>
-              <a:defRPr>
-                <a:solidFill>
-                  <a:schemeClr val="tx1">
-                    <a:tint val="75000"/>
-                  </a:schemeClr>
-                </a:solidFill>
-              </a:defRPr>
-            </a:lvl2pPr>
-            <a:lvl3pPr marL="914400" indent="0" algn="ctr">
-              <a:buNone/>
-              <a:defRPr>
-                <a:solidFill>
-                  <a:schemeClr val="tx1">
-                    <a:tint val="75000"/>
-                  </a:schemeClr>
-                </a:solidFill>
-              </a:defRPr>
-            </a:lvl3pPr>
-            <a:lvl4pPr marL="1371600" indent="0" algn="ctr">
-              <a:buNone/>
-              <a:defRPr>
-                <a:solidFill>
-                  <a:schemeClr val="tx1">
-                    <a:tint val="75000"/>
-                  </a:schemeClr>
-                </a:solidFill>
-              </a:defRPr>
-            </a:lvl4pPr>
-            <a:lvl5pPr marL="1828800" indent="0" algn="ctr">
-              <a:buNone/>
-              <a:defRPr>
-                <a:solidFill>
-                  <a:schemeClr val="tx1">
-                    <a:tint val="75000"/>
-                  </a:schemeClr>
-                </a:solidFill>
-              </a:defRPr>
-            </a:lvl5pPr>
-            <a:lvl6pPr marL="2286000" indent="0" algn="ctr">
-              <a:buNone/>
-              <a:defRPr>
-                <a:solidFill>
-                  <a:schemeClr val="tx1">
-                    <a:tint val="75000"/>
-                  </a:schemeClr>
-                </a:solidFill>
-              </a:defRPr>
-            </a:lvl6pPr>
-            <a:lvl7pPr marL="2743200" indent="0" algn="ctr">
-              <a:buNone/>
-              <a:defRPr>
-                <a:solidFill>
-                  <a:schemeClr val="tx1">
-                    <a:tint val="75000"/>
-                  </a:schemeClr>
-                </a:solidFill>
-              </a:defRPr>
-            </a:lvl7pPr>
-            <a:lvl8pPr marL="3200400" indent="0" algn="ctr">
-              <a:buNone/>
-              <a:defRPr>
-                <a:solidFill>
-                  <a:schemeClr val="tx1">
-                    <a:tint val="75000"/>
-                  </a:schemeClr>
-                </a:solidFill>
-              </a:defRPr>
-            </a:lvl8pPr>
-            <a:lvl9pPr marL="3657600" indent="0" algn="ctr">
-              <a:buNone/>
-              <a:defRPr>
-                <a:solidFill>
-                  <a:schemeClr val="tx1">
-                    <a:tint val="75000"/>
-                  </a:schemeClr>
-                </a:solidFill>
-              </a:defRPr>
-            </a:lvl9pPr>
-          </a:lstStyle>
-          <a:p>
-            <a:r>
-              <a:rPr lang="en-US" dirty="0" smtClean="0"/>
-              <a:t>Click to edit Master subtitle style</a:t>
-            </a:r>
-            <a:endParaRPr lang="en-US" dirty="0"/>
-          </a:p>
-        </p:txBody>
-      </p:sp>
-      <p:sp>
-        <p:nvSpPr>
-          <p:cNvPr id="4" name="Date Placeholder 3"/>
-          <p:cNvSpPr>
-            <a:spLocks noGrp="1"/>
-          </p:cNvSpPr>
-          <p:nvPr>
-            <p:ph type="dt" sz="half" idx="10"/>
-          </p:nvPr>
-        </p:nvSpPr>
-        <p:spPr>
-          <a:xfrm>
-            <a:off x="685800" y="5053572"/>
-            <a:ext cx="2689942" cy="365125"/>
-          </a:xfrm>
-          <a:prstGeom prst="rect">
-            <a:avLst/>
-          </a:prstGeom>
-        </p:spPr>
-        <p:txBody>
-          <a:bodyPr lIns="0" tIns="0" rIns="0" bIns="0"/>
-          <a:lstStyle>
-            <a:lvl1pPr>
-              <a:defRPr sz="1600"/>
-            </a:lvl1pPr>
-          </a:lstStyle>
-          <a:p>
-            <a:pPr defTabSz="457200"/>
-            <a:fld id="{169A6192-71DD-164E-9ED0-2A7A546A9DED}" type="datetime4">
-              <a:rPr lang="en-US" smtClean="0">
-                <a:solidFill>
-                  <a:prstClr val="black"/>
-                </a:solidFill>
-              </a:rPr>
-              <a:pPr defTabSz="457200"/>
-              <a:t>January 15, 2016</a:t>
-            </a:fld>
-            <a:endParaRPr lang="en-US" dirty="0">
-              <a:solidFill>
-                <a:prstClr val="black"/>
-              </a:solidFill>
-            </a:endParaRPr>
-          </a:p>
-        </p:txBody>
-      </p:sp>
-    </p:spTree>
-    <p:extLst>
-      <p:ext uri="{BB962C8B-B14F-4D97-AF65-F5344CB8AC3E}">
-        <p14:creationId xmlns:p14="http://schemas.microsoft.com/office/powerpoint/2010/main" val="2205548464"/>
-      </p:ext>
-    </p:extLst>
-  </p:cSld>
-  <p:clrMapOvr>
-    <a:masterClrMapping/>
-  </p:clrMapOvr>
-  <p:timing>
-    <p:tnLst>
-      <p:par>
-        <p:cTn id="1" dur="indefinite" restart="never" nodeType="tmRoot"/>
-      </p:par>
-    </p:tnLst>
-  </p:timing>
-</p:sldLayout>
-</file>
-
-<file path=ppt/slideLayouts/slideLayout24.xml><?xml version="1.0" encoding="utf-8"?>
-<p:sldLayout xmlns:a="http://schemas.openxmlformats.org/drawingml/2006/main" xmlns:r="http://schemas.openxmlformats.org/officeDocument/2006/relationships" xmlns:p="http://schemas.openxmlformats.org/presentationml/2006/main" type="obj" preserve="1">
-  <p:cSld name="Title and Content">
-    <p:spTree>
-      <p:nvGrpSpPr>
-        <p:cNvPr id="1" name=""/>
-        <p:cNvGrpSpPr/>
-        <p:nvPr/>
-      </p:nvGrpSpPr>
-      <p:grpSpPr>
-        <a:xfrm>
-          <a:off x="0" y="0"/>
-          <a:ext cx="0" cy="0"/>
-          <a:chOff x="0" y="0"/>
-          <a:chExt cx="0" cy="0"/>
-        </a:xfrm>
-      </p:grpSpPr>
-      <p:sp>
-        <p:nvSpPr>
-          <p:cNvPr id="2" name="Title 1"/>
-          <p:cNvSpPr>
-            <a:spLocks noGrp="1"/>
-          </p:cNvSpPr>
-          <p:nvPr>
-            <p:ph type="title"/>
-          </p:nvPr>
-        </p:nvSpPr>
-        <p:spPr>
-          <a:xfrm>
-            <a:off x="335935" y="67341"/>
-            <a:ext cx="8488517" cy="824352"/>
-          </a:xfrm>
-        </p:spPr>
-        <p:txBody>
-          <a:bodyPr lIns="0" tIns="0" rIns="0" bIns="0">
-            <a:normAutofit/>
-          </a:bodyPr>
-          <a:lstStyle>
-            <a:lvl1pPr algn="l">
-              <a:defRPr sz="3200" b="1" i="0">
-                <a:latin typeface="+mn-lt"/>
-                <a:cs typeface="Arial Narrow"/>
-              </a:defRPr>
-            </a:lvl1pPr>
-          </a:lstStyle>
-          <a:p>
-            <a:r>
-              <a:rPr lang="en-US" dirty="0" smtClean="0"/>
-              <a:t>Click to edit Master title style</a:t>
-            </a:r>
-            <a:endParaRPr lang="en-US" dirty="0"/>
-          </a:p>
-        </p:txBody>
-      </p:sp>
-      <p:sp>
-        <p:nvSpPr>
-          <p:cNvPr id="3" name="Content Placeholder 2"/>
-          <p:cNvSpPr>
-            <a:spLocks noGrp="1"/>
-          </p:cNvSpPr>
-          <p:nvPr>
-            <p:ph idx="1"/>
-          </p:nvPr>
-        </p:nvSpPr>
-        <p:spPr>
-          <a:xfrm>
-            <a:off x="335935" y="1062182"/>
-            <a:ext cx="8488517" cy="4811307"/>
-          </a:xfrm>
-        </p:spPr>
-        <p:txBody>
-          <a:bodyPr lIns="0" tIns="0" rIns="0" bIns="0">
-            <a:normAutofit/>
-          </a:bodyPr>
-          <a:lstStyle>
-            <a:lvl1pPr marL="256032" indent="-256032">
-              <a:spcBef>
-                <a:spcPts val="600"/>
-              </a:spcBef>
-              <a:buClr>
-                <a:schemeClr val="accent2"/>
-              </a:buClr>
-              <a:buSzPct val="120000"/>
-              <a:buFont typeface="Lucida Grande"/>
-              <a:buChar char="‣"/>
-              <a:defRPr sz="2400"/>
-            </a:lvl1pPr>
-            <a:lvl2pPr>
-              <a:buClr>
-                <a:schemeClr val="accent2"/>
-              </a:buClr>
-              <a:defRPr sz="2400"/>
-            </a:lvl2pPr>
-            <a:lvl3pPr>
-              <a:buClr>
-                <a:schemeClr val="accent2"/>
-              </a:buClr>
-              <a:defRPr sz="2400"/>
-            </a:lvl3pPr>
-            <a:lvl4pPr>
-              <a:defRPr sz="2400"/>
-            </a:lvl4pPr>
-            <a:lvl5pPr>
-              <a:defRPr sz="2400"/>
-            </a:lvl5pPr>
-          </a:lstStyle>
-          <a:p>
-            <a:pPr lvl="0"/>
-            <a:r>
-              <a:rPr lang="en-US" dirty="0" smtClean="0"/>
-              <a:t>Click to edit Master text styles</a:t>
-            </a:r>
-          </a:p>
-          <a:p>
-            <a:pPr lvl="1"/>
-            <a:r>
-              <a:rPr lang="en-US" dirty="0" smtClean="0"/>
-              <a:t>Second level</a:t>
-            </a:r>
-          </a:p>
-          <a:p>
-            <a:pPr lvl="2"/>
-            <a:r>
-              <a:rPr lang="en-US" dirty="0" smtClean="0"/>
-              <a:t>Third level</a:t>
-            </a:r>
-          </a:p>
-          <a:p>
-            <a:pPr lvl="3"/>
-            <a:r>
-              <a:rPr lang="en-US" dirty="0" smtClean="0"/>
-              <a:t>Fourth level</a:t>
-            </a:r>
-          </a:p>
-          <a:p>
-            <a:pPr lvl="4"/>
-            <a:r>
-              <a:rPr lang="en-US" dirty="0" smtClean="0"/>
-              <a:t>Fifth level</a:t>
-            </a:r>
-            <a:endParaRPr lang="en-US" dirty="0"/>
-          </a:p>
-        </p:txBody>
-      </p:sp>
-      <p:sp>
-        <p:nvSpPr>
-          <p:cNvPr id="6" name="Slide Number Placeholder 5"/>
-          <p:cNvSpPr>
-            <a:spLocks noGrp="1"/>
-          </p:cNvSpPr>
-          <p:nvPr>
-            <p:ph type="sldNum" sz="quarter" idx="12"/>
-          </p:nvPr>
-        </p:nvSpPr>
-        <p:spPr>
-          <a:xfrm>
-            <a:off x="8136194" y="6318383"/>
-            <a:ext cx="688258" cy="365125"/>
-          </a:xfrm>
-        </p:spPr>
-        <p:txBody>
-          <a:bodyPr/>
-          <a:lstStyle/>
-          <a:p>
-            <a:fld id="{F49B8720-E526-BD45-92D7-B4028BF31DDE}" type="slidenum">
-              <a:rPr lang="en-US" smtClean="0">
-                <a:solidFill>
-                  <a:prstClr val="black">
-                    <a:tint val="75000"/>
-                  </a:prstClr>
-                </a:solidFill>
-              </a:rPr>
-              <a:pPr/>
-              <a:t>‹#›</a:t>
-            </a:fld>
-            <a:endParaRPr lang="en-US" dirty="0">
-              <a:solidFill>
-                <a:prstClr val="black">
-                  <a:tint val="75000"/>
-                </a:prstClr>
-              </a:solidFill>
-            </a:endParaRPr>
-          </a:p>
-        </p:txBody>
-      </p:sp>
-      <p:cxnSp>
-        <p:nvCxnSpPr>
-          <p:cNvPr id="8" name="Straight Connector 7"/>
-          <p:cNvCxnSpPr/>
-          <p:nvPr userDrawn="1"/>
-        </p:nvCxnSpPr>
-        <p:spPr>
-          <a:xfrm>
-            <a:off x="335935" y="926888"/>
-            <a:ext cx="8488517" cy="0"/>
-          </a:xfrm>
-          <a:prstGeom prst="line">
-            <a:avLst/>
-          </a:prstGeom>
-          <a:ln w="6350" cmpd="sng">
-            <a:solidFill>
-              <a:schemeClr val="accent3"/>
-            </a:solidFill>
-          </a:ln>
-          <a:effectLst/>
-        </p:spPr>
-        <p:style>
-          <a:lnRef idx="2">
-            <a:schemeClr val="accent1"/>
-          </a:lnRef>
-          <a:fillRef idx="0">
-            <a:schemeClr val="accent1"/>
-          </a:fillRef>
-          <a:effectRef idx="1">
-            <a:schemeClr val="accent1"/>
-          </a:effectRef>
-          <a:fontRef idx="minor">
-            <a:schemeClr val="tx1"/>
-          </a:fontRef>
-        </p:style>
-      </p:cxnSp>
-    </p:spTree>
-    <p:extLst>
-      <p:ext uri="{BB962C8B-B14F-4D97-AF65-F5344CB8AC3E}">
-        <p14:creationId xmlns:p14="http://schemas.microsoft.com/office/powerpoint/2010/main" val="2227366800"/>
-      </p:ext>
-    </p:extLst>
-  </p:cSld>
-  <p:clrMapOvr>
-    <a:masterClrMapping/>
-  </p:clrMapOvr>
-  <p:timing>
-    <p:tnLst>
-      <p:par>
-        <p:cTn id="1" dur="indefinite" restart="never" nodeType="tmRoot"/>
-      </p:par>
-    </p:tnLst>
-  </p:timing>
-</p:sldLayout>
-</file>
-
-<file path=ppt/slideLayouts/slideLayout25.xml><?xml version="1.0" encoding="utf-8"?>
-<p:sldLayout xmlns:a="http://schemas.openxmlformats.org/drawingml/2006/main" xmlns:r="http://schemas.openxmlformats.org/officeDocument/2006/relationships" xmlns:p="http://schemas.openxmlformats.org/presentationml/2006/main" type="secHead" preserve="1">
-  <p:cSld name="Section Header">
-    <p:spTree>
-      <p:nvGrpSpPr>
-        <p:cNvPr id="1" name=""/>
-        <p:cNvGrpSpPr/>
-        <p:nvPr/>
-      </p:nvGrpSpPr>
-      <p:grpSpPr>
-        <a:xfrm>
-          <a:off x="0" y="0"/>
-          <a:ext cx="0" cy="0"/>
-          <a:chOff x="0" y="0"/>
-          <a:chExt cx="0" cy="0"/>
-        </a:xfrm>
-      </p:grpSpPr>
-      <p:sp>
-        <p:nvSpPr>
-          <p:cNvPr id="2" name="Title 1"/>
-          <p:cNvSpPr>
-            <a:spLocks noGrp="1"/>
-          </p:cNvSpPr>
-          <p:nvPr>
-            <p:ph type="title"/>
-          </p:nvPr>
-        </p:nvSpPr>
-        <p:spPr>
-          <a:xfrm>
-            <a:off x="360516" y="4406900"/>
-            <a:ext cx="8326284" cy="1362075"/>
-          </a:xfrm>
-        </p:spPr>
-        <p:txBody>
-          <a:bodyPr anchor="t"/>
-          <a:lstStyle>
-            <a:lvl1pPr algn="l">
-              <a:defRPr sz="4000" b="1" cap="all"/>
-            </a:lvl1pPr>
-          </a:lstStyle>
-          <a:p>
-            <a:r>
-              <a:rPr lang="en-US" dirty="0" smtClean="0"/>
-              <a:t>Click to edit Master title style</a:t>
-            </a:r>
-            <a:endParaRPr lang="en-US" dirty="0"/>
-          </a:p>
-        </p:txBody>
-      </p:sp>
-      <p:sp>
-        <p:nvSpPr>
-          <p:cNvPr id="3" name="Text Placeholder 2"/>
-          <p:cNvSpPr>
-            <a:spLocks noGrp="1"/>
-          </p:cNvSpPr>
-          <p:nvPr>
-            <p:ph type="body" idx="1"/>
-          </p:nvPr>
-        </p:nvSpPr>
-        <p:spPr>
-          <a:xfrm>
-            <a:off x="360516" y="2906713"/>
-            <a:ext cx="8326284" cy="1500187"/>
-          </a:xfrm>
-        </p:spPr>
-        <p:txBody>
-          <a:bodyPr anchor="b"/>
-          <a:lstStyle>
-            <a:lvl1pPr marL="0" indent="0">
-              <a:buNone/>
-              <a:defRPr sz="2000">
-                <a:solidFill>
-                  <a:schemeClr val="tx1">
-                    <a:tint val="75000"/>
-                  </a:schemeClr>
-                </a:solidFill>
-              </a:defRPr>
-            </a:lvl1pPr>
-            <a:lvl2pPr marL="457200" indent="0">
-              <a:buNone/>
-              <a:defRPr sz="1800">
-                <a:solidFill>
-                  <a:schemeClr val="tx1">
-                    <a:tint val="75000"/>
-                  </a:schemeClr>
-                </a:solidFill>
-              </a:defRPr>
-            </a:lvl2pPr>
-            <a:lvl3pPr marL="914400" indent="0">
-              <a:buNone/>
-              <a:defRPr sz="1600">
-                <a:solidFill>
-                  <a:schemeClr val="tx1">
-                    <a:tint val="75000"/>
-                  </a:schemeClr>
-                </a:solidFill>
-              </a:defRPr>
-            </a:lvl3pPr>
-            <a:lvl4pPr marL="1371600" indent="0">
-              <a:buNone/>
-              <a:defRPr sz="1400">
-                <a:solidFill>
-                  <a:schemeClr val="tx1">
-                    <a:tint val="75000"/>
-                  </a:schemeClr>
-                </a:solidFill>
-              </a:defRPr>
-            </a:lvl4pPr>
-            <a:lvl5pPr marL="1828800" indent="0">
-              <a:buNone/>
-              <a:defRPr sz="1400">
-                <a:solidFill>
-                  <a:schemeClr val="tx1">
-                    <a:tint val="75000"/>
-                  </a:schemeClr>
-                </a:solidFill>
-              </a:defRPr>
-            </a:lvl5pPr>
-            <a:lvl6pPr marL="2286000" indent="0">
-              <a:buNone/>
-              <a:defRPr sz="1400">
-                <a:solidFill>
-                  <a:schemeClr val="tx1">
-                    <a:tint val="75000"/>
-                  </a:schemeClr>
-                </a:solidFill>
-              </a:defRPr>
-            </a:lvl6pPr>
-            <a:lvl7pPr marL="2743200" indent="0">
-              <a:buNone/>
-              <a:defRPr sz="1400">
-                <a:solidFill>
-                  <a:schemeClr val="tx1">
-                    <a:tint val="75000"/>
-                  </a:schemeClr>
-                </a:solidFill>
-              </a:defRPr>
-            </a:lvl7pPr>
-            <a:lvl8pPr marL="3200400" indent="0">
-              <a:buNone/>
-              <a:defRPr sz="1400">
-                <a:solidFill>
-                  <a:schemeClr val="tx1">
-                    <a:tint val="75000"/>
-                  </a:schemeClr>
-                </a:solidFill>
-              </a:defRPr>
-            </a:lvl8pPr>
-            <a:lvl9pPr marL="3657600" indent="0">
-              <a:buNone/>
-              <a:defRPr sz="1400">
-                <a:solidFill>
-                  <a:schemeClr val="tx1">
-                    <a:tint val="75000"/>
-                  </a:schemeClr>
-                </a:solidFill>
-              </a:defRPr>
-            </a:lvl9pPr>
-          </a:lstStyle>
-          <a:p>
-            <a:pPr lvl="0"/>
-            <a:r>
-              <a:rPr lang="en-US" dirty="0" smtClean="0"/>
-              <a:t>Click to edit Master text styles</a:t>
-            </a:r>
-          </a:p>
-        </p:txBody>
-      </p:sp>
-      <p:sp>
-        <p:nvSpPr>
-          <p:cNvPr id="4" name="Date Placeholder 3"/>
-          <p:cNvSpPr>
-            <a:spLocks noGrp="1"/>
-          </p:cNvSpPr>
-          <p:nvPr>
-            <p:ph type="dt" sz="half" idx="10"/>
-          </p:nvPr>
-        </p:nvSpPr>
-        <p:spPr>
-          <a:xfrm>
-            <a:off x="457200" y="6356350"/>
-            <a:ext cx="2133600" cy="365125"/>
-          </a:xfrm>
-          <a:prstGeom prst="rect">
-            <a:avLst/>
-          </a:prstGeom>
-        </p:spPr>
-        <p:txBody>
-          <a:bodyPr/>
-          <a:lstStyle/>
-          <a:p>
-            <a:pPr defTabSz="457200"/>
-            <a:fld id="{D9D1E66E-6098-0047-9B3B-57E40AD7E34C}" type="datetime4">
-              <a:rPr lang="en-US">
-                <a:solidFill>
-                  <a:prstClr val="black"/>
-                </a:solidFill>
-              </a:rPr>
-              <a:pPr defTabSz="457200"/>
-              <a:t>January 15, 2016</a:t>
-            </a:fld>
-            <a:endParaRPr lang="en-US" dirty="0">
-              <a:solidFill>
-                <a:prstClr val="black"/>
-              </a:solidFill>
-            </a:endParaRPr>
-          </a:p>
-        </p:txBody>
-      </p:sp>
-      <p:sp>
-        <p:nvSpPr>
-          <p:cNvPr id="6" name="Slide Number Placeholder 5"/>
-          <p:cNvSpPr>
-            <a:spLocks noGrp="1"/>
-          </p:cNvSpPr>
-          <p:nvPr>
-            <p:ph type="sldNum" sz="quarter" idx="12"/>
-          </p:nvPr>
-        </p:nvSpPr>
-        <p:spPr/>
-        <p:txBody>
-          <a:bodyPr/>
-          <a:lstStyle/>
-          <a:p>
-            <a:fld id="{F49B8720-E526-BD45-92D7-B4028BF31DDE}" type="slidenum">
-              <a:rPr lang="en-US" smtClean="0">
-                <a:solidFill>
-                  <a:prstClr val="black">
-                    <a:tint val="75000"/>
-                  </a:prstClr>
-                </a:solidFill>
-              </a:rPr>
-              <a:pPr/>
-              <a:t>‹#›</a:t>
-            </a:fld>
-            <a:endParaRPr lang="en-US" dirty="0">
-              <a:solidFill>
-                <a:prstClr val="black">
-                  <a:tint val="75000"/>
-                </a:prstClr>
-              </a:solidFill>
-            </a:endParaRPr>
-          </a:p>
-        </p:txBody>
-      </p:sp>
-    </p:spTree>
-    <p:extLst>
-      <p:ext uri="{BB962C8B-B14F-4D97-AF65-F5344CB8AC3E}">
-        <p14:creationId xmlns:p14="http://schemas.microsoft.com/office/powerpoint/2010/main" val="1715894883"/>
-      </p:ext>
-    </p:extLst>
-  </p:cSld>
-  <p:clrMapOvr>
-    <a:masterClrMapping/>
-  </p:clrMapOvr>
-  <p:timing>
-    <p:tnLst>
-      <p:par>
-        <p:cTn id="1" dur="indefinite" restart="never" nodeType="tmRoot"/>
-      </p:par>
-    </p:tnLst>
-  </p:timing>
-</p:sldLayout>
-</file>
-
-<file path=ppt/slideLayouts/slideLayout26.xml><?xml version="1.0" encoding="utf-8"?>
-<p:sldLayout xmlns:a="http://schemas.openxmlformats.org/drawingml/2006/main" xmlns:r="http://schemas.openxmlformats.org/officeDocument/2006/relationships" xmlns:p="http://schemas.openxmlformats.org/presentationml/2006/main" type="twoObj" preserve="1">
-  <p:cSld name="Two Content">
-    <p:spTree>
-      <p:nvGrpSpPr>
-        <p:cNvPr id="1" name=""/>
-        <p:cNvGrpSpPr/>
-        <p:nvPr/>
-      </p:nvGrpSpPr>
-      <p:grpSpPr>
-        <a:xfrm>
-          <a:off x="0" y="0"/>
-          <a:ext cx="0" cy="0"/>
-          <a:chOff x="0" y="0"/>
-          <a:chExt cx="0" cy="0"/>
-        </a:xfrm>
-      </p:grpSpPr>
-      <p:sp>
-        <p:nvSpPr>
-          <p:cNvPr id="2" name="Title 1"/>
-          <p:cNvSpPr>
-            <a:spLocks noGrp="1"/>
-          </p:cNvSpPr>
-          <p:nvPr>
-            <p:ph type="title"/>
-          </p:nvPr>
-        </p:nvSpPr>
-        <p:spPr>
-          <a:xfrm>
-            <a:off x="360516" y="274638"/>
-            <a:ext cx="8390194" cy="1143000"/>
-          </a:xfrm>
-        </p:spPr>
-        <p:txBody>
-          <a:bodyPr lIns="0" tIns="0" rIns="0" bIns="0">
-            <a:normAutofit/>
-          </a:bodyPr>
-          <a:lstStyle>
-            <a:lvl1pPr algn="l">
-              <a:defRPr sz="3600"/>
-            </a:lvl1pPr>
-          </a:lstStyle>
-          <a:p>
-            <a:r>
-              <a:rPr lang="en-US" dirty="0" smtClean="0"/>
-              <a:t>Click to edit Master title style</a:t>
-            </a:r>
-            <a:endParaRPr lang="en-US" dirty="0"/>
-          </a:p>
-        </p:txBody>
-      </p:sp>
-      <p:sp>
-        <p:nvSpPr>
-          <p:cNvPr id="3" name="Content Placeholder 2"/>
-          <p:cNvSpPr>
-            <a:spLocks noGrp="1"/>
-          </p:cNvSpPr>
-          <p:nvPr>
-            <p:ph sz="half" idx="1"/>
-          </p:nvPr>
-        </p:nvSpPr>
-        <p:spPr>
-          <a:xfrm>
-            <a:off x="360516" y="1600200"/>
-            <a:ext cx="4113161" cy="4525963"/>
-          </a:xfrm>
-        </p:spPr>
-        <p:txBody>
-          <a:bodyPr lIns="0" tIns="0" rIns="0" bIns="0"/>
-          <a:lstStyle>
-            <a:lvl1pPr>
-              <a:defRPr sz="2800"/>
-            </a:lvl1pPr>
-            <a:lvl2pPr>
-              <a:defRPr sz="2400"/>
-            </a:lvl2pPr>
-            <a:lvl3pPr>
-              <a:defRPr sz="2000"/>
-            </a:lvl3pPr>
-            <a:lvl4pPr>
-              <a:defRPr sz="1800"/>
-            </a:lvl4pPr>
-            <a:lvl5pPr>
-              <a:defRPr sz="1800"/>
-            </a:lvl5pPr>
-            <a:lvl6pPr>
-              <a:defRPr sz="1800"/>
-            </a:lvl6pPr>
-            <a:lvl7pPr>
-              <a:defRPr sz="1800"/>
-            </a:lvl7pPr>
-            <a:lvl8pPr>
-              <a:defRPr sz="1800"/>
-            </a:lvl8pPr>
-            <a:lvl9pPr>
-              <a:defRPr sz="1800"/>
-            </a:lvl9pPr>
-          </a:lstStyle>
-          <a:p>
-            <a:pPr lvl="0"/>
-            <a:r>
-              <a:rPr lang="en-US" dirty="0" smtClean="0"/>
-              <a:t>Click to edit Master text styles</a:t>
-            </a:r>
-          </a:p>
-          <a:p>
-            <a:pPr lvl="1"/>
-            <a:r>
-              <a:rPr lang="en-US" dirty="0" smtClean="0"/>
-              <a:t>Second level</a:t>
-            </a:r>
-          </a:p>
-          <a:p>
-            <a:pPr lvl="2"/>
-            <a:r>
-              <a:rPr lang="en-US" dirty="0" smtClean="0"/>
-              <a:t>Third level</a:t>
-            </a:r>
-          </a:p>
-          <a:p>
-            <a:pPr lvl="3"/>
-            <a:r>
-              <a:rPr lang="en-US" dirty="0" smtClean="0"/>
-              <a:t>Fourth level</a:t>
-            </a:r>
-          </a:p>
-          <a:p>
-            <a:pPr lvl="4"/>
-            <a:r>
-              <a:rPr lang="en-US" dirty="0" smtClean="0"/>
-              <a:t>Fifth level</a:t>
-            </a:r>
-            <a:endParaRPr lang="en-US" dirty="0"/>
-          </a:p>
-        </p:txBody>
-      </p:sp>
-      <p:sp>
-        <p:nvSpPr>
-          <p:cNvPr id="4" name="Content Placeholder 3"/>
-          <p:cNvSpPr>
-            <a:spLocks noGrp="1"/>
-          </p:cNvSpPr>
-          <p:nvPr>
-            <p:ph sz="half" idx="2"/>
-          </p:nvPr>
-        </p:nvSpPr>
-        <p:spPr>
-          <a:xfrm>
-            <a:off x="4612968" y="1600200"/>
-            <a:ext cx="4137742" cy="4525963"/>
-          </a:xfrm>
-        </p:spPr>
-        <p:txBody>
-          <a:bodyPr lIns="0" tIns="0" rIns="0" bIns="0"/>
-          <a:lstStyle>
-            <a:lvl1pPr>
-              <a:defRPr sz="2800"/>
-            </a:lvl1pPr>
-            <a:lvl2pPr>
-              <a:defRPr sz="2400"/>
-            </a:lvl2pPr>
-            <a:lvl3pPr>
-              <a:defRPr sz="2000"/>
-            </a:lvl3pPr>
-            <a:lvl4pPr>
-              <a:defRPr sz="1800"/>
-            </a:lvl4pPr>
-            <a:lvl5pPr>
-              <a:defRPr sz="1800"/>
-            </a:lvl5pPr>
-            <a:lvl6pPr>
-              <a:defRPr sz="1800"/>
-            </a:lvl6pPr>
-            <a:lvl7pPr>
-              <a:defRPr sz="1800"/>
-            </a:lvl7pPr>
-            <a:lvl8pPr>
-              <a:defRPr sz="1800"/>
-            </a:lvl8pPr>
-            <a:lvl9pPr>
-              <a:defRPr sz="1800"/>
-            </a:lvl9pPr>
-          </a:lstStyle>
-          <a:p>
-            <a:pPr lvl="0"/>
-            <a:r>
-              <a:rPr lang="en-US" dirty="0" smtClean="0"/>
-              <a:t>Click to edit Master text styles</a:t>
-            </a:r>
-          </a:p>
-          <a:p>
-            <a:pPr lvl="1"/>
-            <a:r>
-              <a:rPr lang="en-US" dirty="0" smtClean="0"/>
-              <a:t>Second level</a:t>
-            </a:r>
-          </a:p>
-          <a:p>
-            <a:pPr lvl="2"/>
-            <a:r>
-              <a:rPr lang="en-US" dirty="0" smtClean="0"/>
-              <a:t>Third level</a:t>
-            </a:r>
-          </a:p>
-          <a:p>
-            <a:pPr lvl="3"/>
-            <a:r>
-              <a:rPr lang="en-US" dirty="0" smtClean="0"/>
-              <a:t>Fourth level</a:t>
-            </a:r>
-          </a:p>
-          <a:p>
-            <a:pPr lvl="4"/>
-            <a:r>
-              <a:rPr lang="en-US" dirty="0" smtClean="0"/>
-              <a:t>Fifth level</a:t>
-            </a:r>
-            <a:endParaRPr lang="en-US" dirty="0"/>
-          </a:p>
-        </p:txBody>
-      </p:sp>
-      <p:sp>
-        <p:nvSpPr>
-          <p:cNvPr id="7" name="Slide Number Placeholder 6"/>
-          <p:cNvSpPr>
-            <a:spLocks noGrp="1"/>
-          </p:cNvSpPr>
-          <p:nvPr>
-            <p:ph type="sldNum" sz="quarter" idx="12"/>
-          </p:nvPr>
-        </p:nvSpPr>
-        <p:spPr>
-          <a:xfrm>
-            <a:off x="6553200" y="6356350"/>
-            <a:ext cx="2197510" cy="365125"/>
-          </a:xfrm>
-        </p:spPr>
-        <p:txBody>
-          <a:bodyPr/>
-          <a:lstStyle/>
-          <a:p>
-            <a:fld id="{F49B8720-E526-BD45-92D7-B4028BF31DDE}" type="slidenum">
-              <a:rPr lang="en-US" smtClean="0">
-                <a:solidFill>
-                  <a:prstClr val="black">
-                    <a:tint val="75000"/>
-                  </a:prstClr>
-                </a:solidFill>
-              </a:rPr>
-              <a:pPr/>
-              <a:t>‹#›</a:t>
-            </a:fld>
-            <a:endParaRPr lang="en-US" dirty="0">
-              <a:solidFill>
-                <a:prstClr val="black">
-                  <a:tint val="75000"/>
-                </a:prstClr>
-              </a:solidFill>
-            </a:endParaRPr>
-          </a:p>
-        </p:txBody>
-      </p:sp>
-    </p:spTree>
-    <p:extLst>
-      <p:ext uri="{BB962C8B-B14F-4D97-AF65-F5344CB8AC3E}">
-        <p14:creationId xmlns:p14="http://schemas.microsoft.com/office/powerpoint/2010/main" val="2773259300"/>
-      </p:ext>
-    </p:extLst>
-  </p:cSld>
-  <p:clrMapOvr>
-    <a:masterClrMapping/>
-  </p:clrMapOvr>
-  <p:timing>
-    <p:tnLst>
-      <p:par>
-        <p:cTn id="1" dur="indefinite" restart="never" nodeType="tmRoot"/>
-      </p:par>
-    </p:tnLst>
-  </p:timing>
-</p:sldLayout>
-</file>
-
-<file path=ppt/slideLayouts/slideLayout27.xml><?xml version="1.0" encoding="utf-8"?>
-<p:sldLayout xmlns:a="http://schemas.openxmlformats.org/drawingml/2006/main" xmlns:r="http://schemas.openxmlformats.org/officeDocument/2006/relationships" xmlns:p="http://schemas.openxmlformats.org/presentationml/2006/main" type="twoTxTwoObj" preserve="1">
-  <p:cSld name="Comparison">
-    <p:spTree>
-      <p:nvGrpSpPr>
-        <p:cNvPr id="1" name=""/>
-        <p:cNvGrpSpPr/>
-        <p:nvPr/>
-      </p:nvGrpSpPr>
-      <p:grpSpPr>
-        <a:xfrm>
-          <a:off x="0" y="0"/>
-          <a:ext cx="0" cy="0"/>
-          <a:chOff x="0" y="0"/>
-          <a:chExt cx="0" cy="0"/>
-        </a:xfrm>
-      </p:grpSpPr>
-      <p:sp>
-        <p:nvSpPr>
-          <p:cNvPr id="2" name="Title 1"/>
-          <p:cNvSpPr>
-            <a:spLocks noGrp="1"/>
-          </p:cNvSpPr>
-          <p:nvPr>
-            <p:ph type="title"/>
-          </p:nvPr>
-        </p:nvSpPr>
-        <p:spPr/>
-        <p:txBody>
-          <a:bodyPr/>
-          <a:lstStyle>
-            <a:lvl1pPr>
-              <a:defRPr/>
-            </a:lvl1pPr>
-          </a:lstStyle>
-          <a:p>
-            <a:r>
-              <a:rPr lang="en-US" smtClean="0"/>
-              <a:t>Click to edit Master title style</a:t>
-            </a:r>
-            <a:endParaRPr lang="en-US"/>
-          </a:p>
-        </p:txBody>
-      </p:sp>
-      <p:sp>
-        <p:nvSpPr>
-          <p:cNvPr id="3" name="Text Placeholder 2"/>
-          <p:cNvSpPr>
-            <a:spLocks noGrp="1"/>
-          </p:cNvSpPr>
-          <p:nvPr>
-            <p:ph type="body" idx="1"/>
-          </p:nvPr>
-        </p:nvSpPr>
-        <p:spPr>
-          <a:xfrm>
-            <a:off x="457200" y="1535113"/>
-            <a:ext cx="4040188" cy="639762"/>
-          </a:xfrm>
-        </p:spPr>
-        <p:txBody>
-          <a:bodyPr anchor="b"/>
-          <a:lstStyle>
-            <a:lvl1pPr marL="0" indent="0">
-              <a:buNone/>
-              <a:defRPr sz="2400" b="1"/>
-            </a:lvl1pPr>
-            <a:lvl2pPr marL="457200" indent="0">
-              <a:buNone/>
-              <a:defRPr sz="2000" b="1"/>
-            </a:lvl2pPr>
-            <a:lvl3pPr marL="914400" indent="0">
-              <a:buNone/>
-              <a:defRPr sz="1800" b="1"/>
-            </a:lvl3pPr>
-            <a:lvl4pPr marL="1371600" indent="0">
-              <a:buNone/>
-              <a:defRPr sz="1600" b="1"/>
-            </a:lvl4pPr>
-            <a:lvl5pPr marL="1828800" indent="0">
-              <a:buNone/>
-              <a:defRPr sz="1600" b="1"/>
-            </a:lvl5pPr>
-            <a:lvl6pPr marL="2286000" indent="0">
-              <a:buNone/>
-              <a:defRPr sz="1600" b="1"/>
-            </a:lvl6pPr>
-            <a:lvl7pPr marL="2743200" indent="0">
-              <a:buNone/>
-              <a:defRPr sz="1600" b="1"/>
-            </a:lvl7pPr>
-            <a:lvl8pPr marL="3200400" indent="0">
-              <a:buNone/>
-              <a:defRPr sz="1600" b="1"/>
-            </a:lvl8pPr>
-            <a:lvl9pPr marL="3657600" indent="0">
-              <a:buNone/>
-              <a:defRPr sz="1600" b="1"/>
-            </a:lvl9pPr>
-          </a:lstStyle>
-          <a:p>
-            <a:pPr lvl="0"/>
-            <a:r>
-              <a:rPr lang="en-US" smtClean="0"/>
-              <a:t>Click to edit Master text styles</a:t>
-            </a:r>
-          </a:p>
-        </p:txBody>
-      </p:sp>
-      <p:sp>
-        <p:nvSpPr>
-          <p:cNvPr id="4" name="Content Placeholder 3"/>
-          <p:cNvSpPr>
-            <a:spLocks noGrp="1"/>
-          </p:cNvSpPr>
-          <p:nvPr>
-            <p:ph sz="half" idx="2"/>
-          </p:nvPr>
-        </p:nvSpPr>
-        <p:spPr>
-          <a:xfrm>
-            <a:off x="457200" y="2174875"/>
-            <a:ext cx="4040188" cy="3951288"/>
-          </a:xfrm>
-        </p:spPr>
-        <p:txBody>
-          <a:bodyPr/>
-          <a:lstStyle>
-            <a:lvl1pPr>
-              <a:defRPr sz="2400"/>
-            </a:lvl1pPr>
-            <a:lvl2pPr>
-              <a:defRPr sz="2000"/>
-            </a:lvl2pPr>
-            <a:lvl3pPr>
-              <a:defRPr sz="1800"/>
-            </a:lvl3pPr>
-            <a:lvl4pPr>
-              <a:defRPr sz="1600"/>
-            </a:lvl4pPr>
-            <a:lvl5pPr>
-              <a:defRPr sz="1600"/>
-            </a:lvl5pPr>
-            <a:lvl6pPr>
-              <a:defRPr sz="1600"/>
-            </a:lvl6pPr>
-            <a:lvl7pPr>
-              <a:defRPr sz="1600"/>
-            </a:lvl7pPr>
-            <a:lvl8pPr>
-              <a:defRPr sz="1600"/>
-            </a:lvl8pPr>
-            <a:lvl9pPr>
-              <a:defRPr sz="1600"/>
-            </a:lvl9pPr>
-          </a:lstStyle>
-          <a:p>
-            <a:pPr lvl="0"/>
-            <a:r>
-              <a:rPr lang="en-US" smtClean="0"/>
-              <a:t>Click to edit Master text styles</a:t>
-            </a:r>
-          </a:p>
-          <a:p>
-            <a:pPr lvl="1"/>
-            <a:r>
-              <a:rPr lang="en-US" smtClean="0"/>
-              <a:t>Second level</a:t>
-            </a:r>
-          </a:p>
-          <a:p>
-            <a:pPr lvl="2"/>
-            <a:r>
-              <a:rPr lang="en-US" smtClean="0"/>
-              <a:t>Third level</a:t>
-            </a:r>
-          </a:p>
-          <a:p>
-            <a:pPr lvl="3"/>
-            <a:r>
-              <a:rPr lang="en-US" smtClean="0"/>
-              <a:t>Fourth level</a:t>
-            </a:r>
-          </a:p>
-          <a:p>
-            <a:pPr lvl="4"/>
-            <a:r>
-              <a:rPr lang="en-US" smtClean="0"/>
-              <a:t>Fifth level</a:t>
-            </a:r>
-            <a:endParaRPr lang="en-US"/>
-          </a:p>
-        </p:txBody>
-      </p:sp>
-      <p:sp>
-        <p:nvSpPr>
-          <p:cNvPr id="5" name="Text Placeholder 4"/>
-          <p:cNvSpPr>
-            <a:spLocks noGrp="1"/>
-          </p:cNvSpPr>
-          <p:nvPr>
-            <p:ph type="body" sz="quarter" idx="3"/>
-          </p:nvPr>
-        </p:nvSpPr>
-        <p:spPr>
-          <a:xfrm>
-            <a:off x="4645025" y="1535113"/>
-            <a:ext cx="4041775" cy="639762"/>
-          </a:xfrm>
-        </p:spPr>
-        <p:txBody>
-          <a:bodyPr anchor="b"/>
-          <a:lstStyle>
-            <a:lvl1pPr marL="0" indent="0">
-              <a:buNone/>
-              <a:defRPr sz="2400" b="1"/>
-            </a:lvl1pPr>
-            <a:lvl2pPr marL="457200" indent="0">
-              <a:buNone/>
-              <a:defRPr sz="2000" b="1"/>
-            </a:lvl2pPr>
-            <a:lvl3pPr marL="914400" indent="0">
-              <a:buNone/>
-              <a:defRPr sz="1800" b="1"/>
-            </a:lvl3pPr>
-            <a:lvl4pPr marL="1371600" indent="0">
-              <a:buNone/>
-              <a:defRPr sz="1600" b="1"/>
-            </a:lvl4pPr>
-            <a:lvl5pPr marL="1828800" indent="0">
-              <a:buNone/>
-              <a:defRPr sz="1600" b="1"/>
-            </a:lvl5pPr>
-            <a:lvl6pPr marL="2286000" indent="0">
-              <a:buNone/>
-              <a:defRPr sz="1600" b="1"/>
-            </a:lvl6pPr>
-            <a:lvl7pPr marL="2743200" indent="0">
-              <a:buNone/>
-              <a:defRPr sz="1600" b="1"/>
-            </a:lvl7pPr>
-            <a:lvl8pPr marL="3200400" indent="0">
-              <a:buNone/>
-              <a:defRPr sz="1600" b="1"/>
-            </a:lvl8pPr>
-            <a:lvl9pPr marL="3657600" indent="0">
-              <a:buNone/>
-              <a:defRPr sz="1600" b="1"/>
-            </a:lvl9pPr>
-          </a:lstStyle>
-          <a:p>
-            <a:pPr lvl="0"/>
-            <a:r>
-              <a:rPr lang="en-US" smtClean="0"/>
-              <a:t>Click to edit Master text styles</a:t>
-            </a:r>
-          </a:p>
-        </p:txBody>
-      </p:sp>
-      <p:sp>
-        <p:nvSpPr>
-          <p:cNvPr id="6" name="Content Placeholder 5"/>
-          <p:cNvSpPr>
-            <a:spLocks noGrp="1"/>
-          </p:cNvSpPr>
-          <p:nvPr>
-            <p:ph sz="quarter" idx="4"/>
-          </p:nvPr>
-        </p:nvSpPr>
-        <p:spPr>
-          <a:xfrm>
-            <a:off x="4645025" y="2174875"/>
-            <a:ext cx="4041775" cy="3951288"/>
-          </a:xfrm>
-        </p:spPr>
-        <p:txBody>
-          <a:bodyPr/>
-          <a:lstStyle>
-            <a:lvl1pPr>
-              <a:defRPr sz="2400"/>
-            </a:lvl1pPr>
-            <a:lvl2pPr>
-              <a:defRPr sz="2000"/>
-            </a:lvl2pPr>
-            <a:lvl3pPr>
-              <a:defRPr sz="1800"/>
-            </a:lvl3pPr>
-            <a:lvl4pPr>
-              <a:defRPr sz="1600"/>
-            </a:lvl4pPr>
-            <a:lvl5pPr>
-              <a:defRPr sz="1600"/>
-            </a:lvl5pPr>
-            <a:lvl6pPr>
-              <a:defRPr sz="1600"/>
-            </a:lvl6pPr>
-            <a:lvl7pPr>
-              <a:defRPr sz="1600"/>
-            </a:lvl7pPr>
-            <a:lvl8pPr>
-              <a:defRPr sz="1600"/>
-            </a:lvl8pPr>
-            <a:lvl9pPr>
-              <a:defRPr sz="1600"/>
-            </a:lvl9pPr>
-          </a:lstStyle>
-          <a:p>
-            <a:pPr lvl="0"/>
-            <a:r>
-              <a:rPr lang="en-US" smtClean="0"/>
-              <a:t>Click to edit Master text styles</a:t>
-            </a:r>
-          </a:p>
-          <a:p>
-            <a:pPr lvl="1"/>
-            <a:r>
-              <a:rPr lang="en-US" smtClean="0"/>
-              <a:t>Second level</a:t>
-            </a:r>
-          </a:p>
-          <a:p>
-            <a:pPr lvl="2"/>
-            <a:r>
-              <a:rPr lang="en-US" smtClean="0"/>
-              <a:t>Third level</a:t>
-            </a:r>
-          </a:p>
-          <a:p>
-            <a:pPr lvl="3"/>
-            <a:r>
-              <a:rPr lang="en-US" smtClean="0"/>
-              <a:t>Fourth level</a:t>
-            </a:r>
-          </a:p>
-          <a:p>
-            <a:pPr lvl="4"/>
-            <a:r>
-              <a:rPr lang="en-US" smtClean="0"/>
-              <a:t>Fifth level</a:t>
-            </a:r>
-            <a:endParaRPr lang="en-US"/>
-          </a:p>
-        </p:txBody>
-      </p:sp>
-      <p:sp>
-        <p:nvSpPr>
-          <p:cNvPr id="7" name="Date Placeholder 6"/>
-          <p:cNvSpPr>
-            <a:spLocks noGrp="1"/>
-          </p:cNvSpPr>
-          <p:nvPr>
-            <p:ph type="dt" sz="half" idx="10"/>
-          </p:nvPr>
-        </p:nvSpPr>
-        <p:spPr>
-          <a:xfrm>
-            <a:off x="457200" y="6356350"/>
-            <a:ext cx="2133600" cy="365125"/>
-          </a:xfrm>
-          <a:prstGeom prst="rect">
-            <a:avLst/>
-          </a:prstGeom>
-        </p:spPr>
-        <p:txBody>
-          <a:bodyPr/>
-          <a:lstStyle/>
-          <a:p>
-            <a:pPr defTabSz="457200"/>
-            <a:fld id="{211E6469-1CA9-E747-A59C-E9BDF690280D}" type="datetime4">
-              <a:rPr lang="en-US">
-                <a:solidFill>
-                  <a:prstClr val="black"/>
-                </a:solidFill>
-              </a:rPr>
-              <a:pPr defTabSz="457200"/>
-              <a:t>January 15, 2016</a:t>
-            </a:fld>
-            <a:endParaRPr lang="en-US" dirty="0">
-              <a:solidFill>
-                <a:prstClr val="black"/>
-              </a:solidFill>
-            </a:endParaRPr>
-          </a:p>
-        </p:txBody>
-      </p:sp>
-      <p:sp>
-        <p:nvSpPr>
-          <p:cNvPr id="9" name="Slide Number Placeholder 8"/>
-          <p:cNvSpPr>
-            <a:spLocks noGrp="1"/>
-          </p:cNvSpPr>
-          <p:nvPr>
-            <p:ph type="sldNum" sz="quarter" idx="12"/>
-          </p:nvPr>
-        </p:nvSpPr>
-        <p:spPr/>
-        <p:txBody>
-          <a:bodyPr/>
-          <a:lstStyle/>
-          <a:p>
-            <a:fld id="{F49B8720-E526-BD45-92D7-B4028BF31DDE}" type="slidenum">
-              <a:rPr lang="en-US" smtClean="0">
-                <a:solidFill>
-                  <a:prstClr val="black">
-                    <a:tint val="75000"/>
-                  </a:prstClr>
-                </a:solidFill>
-              </a:rPr>
-              <a:pPr/>
-              <a:t>‹#›</a:t>
-            </a:fld>
-            <a:endParaRPr lang="en-US" dirty="0">
-              <a:solidFill>
-                <a:prstClr val="black">
-                  <a:tint val="75000"/>
-                </a:prstClr>
-              </a:solidFill>
-            </a:endParaRPr>
-          </a:p>
-        </p:txBody>
-      </p:sp>
-    </p:spTree>
-    <p:extLst>
-      <p:ext uri="{BB962C8B-B14F-4D97-AF65-F5344CB8AC3E}">
-        <p14:creationId xmlns:p14="http://schemas.microsoft.com/office/powerpoint/2010/main" val="1590720216"/>
-      </p:ext>
-    </p:extLst>
-  </p:cSld>
-  <p:clrMapOvr>
-    <a:masterClrMapping/>
-  </p:clrMapOvr>
-  <p:timing>
-    <p:tnLst>
-      <p:par>
-        <p:cTn id="1" dur="indefinite" restart="never" nodeType="tmRoot"/>
-      </p:par>
-    </p:tnLst>
-  </p:timing>
-</p:sldLayout>
-</file>
-
-<file path=ppt/slideLayouts/slideLayout28.xml><?xml version="1.0" encoding="utf-8"?>
-<p:sldLayout xmlns:a="http://schemas.openxmlformats.org/drawingml/2006/main" xmlns:r="http://schemas.openxmlformats.org/officeDocument/2006/relationships" xmlns:p="http://schemas.openxmlformats.org/presentationml/2006/main" type="titleOnly" preserve="1">
-  <p:cSld name="Title Only">
-    <p:spTree>
-      <p:nvGrpSpPr>
-        <p:cNvPr id="1" name=""/>
-        <p:cNvGrpSpPr/>
-        <p:nvPr/>
-      </p:nvGrpSpPr>
-      <p:grpSpPr>
-        <a:xfrm>
-          <a:off x="0" y="0"/>
-          <a:ext cx="0" cy="0"/>
-          <a:chOff x="0" y="0"/>
-          <a:chExt cx="0" cy="0"/>
-        </a:xfrm>
-      </p:grpSpPr>
-      <p:sp>
-        <p:nvSpPr>
-          <p:cNvPr id="2" name="Title 1"/>
-          <p:cNvSpPr>
-            <a:spLocks noGrp="1"/>
-          </p:cNvSpPr>
-          <p:nvPr>
-            <p:ph type="title"/>
-          </p:nvPr>
-        </p:nvSpPr>
-        <p:spPr/>
-        <p:txBody>
-          <a:bodyPr/>
-          <a:lstStyle/>
-          <a:p>
-            <a:r>
-              <a:rPr lang="en-US" smtClean="0"/>
-              <a:t>Click to edit Master title style</a:t>
-            </a:r>
-            <a:endParaRPr lang="en-US"/>
-          </a:p>
-        </p:txBody>
-      </p:sp>
-      <p:sp>
-        <p:nvSpPr>
-          <p:cNvPr id="3" name="Date Placeholder 2"/>
-          <p:cNvSpPr>
-            <a:spLocks noGrp="1"/>
-          </p:cNvSpPr>
-          <p:nvPr>
-            <p:ph type="dt" sz="half" idx="10"/>
-          </p:nvPr>
-        </p:nvSpPr>
-        <p:spPr>
-          <a:xfrm>
-            <a:off x="457200" y="6356350"/>
-            <a:ext cx="2133600" cy="365125"/>
-          </a:xfrm>
-          <a:prstGeom prst="rect">
-            <a:avLst/>
-          </a:prstGeom>
-        </p:spPr>
-        <p:txBody>
-          <a:bodyPr/>
-          <a:lstStyle/>
-          <a:p>
-            <a:pPr defTabSz="457200"/>
-            <a:fld id="{FEE2A634-2E46-2346-A1F4-60B3891F9544}" type="datetime4">
-              <a:rPr lang="en-US">
-                <a:solidFill>
-                  <a:prstClr val="black"/>
-                </a:solidFill>
-              </a:rPr>
-              <a:pPr defTabSz="457200"/>
-              <a:t>January 15, 2016</a:t>
-            </a:fld>
-            <a:endParaRPr lang="en-US" dirty="0">
-              <a:solidFill>
-                <a:prstClr val="black"/>
-              </a:solidFill>
-            </a:endParaRPr>
-          </a:p>
-        </p:txBody>
-      </p:sp>
-      <p:sp>
-        <p:nvSpPr>
-          <p:cNvPr id="4" name="Footer Placeholder 3"/>
-          <p:cNvSpPr>
-            <a:spLocks noGrp="1"/>
-          </p:cNvSpPr>
-          <p:nvPr>
-            <p:ph type="ftr" sz="quarter" idx="11"/>
-          </p:nvPr>
-        </p:nvSpPr>
-        <p:spPr/>
-        <p:txBody>
-          <a:bodyPr/>
-          <a:lstStyle/>
-          <a:p>
-            <a:r>
-              <a:rPr lang="en-US" dirty="0" smtClean="0">
-                <a:solidFill>
-                  <a:prstClr val="black">
-                    <a:tint val="75000"/>
-                  </a:prstClr>
-                </a:solidFill>
-              </a:rPr>
-              <a:t>ARPA-E Template</a:t>
-            </a:r>
-            <a:endParaRPr lang="en-US" dirty="0">
-              <a:solidFill>
-                <a:prstClr val="black">
-                  <a:tint val="75000"/>
-                </a:prstClr>
-              </a:solidFill>
-            </a:endParaRPr>
-          </a:p>
-        </p:txBody>
-      </p:sp>
-      <p:sp>
-        <p:nvSpPr>
-          <p:cNvPr id="5" name="Slide Number Placeholder 4"/>
-          <p:cNvSpPr>
-            <a:spLocks noGrp="1"/>
-          </p:cNvSpPr>
-          <p:nvPr>
-            <p:ph type="sldNum" sz="quarter" idx="12"/>
-          </p:nvPr>
-        </p:nvSpPr>
-        <p:spPr/>
-        <p:txBody>
-          <a:bodyPr/>
-          <a:lstStyle/>
-          <a:p>
-            <a:fld id="{F49B8720-E526-BD45-92D7-B4028BF31DDE}" type="slidenum">
-              <a:rPr lang="en-US" smtClean="0">
-                <a:solidFill>
-                  <a:prstClr val="black">
-                    <a:tint val="75000"/>
-                  </a:prstClr>
-                </a:solidFill>
-              </a:rPr>
-              <a:pPr/>
-              <a:t>‹#›</a:t>
-            </a:fld>
-            <a:endParaRPr lang="en-US" dirty="0">
-              <a:solidFill>
-                <a:prstClr val="black">
-                  <a:tint val="75000"/>
-                </a:prstClr>
-              </a:solidFill>
-            </a:endParaRPr>
-          </a:p>
-        </p:txBody>
-      </p:sp>
-    </p:spTree>
-    <p:extLst>
-      <p:ext uri="{BB962C8B-B14F-4D97-AF65-F5344CB8AC3E}">
-        <p14:creationId xmlns:p14="http://schemas.microsoft.com/office/powerpoint/2010/main" val="1096797934"/>
-      </p:ext>
-    </p:extLst>
-  </p:cSld>
-  <p:clrMapOvr>
-    <a:masterClrMapping/>
-  </p:clrMapOvr>
-  <p:timing>
-    <p:tnLst>
-      <p:par>
-        <p:cTn id="1" dur="indefinite" restart="never" nodeType="tmRoot"/>
-      </p:par>
-    </p:tnLst>
-  </p:timing>
-</p:sldLayout>
-</file>
-
-<file path=ppt/slideLayouts/slideLayout29.xml><?xml version="1.0" encoding="utf-8"?>
-<p:sldLayout xmlns:a="http://schemas.openxmlformats.org/drawingml/2006/main" xmlns:r="http://schemas.openxmlformats.org/officeDocument/2006/relationships" xmlns:p="http://schemas.openxmlformats.org/presentationml/2006/main" type="blank" preserve="1">
-  <p:cSld name="Blank">
-    <p:spTree>
-      <p:nvGrpSpPr>
-        <p:cNvPr id="1" name=""/>
-        <p:cNvGrpSpPr/>
-        <p:nvPr/>
-      </p:nvGrpSpPr>
-      <p:grpSpPr>
-        <a:xfrm>
-          <a:off x="0" y="0"/>
-          <a:ext cx="0" cy="0"/>
-          <a:chOff x="0" y="0"/>
-          <a:chExt cx="0" cy="0"/>
-        </a:xfrm>
-      </p:grpSpPr>
-      <p:sp>
-        <p:nvSpPr>
-          <p:cNvPr id="2" name="Date Placeholder 1"/>
-          <p:cNvSpPr>
-            <a:spLocks noGrp="1"/>
-          </p:cNvSpPr>
-          <p:nvPr>
-            <p:ph type="dt" sz="half" idx="10"/>
-          </p:nvPr>
-        </p:nvSpPr>
-        <p:spPr>
-          <a:xfrm>
-            <a:off x="457200" y="6356350"/>
-            <a:ext cx="2133600" cy="365125"/>
-          </a:xfrm>
-          <a:prstGeom prst="rect">
-            <a:avLst/>
-          </a:prstGeom>
-        </p:spPr>
-        <p:txBody>
-          <a:bodyPr/>
-          <a:lstStyle/>
-          <a:p>
-            <a:pPr defTabSz="457200"/>
-            <a:fld id="{A96E24C2-81E2-A24E-9E89-644074EF84A6}" type="datetime4">
-              <a:rPr lang="en-US">
-                <a:solidFill>
-                  <a:prstClr val="black"/>
-                </a:solidFill>
-              </a:rPr>
-              <a:pPr defTabSz="457200"/>
-              <a:t>January 15, 2016</a:t>
-            </a:fld>
-            <a:endParaRPr lang="en-US" dirty="0">
-              <a:solidFill>
-                <a:prstClr val="black"/>
-              </a:solidFill>
-            </a:endParaRPr>
-          </a:p>
-        </p:txBody>
-      </p:sp>
-      <p:sp>
-        <p:nvSpPr>
-          <p:cNvPr id="4" name="Slide Number Placeholder 3"/>
-          <p:cNvSpPr>
-            <a:spLocks noGrp="1"/>
-          </p:cNvSpPr>
-          <p:nvPr>
-            <p:ph type="sldNum" sz="quarter" idx="12"/>
-          </p:nvPr>
-        </p:nvSpPr>
-        <p:spPr/>
-        <p:txBody>
-          <a:bodyPr/>
-          <a:lstStyle/>
-          <a:p>
-            <a:fld id="{F49B8720-E526-BD45-92D7-B4028BF31DDE}" type="slidenum">
-              <a:rPr lang="en-US" smtClean="0">
-                <a:solidFill>
-                  <a:prstClr val="black">
-                    <a:tint val="75000"/>
-                  </a:prstClr>
-                </a:solidFill>
-              </a:rPr>
-              <a:pPr/>
-              <a:t>‹#›</a:t>
-            </a:fld>
-            <a:endParaRPr lang="en-US" dirty="0">
-              <a:solidFill>
-                <a:prstClr val="black">
-                  <a:tint val="75000"/>
-                </a:prstClr>
-              </a:solidFill>
-            </a:endParaRPr>
-          </a:p>
-        </p:txBody>
-      </p:sp>
-    </p:spTree>
-    <p:extLst>
-      <p:ext uri="{BB962C8B-B14F-4D97-AF65-F5344CB8AC3E}">
-        <p14:creationId xmlns:p14="http://schemas.microsoft.com/office/powerpoint/2010/main" val="1773216455"/>
+        <p14:creationId xmlns:p14="http://schemas.microsoft.com/office/powerpoint/2010/main" val="3329715082"/>
       </p:ext>
     </p:extLst>
   </p:cSld>
@@ -6215,7 +4445,7 @@
                 </a:solidFill>
               </a:rPr>
               <a:pPr defTabSz="457200"/>
-              <a:t>January 15, 2016</a:t>
+              <a:t>January 17, 2016</a:t>
             </a:fld>
             <a:endParaRPr lang="en-US" dirty="0">
               <a:solidFill>
@@ -6265,990 +4495,6 @@
     <p:extLst>
       <p:ext uri="{BB962C8B-B14F-4D97-AF65-F5344CB8AC3E}">
         <p14:creationId xmlns:p14="http://schemas.microsoft.com/office/powerpoint/2010/main" val="2105627600"/>
-      </p:ext>
-    </p:extLst>
-  </p:cSld>
-  <p:clrMapOvr>
-    <a:masterClrMapping/>
-  </p:clrMapOvr>
-  <p:timing>
-    <p:tnLst>
-      <p:par>
-        <p:cTn id="1" dur="indefinite" restart="never" nodeType="tmRoot"/>
-      </p:par>
-    </p:tnLst>
-  </p:timing>
-</p:sldLayout>
-</file>
-
-<file path=ppt/slideLayouts/slideLayout30.xml><?xml version="1.0" encoding="utf-8"?>
-<p:sldLayout xmlns:a="http://schemas.openxmlformats.org/drawingml/2006/main" xmlns:r="http://schemas.openxmlformats.org/officeDocument/2006/relationships" xmlns:p="http://schemas.openxmlformats.org/presentationml/2006/main" type="objTx" preserve="1">
-  <p:cSld name="Content with Caption">
-    <p:spTree>
-      <p:nvGrpSpPr>
-        <p:cNvPr id="1" name=""/>
-        <p:cNvGrpSpPr/>
-        <p:nvPr/>
-      </p:nvGrpSpPr>
-      <p:grpSpPr>
-        <a:xfrm>
-          <a:off x="0" y="0"/>
-          <a:ext cx="0" cy="0"/>
-          <a:chOff x="0" y="0"/>
-          <a:chExt cx="0" cy="0"/>
-        </a:xfrm>
-      </p:grpSpPr>
-      <p:sp>
-        <p:nvSpPr>
-          <p:cNvPr id="2" name="Title 1"/>
-          <p:cNvSpPr>
-            <a:spLocks noGrp="1"/>
-          </p:cNvSpPr>
-          <p:nvPr>
-            <p:ph type="title"/>
-          </p:nvPr>
-        </p:nvSpPr>
-        <p:spPr>
-          <a:xfrm>
-            <a:off x="457200" y="273050"/>
-            <a:ext cx="3008313" cy="1162050"/>
-          </a:xfrm>
-        </p:spPr>
-        <p:txBody>
-          <a:bodyPr anchor="b"/>
-          <a:lstStyle>
-            <a:lvl1pPr algn="l">
-              <a:defRPr sz="2000" b="1"/>
-            </a:lvl1pPr>
-          </a:lstStyle>
-          <a:p>
-            <a:r>
-              <a:rPr lang="en-US" smtClean="0"/>
-              <a:t>Click to edit Master title style</a:t>
-            </a:r>
-            <a:endParaRPr lang="en-US"/>
-          </a:p>
-        </p:txBody>
-      </p:sp>
-      <p:sp>
-        <p:nvSpPr>
-          <p:cNvPr id="3" name="Content Placeholder 2"/>
-          <p:cNvSpPr>
-            <a:spLocks noGrp="1"/>
-          </p:cNvSpPr>
-          <p:nvPr>
-            <p:ph idx="1"/>
-          </p:nvPr>
-        </p:nvSpPr>
-        <p:spPr>
-          <a:xfrm>
-            <a:off x="3575050" y="273050"/>
-            <a:ext cx="5111750" cy="5853113"/>
-          </a:xfrm>
-        </p:spPr>
-        <p:txBody>
-          <a:bodyPr/>
-          <a:lstStyle>
-            <a:lvl1pPr>
-              <a:defRPr sz="3200"/>
-            </a:lvl1pPr>
-            <a:lvl2pPr>
-              <a:defRPr sz="2800"/>
-            </a:lvl2pPr>
-            <a:lvl3pPr>
-              <a:defRPr sz="2400"/>
-            </a:lvl3pPr>
-            <a:lvl4pPr>
-              <a:defRPr sz="2000"/>
-            </a:lvl4pPr>
-            <a:lvl5pPr>
-              <a:defRPr sz="2000"/>
-            </a:lvl5pPr>
-            <a:lvl6pPr>
-              <a:defRPr sz="2000"/>
-            </a:lvl6pPr>
-            <a:lvl7pPr>
-              <a:defRPr sz="2000"/>
-            </a:lvl7pPr>
-            <a:lvl8pPr>
-              <a:defRPr sz="2000"/>
-            </a:lvl8pPr>
-            <a:lvl9pPr>
-              <a:defRPr sz="2000"/>
-            </a:lvl9pPr>
-          </a:lstStyle>
-          <a:p>
-            <a:pPr lvl="0"/>
-            <a:r>
-              <a:rPr lang="en-US" smtClean="0"/>
-              <a:t>Click to edit Master text styles</a:t>
-            </a:r>
-          </a:p>
-          <a:p>
-            <a:pPr lvl="1"/>
-            <a:r>
-              <a:rPr lang="en-US" smtClean="0"/>
-              <a:t>Second level</a:t>
-            </a:r>
-          </a:p>
-          <a:p>
-            <a:pPr lvl="2"/>
-            <a:r>
-              <a:rPr lang="en-US" smtClean="0"/>
-              <a:t>Third level</a:t>
-            </a:r>
-          </a:p>
-          <a:p>
-            <a:pPr lvl="3"/>
-            <a:r>
-              <a:rPr lang="en-US" smtClean="0"/>
-              <a:t>Fourth level</a:t>
-            </a:r>
-          </a:p>
-          <a:p>
-            <a:pPr lvl="4"/>
-            <a:r>
-              <a:rPr lang="en-US" smtClean="0"/>
-              <a:t>Fifth level</a:t>
-            </a:r>
-            <a:endParaRPr lang="en-US"/>
-          </a:p>
-        </p:txBody>
-      </p:sp>
-      <p:sp>
-        <p:nvSpPr>
-          <p:cNvPr id="4" name="Text Placeholder 3"/>
-          <p:cNvSpPr>
-            <a:spLocks noGrp="1"/>
-          </p:cNvSpPr>
-          <p:nvPr>
-            <p:ph type="body" sz="half" idx="2"/>
-          </p:nvPr>
-        </p:nvSpPr>
-        <p:spPr>
-          <a:xfrm>
-            <a:off x="457200" y="1435100"/>
-            <a:ext cx="3008313" cy="4691063"/>
-          </a:xfrm>
-        </p:spPr>
-        <p:txBody>
-          <a:bodyPr/>
-          <a:lstStyle>
-            <a:lvl1pPr marL="0" indent="0">
-              <a:buNone/>
-              <a:defRPr sz="1400"/>
-            </a:lvl1pPr>
-            <a:lvl2pPr marL="457200" indent="0">
-              <a:buNone/>
-              <a:defRPr sz="1200"/>
-            </a:lvl2pPr>
-            <a:lvl3pPr marL="914400" indent="0">
-              <a:buNone/>
-              <a:defRPr sz="1000"/>
-            </a:lvl3pPr>
-            <a:lvl4pPr marL="1371600" indent="0">
-              <a:buNone/>
-              <a:defRPr sz="900"/>
-            </a:lvl4pPr>
-            <a:lvl5pPr marL="1828800" indent="0">
-              <a:buNone/>
-              <a:defRPr sz="900"/>
-            </a:lvl5pPr>
-            <a:lvl6pPr marL="2286000" indent="0">
-              <a:buNone/>
-              <a:defRPr sz="900"/>
-            </a:lvl6pPr>
-            <a:lvl7pPr marL="2743200" indent="0">
-              <a:buNone/>
-              <a:defRPr sz="900"/>
-            </a:lvl7pPr>
-            <a:lvl8pPr marL="3200400" indent="0">
-              <a:buNone/>
-              <a:defRPr sz="900"/>
-            </a:lvl8pPr>
-            <a:lvl9pPr marL="3657600" indent="0">
-              <a:buNone/>
-              <a:defRPr sz="900"/>
-            </a:lvl9pPr>
-          </a:lstStyle>
-          <a:p>
-            <a:pPr lvl="0"/>
-            <a:r>
-              <a:rPr lang="en-US" smtClean="0"/>
-              <a:t>Click to edit Master text styles</a:t>
-            </a:r>
-          </a:p>
-        </p:txBody>
-      </p:sp>
-      <p:sp>
-        <p:nvSpPr>
-          <p:cNvPr id="5" name="Date Placeholder 4"/>
-          <p:cNvSpPr>
-            <a:spLocks noGrp="1"/>
-          </p:cNvSpPr>
-          <p:nvPr>
-            <p:ph type="dt" sz="half" idx="10"/>
-          </p:nvPr>
-        </p:nvSpPr>
-        <p:spPr>
-          <a:xfrm>
-            <a:off x="457200" y="6356350"/>
-            <a:ext cx="2133600" cy="365125"/>
-          </a:xfrm>
-          <a:prstGeom prst="rect">
-            <a:avLst/>
-          </a:prstGeom>
-        </p:spPr>
-        <p:txBody>
-          <a:bodyPr/>
-          <a:lstStyle/>
-          <a:p>
-            <a:pPr defTabSz="457200"/>
-            <a:fld id="{C9F0798C-2D51-AC4F-B370-F9B16728B207}" type="datetime4">
-              <a:rPr lang="en-US">
-                <a:solidFill>
-                  <a:prstClr val="black"/>
-                </a:solidFill>
-              </a:rPr>
-              <a:pPr defTabSz="457200"/>
-              <a:t>January 15, 2016</a:t>
-            </a:fld>
-            <a:endParaRPr lang="en-US" dirty="0">
-              <a:solidFill>
-                <a:prstClr val="black"/>
-              </a:solidFill>
-            </a:endParaRPr>
-          </a:p>
-        </p:txBody>
-      </p:sp>
-      <p:sp>
-        <p:nvSpPr>
-          <p:cNvPr id="7" name="Slide Number Placeholder 6"/>
-          <p:cNvSpPr>
-            <a:spLocks noGrp="1"/>
-          </p:cNvSpPr>
-          <p:nvPr>
-            <p:ph type="sldNum" sz="quarter" idx="12"/>
-          </p:nvPr>
-        </p:nvSpPr>
-        <p:spPr/>
-        <p:txBody>
-          <a:bodyPr/>
-          <a:lstStyle/>
-          <a:p>
-            <a:fld id="{F49B8720-E526-BD45-92D7-B4028BF31DDE}" type="slidenum">
-              <a:rPr lang="en-US" smtClean="0">
-                <a:solidFill>
-                  <a:prstClr val="black">
-                    <a:tint val="75000"/>
-                  </a:prstClr>
-                </a:solidFill>
-              </a:rPr>
-              <a:pPr/>
-              <a:t>‹#›</a:t>
-            </a:fld>
-            <a:endParaRPr lang="en-US" dirty="0">
-              <a:solidFill>
-                <a:prstClr val="black">
-                  <a:tint val="75000"/>
-                </a:prstClr>
-              </a:solidFill>
-            </a:endParaRPr>
-          </a:p>
-        </p:txBody>
-      </p:sp>
-    </p:spTree>
-    <p:extLst>
-      <p:ext uri="{BB962C8B-B14F-4D97-AF65-F5344CB8AC3E}">
-        <p14:creationId xmlns:p14="http://schemas.microsoft.com/office/powerpoint/2010/main" val="2503998029"/>
-      </p:ext>
-    </p:extLst>
-  </p:cSld>
-  <p:clrMapOvr>
-    <a:masterClrMapping/>
-  </p:clrMapOvr>
-  <p:timing>
-    <p:tnLst>
-      <p:par>
-        <p:cTn id="1" dur="indefinite" restart="never" nodeType="tmRoot"/>
-      </p:par>
-    </p:tnLst>
-  </p:timing>
-</p:sldLayout>
-</file>
-
-<file path=ppt/slideLayouts/slideLayout31.xml><?xml version="1.0" encoding="utf-8"?>
-<p:sldLayout xmlns:a="http://schemas.openxmlformats.org/drawingml/2006/main" xmlns:r="http://schemas.openxmlformats.org/officeDocument/2006/relationships" xmlns:p="http://schemas.openxmlformats.org/presentationml/2006/main" type="picTx" preserve="1">
-  <p:cSld name="Picture with Caption">
-    <p:spTree>
-      <p:nvGrpSpPr>
-        <p:cNvPr id="1" name=""/>
-        <p:cNvGrpSpPr/>
-        <p:nvPr/>
-      </p:nvGrpSpPr>
-      <p:grpSpPr>
-        <a:xfrm>
-          <a:off x="0" y="0"/>
-          <a:ext cx="0" cy="0"/>
-          <a:chOff x="0" y="0"/>
-          <a:chExt cx="0" cy="0"/>
-        </a:xfrm>
-      </p:grpSpPr>
-      <p:sp>
-        <p:nvSpPr>
-          <p:cNvPr id="2" name="Title 1"/>
-          <p:cNvSpPr>
-            <a:spLocks noGrp="1"/>
-          </p:cNvSpPr>
-          <p:nvPr>
-            <p:ph type="title"/>
-          </p:nvPr>
-        </p:nvSpPr>
-        <p:spPr>
-          <a:xfrm>
-            <a:off x="1792288" y="4800600"/>
-            <a:ext cx="5486400" cy="566738"/>
-          </a:xfrm>
-        </p:spPr>
-        <p:txBody>
-          <a:bodyPr anchor="b"/>
-          <a:lstStyle>
-            <a:lvl1pPr algn="l">
-              <a:defRPr sz="2000" b="1"/>
-            </a:lvl1pPr>
-          </a:lstStyle>
-          <a:p>
-            <a:r>
-              <a:rPr lang="en-US" smtClean="0"/>
-              <a:t>Click to edit Master title style</a:t>
-            </a:r>
-            <a:endParaRPr lang="en-US"/>
-          </a:p>
-        </p:txBody>
-      </p:sp>
-      <p:sp>
-        <p:nvSpPr>
-          <p:cNvPr id="3" name="Picture Placeholder 2"/>
-          <p:cNvSpPr>
-            <a:spLocks noGrp="1"/>
-          </p:cNvSpPr>
-          <p:nvPr>
-            <p:ph type="pic" idx="1"/>
-          </p:nvPr>
-        </p:nvSpPr>
-        <p:spPr>
-          <a:xfrm>
-            <a:off x="1792288" y="612775"/>
-            <a:ext cx="5486400" cy="4114800"/>
-          </a:xfrm>
-        </p:spPr>
-        <p:txBody>
-          <a:bodyPr/>
-          <a:lstStyle>
-            <a:lvl1pPr marL="0" indent="0">
-              <a:buNone/>
-              <a:defRPr sz="3200"/>
-            </a:lvl1pPr>
-            <a:lvl2pPr marL="457200" indent="0">
-              <a:buNone/>
-              <a:defRPr sz="2800"/>
-            </a:lvl2pPr>
-            <a:lvl3pPr marL="914400" indent="0">
-              <a:buNone/>
-              <a:defRPr sz="2400"/>
-            </a:lvl3pPr>
-            <a:lvl4pPr marL="1371600" indent="0">
-              <a:buNone/>
-              <a:defRPr sz="2000"/>
-            </a:lvl4pPr>
-            <a:lvl5pPr marL="1828800" indent="0">
-              <a:buNone/>
-              <a:defRPr sz="2000"/>
-            </a:lvl5pPr>
-            <a:lvl6pPr marL="2286000" indent="0">
-              <a:buNone/>
-              <a:defRPr sz="2000"/>
-            </a:lvl6pPr>
-            <a:lvl7pPr marL="2743200" indent="0">
-              <a:buNone/>
-              <a:defRPr sz="2000"/>
-            </a:lvl7pPr>
-            <a:lvl8pPr marL="3200400" indent="0">
-              <a:buNone/>
-              <a:defRPr sz="2000"/>
-            </a:lvl8pPr>
-            <a:lvl9pPr marL="3657600" indent="0">
-              <a:buNone/>
-              <a:defRPr sz="2000"/>
-            </a:lvl9pPr>
-          </a:lstStyle>
-          <a:p>
-            <a:endParaRPr lang="en-US" dirty="0"/>
-          </a:p>
-        </p:txBody>
-      </p:sp>
-      <p:sp>
-        <p:nvSpPr>
-          <p:cNvPr id="4" name="Text Placeholder 3"/>
-          <p:cNvSpPr>
-            <a:spLocks noGrp="1"/>
-          </p:cNvSpPr>
-          <p:nvPr>
-            <p:ph type="body" sz="half" idx="2"/>
-          </p:nvPr>
-        </p:nvSpPr>
-        <p:spPr>
-          <a:xfrm>
-            <a:off x="1792288" y="5367338"/>
-            <a:ext cx="5486400" cy="804862"/>
-          </a:xfrm>
-        </p:spPr>
-        <p:txBody>
-          <a:bodyPr/>
-          <a:lstStyle>
-            <a:lvl1pPr marL="0" indent="0">
-              <a:buNone/>
-              <a:defRPr sz="1400"/>
-            </a:lvl1pPr>
-            <a:lvl2pPr marL="457200" indent="0">
-              <a:buNone/>
-              <a:defRPr sz="1200"/>
-            </a:lvl2pPr>
-            <a:lvl3pPr marL="914400" indent="0">
-              <a:buNone/>
-              <a:defRPr sz="1000"/>
-            </a:lvl3pPr>
-            <a:lvl4pPr marL="1371600" indent="0">
-              <a:buNone/>
-              <a:defRPr sz="900"/>
-            </a:lvl4pPr>
-            <a:lvl5pPr marL="1828800" indent="0">
-              <a:buNone/>
-              <a:defRPr sz="900"/>
-            </a:lvl5pPr>
-            <a:lvl6pPr marL="2286000" indent="0">
-              <a:buNone/>
-              <a:defRPr sz="900"/>
-            </a:lvl6pPr>
-            <a:lvl7pPr marL="2743200" indent="0">
-              <a:buNone/>
-              <a:defRPr sz="900"/>
-            </a:lvl7pPr>
-            <a:lvl8pPr marL="3200400" indent="0">
-              <a:buNone/>
-              <a:defRPr sz="900"/>
-            </a:lvl8pPr>
-            <a:lvl9pPr marL="3657600" indent="0">
-              <a:buNone/>
-              <a:defRPr sz="900"/>
-            </a:lvl9pPr>
-          </a:lstStyle>
-          <a:p>
-            <a:pPr lvl="0"/>
-            <a:r>
-              <a:rPr lang="en-US" smtClean="0"/>
-              <a:t>Click to edit Master text styles</a:t>
-            </a:r>
-          </a:p>
-        </p:txBody>
-      </p:sp>
-      <p:sp>
-        <p:nvSpPr>
-          <p:cNvPr id="5" name="Date Placeholder 4"/>
-          <p:cNvSpPr>
-            <a:spLocks noGrp="1"/>
-          </p:cNvSpPr>
-          <p:nvPr>
-            <p:ph type="dt" sz="half" idx="10"/>
-          </p:nvPr>
-        </p:nvSpPr>
-        <p:spPr>
-          <a:xfrm>
-            <a:off x="457200" y="6356350"/>
-            <a:ext cx="2133600" cy="365125"/>
-          </a:xfrm>
-          <a:prstGeom prst="rect">
-            <a:avLst/>
-          </a:prstGeom>
-        </p:spPr>
-        <p:txBody>
-          <a:bodyPr/>
-          <a:lstStyle/>
-          <a:p>
-            <a:pPr defTabSz="457200"/>
-            <a:fld id="{111B8516-7D11-9747-B20B-0FBB1408ED0E}" type="datetime4">
-              <a:rPr lang="en-US">
-                <a:solidFill>
-                  <a:prstClr val="black"/>
-                </a:solidFill>
-              </a:rPr>
-              <a:pPr defTabSz="457200"/>
-              <a:t>January 15, 2016</a:t>
-            </a:fld>
-            <a:endParaRPr lang="en-US" dirty="0">
-              <a:solidFill>
-                <a:prstClr val="black"/>
-              </a:solidFill>
-            </a:endParaRPr>
-          </a:p>
-        </p:txBody>
-      </p:sp>
-      <p:sp>
-        <p:nvSpPr>
-          <p:cNvPr id="6" name="Footer Placeholder 5"/>
-          <p:cNvSpPr>
-            <a:spLocks noGrp="1"/>
-          </p:cNvSpPr>
-          <p:nvPr>
-            <p:ph type="ftr" sz="quarter" idx="11"/>
-          </p:nvPr>
-        </p:nvSpPr>
-        <p:spPr/>
-        <p:txBody>
-          <a:bodyPr/>
-          <a:lstStyle/>
-          <a:p>
-            <a:r>
-              <a:rPr lang="en-US" dirty="0" smtClean="0">
-                <a:solidFill>
-                  <a:prstClr val="black">
-                    <a:tint val="75000"/>
-                  </a:prstClr>
-                </a:solidFill>
-              </a:rPr>
-              <a:t>ARPA-E Template</a:t>
-            </a:r>
-            <a:endParaRPr lang="en-US" dirty="0">
-              <a:solidFill>
-                <a:prstClr val="black">
-                  <a:tint val="75000"/>
-                </a:prstClr>
-              </a:solidFill>
-            </a:endParaRPr>
-          </a:p>
-        </p:txBody>
-      </p:sp>
-      <p:sp>
-        <p:nvSpPr>
-          <p:cNvPr id="7" name="Slide Number Placeholder 6"/>
-          <p:cNvSpPr>
-            <a:spLocks noGrp="1"/>
-          </p:cNvSpPr>
-          <p:nvPr>
-            <p:ph type="sldNum" sz="quarter" idx="12"/>
-          </p:nvPr>
-        </p:nvSpPr>
-        <p:spPr/>
-        <p:txBody>
-          <a:bodyPr/>
-          <a:lstStyle/>
-          <a:p>
-            <a:fld id="{F49B8720-E526-BD45-92D7-B4028BF31DDE}" type="slidenum">
-              <a:rPr lang="en-US" smtClean="0">
-                <a:solidFill>
-                  <a:prstClr val="black">
-                    <a:tint val="75000"/>
-                  </a:prstClr>
-                </a:solidFill>
-              </a:rPr>
-              <a:pPr/>
-              <a:t>‹#›</a:t>
-            </a:fld>
-            <a:endParaRPr lang="en-US" dirty="0">
-              <a:solidFill>
-                <a:prstClr val="black">
-                  <a:tint val="75000"/>
-                </a:prstClr>
-              </a:solidFill>
-            </a:endParaRPr>
-          </a:p>
-        </p:txBody>
-      </p:sp>
-    </p:spTree>
-    <p:extLst>
-      <p:ext uri="{BB962C8B-B14F-4D97-AF65-F5344CB8AC3E}">
-        <p14:creationId xmlns:p14="http://schemas.microsoft.com/office/powerpoint/2010/main" val="2615124737"/>
-      </p:ext>
-    </p:extLst>
-  </p:cSld>
-  <p:clrMapOvr>
-    <a:masterClrMapping/>
-  </p:clrMapOvr>
-</p:sldLayout>
-</file>
-
-<file path=ppt/slideLayouts/slideLayout32.xml><?xml version="1.0" encoding="utf-8"?>
-<p:sldLayout xmlns:a="http://schemas.openxmlformats.org/drawingml/2006/main" xmlns:r="http://schemas.openxmlformats.org/officeDocument/2006/relationships" xmlns:p="http://schemas.openxmlformats.org/presentationml/2006/main" type="vertTx" preserve="1">
-  <p:cSld name="Title and Vertical Text">
-    <p:spTree>
-      <p:nvGrpSpPr>
-        <p:cNvPr id="1" name=""/>
-        <p:cNvGrpSpPr/>
-        <p:nvPr/>
-      </p:nvGrpSpPr>
-      <p:grpSpPr>
-        <a:xfrm>
-          <a:off x="0" y="0"/>
-          <a:ext cx="0" cy="0"/>
-          <a:chOff x="0" y="0"/>
-          <a:chExt cx="0" cy="0"/>
-        </a:xfrm>
-      </p:grpSpPr>
-      <p:sp>
-        <p:nvSpPr>
-          <p:cNvPr id="2" name="Title 1"/>
-          <p:cNvSpPr>
-            <a:spLocks noGrp="1"/>
-          </p:cNvSpPr>
-          <p:nvPr>
-            <p:ph type="title"/>
-          </p:nvPr>
-        </p:nvSpPr>
-        <p:spPr/>
-        <p:txBody>
-          <a:bodyPr/>
-          <a:lstStyle/>
-          <a:p>
-            <a:r>
-              <a:rPr lang="en-US" smtClean="0"/>
-              <a:t>Click to edit Master title style</a:t>
-            </a:r>
-            <a:endParaRPr lang="en-US"/>
-          </a:p>
-        </p:txBody>
-      </p:sp>
-      <p:sp>
-        <p:nvSpPr>
-          <p:cNvPr id="3" name="Vertical Text Placeholder 2"/>
-          <p:cNvSpPr>
-            <a:spLocks noGrp="1"/>
-          </p:cNvSpPr>
-          <p:nvPr>
-            <p:ph type="body" orient="vert" idx="1"/>
-          </p:nvPr>
-        </p:nvSpPr>
-        <p:spPr/>
-        <p:txBody>
-          <a:bodyPr vert="eaVert"/>
-          <a:lstStyle/>
-          <a:p>
-            <a:pPr lvl="0"/>
-            <a:r>
-              <a:rPr lang="en-US" smtClean="0"/>
-              <a:t>Click to edit Master text styles</a:t>
-            </a:r>
-          </a:p>
-          <a:p>
-            <a:pPr lvl="1"/>
-            <a:r>
-              <a:rPr lang="en-US" smtClean="0"/>
-              <a:t>Second level</a:t>
-            </a:r>
-          </a:p>
-          <a:p>
-            <a:pPr lvl="2"/>
-            <a:r>
-              <a:rPr lang="en-US" smtClean="0"/>
-              <a:t>Third level</a:t>
-            </a:r>
-          </a:p>
-          <a:p>
-            <a:pPr lvl="3"/>
-            <a:r>
-              <a:rPr lang="en-US" smtClean="0"/>
-              <a:t>Fourth level</a:t>
-            </a:r>
-          </a:p>
-          <a:p>
-            <a:pPr lvl="4"/>
-            <a:r>
-              <a:rPr lang="en-US" smtClean="0"/>
-              <a:t>Fifth level</a:t>
-            </a:r>
-            <a:endParaRPr lang="en-US"/>
-          </a:p>
-        </p:txBody>
-      </p:sp>
-      <p:sp>
-        <p:nvSpPr>
-          <p:cNvPr id="4" name="Date Placeholder 3"/>
-          <p:cNvSpPr>
-            <a:spLocks noGrp="1"/>
-          </p:cNvSpPr>
-          <p:nvPr>
-            <p:ph type="dt" sz="half" idx="10"/>
-          </p:nvPr>
-        </p:nvSpPr>
-        <p:spPr>
-          <a:xfrm>
-            <a:off x="457200" y="6356350"/>
-            <a:ext cx="2133600" cy="365125"/>
-          </a:xfrm>
-          <a:prstGeom prst="rect">
-            <a:avLst/>
-          </a:prstGeom>
-        </p:spPr>
-        <p:txBody>
-          <a:bodyPr/>
-          <a:lstStyle/>
-          <a:p>
-            <a:pPr defTabSz="457200"/>
-            <a:fld id="{BC06428A-09CD-364C-AE09-0CD2992B2FAC}" type="datetime4">
-              <a:rPr lang="en-US">
-                <a:solidFill>
-                  <a:prstClr val="black"/>
-                </a:solidFill>
-              </a:rPr>
-              <a:pPr defTabSz="457200"/>
-              <a:t>January 15, 2016</a:t>
-            </a:fld>
-            <a:endParaRPr lang="en-US" dirty="0">
-              <a:solidFill>
-                <a:prstClr val="black"/>
-              </a:solidFill>
-            </a:endParaRPr>
-          </a:p>
-        </p:txBody>
-      </p:sp>
-      <p:sp>
-        <p:nvSpPr>
-          <p:cNvPr id="6" name="Slide Number Placeholder 5"/>
-          <p:cNvSpPr>
-            <a:spLocks noGrp="1"/>
-          </p:cNvSpPr>
-          <p:nvPr>
-            <p:ph type="sldNum" sz="quarter" idx="12"/>
-          </p:nvPr>
-        </p:nvSpPr>
-        <p:spPr/>
-        <p:txBody>
-          <a:bodyPr/>
-          <a:lstStyle/>
-          <a:p>
-            <a:fld id="{F49B8720-E526-BD45-92D7-B4028BF31DDE}" type="slidenum">
-              <a:rPr lang="en-US" smtClean="0">
-                <a:solidFill>
-                  <a:prstClr val="black">
-                    <a:tint val="75000"/>
-                  </a:prstClr>
-                </a:solidFill>
-              </a:rPr>
-              <a:pPr/>
-              <a:t>‹#›</a:t>
-            </a:fld>
-            <a:endParaRPr lang="en-US" dirty="0">
-              <a:solidFill>
-                <a:prstClr val="black">
-                  <a:tint val="75000"/>
-                </a:prstClr>
-              </a:solidFill>
-            </a:endParaRPr>
-          </a:p>
-        </p:txBody>
-      </p:sp>
-    </p:spTree>
-    <p:extLst>
-      <p:ext uri="{BB962C8B-B14F-4D97-AF65-F5344CB8AC3E}">
-        <p14:creationId xmlns:p14="http://schemas.microsoft.com/office/powerpoint/2010/main" val="1601586088"/>
-      </p:ext>
-    </p:extLst>
-  </p:cSld>
-  <p:clrMapOvr>
-    <a:masterClrMapping/>
-  </p:clrMapOvr>
-  <p:timing>
-    <p:tnLst>
-      <p:par>
-        <p:cTn id="1" dur="indefinite" restart="never" nodeType="tmRoot"/>
-      </p:par>
-    </p:tnLst>
-  </p:timing>
-</p:sldLayout>
-</file>
-
-<file path=ppt/slideLayouts/slideLayout33.xml><?xml version="1.0" encoding="utf-8"?>
-<p:sldLayout xmlns:a="http://schemas.openxmlformats.org/drawingml/2006/main" xmlns:r="http://schemas.openxmlformats.org/officeDocument/2006/relationships" xmlns:p="http://schemas.openxmlformats.org/presentationml/2006/main" type="vertTitleAndTx" preserve="1">
-  <p:cSld name="Vertical Title and Text">
-    <p:spTree>
-      <p:nvGrpSpPr>
-        <p:cNvPr id="1" name=""/>
-        <p:cNvGrpSpPr/>
-        <p:nvPr/>
-      </p:nvGrpSpPr>
-      <p:grpSpPr>
-        <a:xfrm>
-          <a:off x="0" y="0"/>
-          <a:ext cx="0" cy="0"/>
-          <a:chOff x="0" y="0"/>
-          <a:chExt cx="0" cy="0"/>
-        </a:xfrm>
-      </p:grpSpPr>
-      <p:sp>
-        <p:nvSpPr>
-          <p:cNvPr id="2" name="Vertical Title 1"/>
-          <p:cNvSpPr>
-            <a:spLocks noGrp="1"/>
-          </p:cNvSpPr>
-          <p:nvPr>
-            <p:ph type="title" orient="vert"/>
-          </p:nvPr>
-        </p:nvSpPr>
-        <p:spPr>
-          <a:xfrm>
-            <a:off x="6629400" y="274638"/>
-            <a:ext cx="2057400" cy="5851525"/>
-          </a:xfrm>
-        </p:spPr>
-        <p:txBody>
-          <a:bodyPr vert="eaVert"/>
-          <a:lstStyle/>
-          <a:p>
-            <a:r>
-              <a:rPr lang="en-US" smtClean="0"/>
-              <a:t>Click to edit Master title style</a:t>
-            </a:r>
-            <a:endParaRPr lang="en-US"/>
-          </a:p>
-        </p:txBody>
-      </p:sp>
-      <p:sp>
-        <p:nvSpPr>
-          <p:cNvPr id="3" name="Vertical Text Placeholder 2"/>
-          <p:cNvSpPr>
-            <a:spLocks noGrp="1"/>
-          </p:cNvSpPr>
-          <p:nvPr>
-            <p:ph type="body" orient="vert" idx="1"/>
-          </p:nvPr>
-        </p:nvSpPr>
-        <p:spPr>
-          <a:xfrm>
-            <a:off x="457200" y="274638"/>
-            <a:ext cx="6019800" cy="5851525"/>
-          </a:xfrm>
-        </p:spPr>
-        <p:txBody>
-          <a:bodyPr vert="eaVert"/>
-          <a:lstStyle/>
-          <a:p>
-            <a:pPr lvl="0"/>
-            <a:r>
-              <a:rPr lang="en-US" smtClean="0"/>
-              <a:t>Click to edit Master text styles</a:t>
-            </a:r>
-          </a:p>
-          <a:p>
-            <a:pPr lvl="1"/>
-            <a:r>
-              <a:rPr lang="en-US" smtClean="0"/>
-              <a:t>Second level</a:t>
-            </a:r>
-          </a:p>
-          <a:p>
-            <a:pPr lvl="2"/>
-            <a:r>
-              <a:rPr lang="en-US" smtClean="0"/>
-              <a:t>Third level</a:t>
-            </a:r>
-          </a:p>
-          <a:p>
-            <a:pPr lvl="3"/>
-            <a:r>
-              <a:rPr lang="en-US" smtClean="0"/>
-              <a:t>Fourth level</a:t>
-            </a:r>
-          </a:p>
-          <a:p>
-            <a:pPr lvl="4"/>
-            <a:r>
-              <a:rPr lang="en-US" smtClean="0"/>
-              <a:t>Fifth level</a:t>
-            </a:r>
-            <a:endParaRPr lang="en-US"/>
-          </a:p>
-        </p:txBody>
-      </p:sp>
-      <p:sp>
-        <p:nvSpPr>
-          <p:cNvPr id="4" name="Date Placeholder 3"/>
-          <p:cNvSpPr>
-            <a:spLocks noGrp="1"/>
-          </p:cNvSpPr>
-          <p:nvPr>
-            <p:ph type="dt" sz="half" idx="10"/>
-          </p:nvPr>
-        </p:nvSpPr>
-        <p:spPr>
-          <a:xfrm>
-            <a:off x="457200" y="6356350"/>
-            <a:ext cx="2133600" cy="365125"/>
-          </a:xfrm>
-          <a:prstGeom prst="rect">
-            <a:avLst/>
-          </a:prstGeom>
-        </p:spPr>
-        <p:txBody>
-          <a:bodyPr/>
-          <a:lstStyle/>
-          <a:p>
-            <a:pPr defTabSz="457200"/>
-            <a:fld id="{AFA25E7F-AC0A-D84A-A7E2-BA0E92419464}" type="datetime4">
-              <a:rPr lang="en-US">
-                <a:solidFill>
-                  <a:prstClr val="black"/>
-                </a:solidFill>
-              </a:rPr>
-              <a:pPr defTabSz="457200"/>
-              <a:t>January 15, 2016</a:t>
-            </a:fld>
-            <a:endParaRPr lang="en-US" dirty="0">
-              <a:solidFill>
-                <a:prstClr val="black"/>
-              </a:solidFill>
-            </a:endParaRPr>
-          </a:p>
-        </p:txBody>
-      </p:sp>
-      <p:sp>
-        <p:nvSpPr>
-          <p:cNvPr id="6" name="Slide Number Placeholder 5"/>
-          <p:cNvSpPr>
-            <a:spLocks noGrp="1"/>
-          </p:cNvSpPr>
-          <p:nvPr>
-            <p:ph type="sldNum" sz="quarter" idx="12"/>
-          </p:nvPr>
-        </p:nvSpPr>
-        <p:spPr/>
-        <p:txBody>
-          <a:bodyPr/>
-          <a:lstStyle/>
-          <a:p>
-            <a:fld id="{F49B8720-E526-BD45-92D7-B4028BF31DDE}" type="slidenum">
-              <a:rPr lang="en-US" smtClean="0">
-                <a:solidFill>
-                  <a:prstClr val="black">
-                    <a:tint val="75000"/>
-                  </a:prstClr>
-                </a:solidFill>
-              </a:rPr>
-              <a:pPr/>
-              <a:t>‹#›</a:t>
-            </a:fld>
-            <a:endParaRPr lang="en-US" dirty="0">
-              <a:solidFill>
-                <a:prstClr val="black">
-                  <a:tint val="75000"/>
-                </a:prstClr>
-              </a:solidFill>
-            </a:endParaRPr>
-          </a:p>
-        </p:txBody>
-      </p:sp>
-    </p:spTree>
-    <p:extLst>
-      <p:ext uri="{BB962C8B-B14F-4D97-AF65-F5344CB8AC3E}">
-        <p14:creationId xmlns:p14="http://schemas.microsoft.com/office/powerpoint/2010/main" val="3329715082"/>
       </p:ext>
     </p:extLst>
   </p:cSld>
@@ -7922,7 +5168,7 @@
                 </a:solidFill>
               </a:rPr>
               <a:pPr defTabSz="457200"/>
-              <a:t>January 15, 2016</a:t>
+              <a:t>January 17, 2016</a:t>
             </a:fld>
             <a:endParaRPr lang="en-US" dirty="0">
               <a:solidFill>
@@ -8059,7 +5305,7 @@
                 </a:solidFill>
               </a:rPr>
               <a:pPr defTabSz="457200"/>
-              <a:t>January 15, 2016</a:t>
+              <a:t>January 17, 2016</a:t>
             </a:fld>
             <a:endParaRPr lang="en-US" dirty="0">
               <a:solidFill>
@@ -8208,7 +5454,7 @@
                 </a:solidFill>
               </a:rPr>
               <a:pPr defTabSz="457200"/>
-              <a:t>January 15, 2016</a:t>
+              <a:t>January 17, 2016</a:t>
             </a:fld>
             <a:endParaRPr lang="en-US" dirty="0">
               <a:solidFill>
@@ -8504,7 +5750,7 @@
                 </a:solidFill>
               </a:rPr>
               <a:pPr defTabSz="457200"/>
-              <a:t>January 15, 2016</a:t>
+              <a:t>January 17, 2016</a:t>
             </a:fld>
             <a:endParaRPr lang="en-US" dirty="0">
               <a:solidFill>
@@ -8776,7 +6022,7 @@
                 </a:solidFill>
               </a:rPr>
               <a:pPr defTabSz="457200"/>
-              <a:t>January 15, 2016</a:t>
+              <a:t>January 17, 2016</a:t>
             </a:fld>
             <a:endParaRPr lang="en-US" dirty="0">
               <a:solidFill>
@@ -9727,574 +6973,6 @@
     </p:spTree>
     <p:extLst>
       <p:ext uri="{BB962C8B-B14F-4D97-AF65-F5344CB8AC3E}">
-        <p14:creationId xmlns:p14="http://schemas.microsoft.com/office/powerpoint/2010/main" val="855329836"/>
-      </p:ext>
-    </p:extLst>
-  </p:cSld>
-  <p:clrMap bg1="lt1" tx1="dk1" bg2="lt2" tx2="dk2" accent1="accent1" accent2="accent2" accent3="accent3" accent4="accent4" accent5="accent5" accent6="accent6" hlink="hlink" folHlink="folHlink"/>
-  <p:sldLayoutIdLst>
-    <p:sldLayoutId id="2147483673" r:id="rId1"/>
-    <p:sldLayoutId id="2147483674" r:id="rId2"/>
-    <p:sldLayoutId id="2147483675" r:id="rId3"/>
-    <p:sldLayoutId id="2147483676" r:id="rId4"/>
-    <p:sldLayoutId id="2147483677" r:id="rId5"/>
-    <p:sldLayoutId id="2147483678" r:id="rId6"/>
-    <p:sldLayoutId id="2147483679" r:id="rId7"/>
-    <p:sldLayoutId id="2147483680" r:id="rId8"/>
-    <p:sldLayoutId id="2147483681" r:id="rId9"/>
-    <p:sldLayoutId id="2147483682" r:id="rId10"/>
-    <p:sldLayoutId id="2147483683" r:id="rId11"/>
-  </p:sldLayoutIdLst>
-  <p:timing>
-    <p:tnLst>
-      <p:par>
-        <p:cTn id="1" dur="indefinite" restart="never" nodeType="tmRoot"/>
-      </p:par>
-    </p:tnLst>
-  </p:timing>
-  <p:hf hdr="0"/>
-  <p:txStyles>
-    <p:titleStyle>
-      <a:lvl1pPr algn="ctr" defTabSz="457200" rtl="0" eaLnBrk="1" latinLnBrk="0" hangingPunct="1">
-        <a:spcBef>
-          <a:spcPct val="0"/>
-        </a:spcBef>
-        <a:buNone/>
-        <a:defRPr sz="4400" kern="1200">
-          <a:solidFill>
-            <a:schemeClr val="tx1"/>
-          </a:solidFill>
-          <a:latin typeface="+mj-lt"/>
-          <a:ea typeface="+mj-ea"/>
-          <a:cs typeface="+mj-cs"/>
-        </a:defRPr>
-      </a:lvl1pPr>
-    </p:titleStyle>
-    <p:bodyStyle>
-      <a:lvl1pPr marL="342900" indent="-342900" algn="l" defTabSz="457200" rtl="0" eaLnBrk="1" latinLnBrk="0" hangingPunct="1">
-        <a:spcBef>
-          <a:spcPct val="20000"/>
-        </a:spcBef>
-        <a:buFont typeface="Arial"/>
-        <a:buChar char="•"/>
-        <a:defRPr sz="3200" kern="1200">
-          <a:solidFill>
-            <a:schemeClr val="tx1"/>
-          </a:solidFill>
-          <a:latin typeface="+mn-lt"/>
-          <a:ea typeface="+mn-ea"/>
-          <a:cs typeface="+mn-cs"/>
-        </a:defRPr>
-      </a:lvl1pPr>
-      <a:lvl2pPr marL="742950" indent="-285750" algn="l" defTabSz="457200" rtl="0" eaLnBrk="1" latinLnBrk="0" hangingPunct="1">
-        <a:spcBef>
-          <a:spcPct val="20000"/>
-        </a:spcBef>
-        <a:buFont typeface="Arial"/>
-        <a:buChar char="–"/>
-        <a:defRPr sz="2800" kern="1200">
-          <a:solidFill>
-            <a:schemeClr val="tx1"/>
-          </a:solidFill>
-          <a:latin typeface="+mn-lt"/>
-          <a:ea typeface="+mn-ea"/>
-          <a:cs typeface="+mn-cs"/>
-        </a:defRPr>
-      </a:lvl2pPr>
-      <a:lvl3pPr marL="1143000" indent="-228600" algn="l" defTabSz="457200" rtl="0" eaLnBrk="1" latinLnBrk="0" hangingPunct="1">
-        <a:spcBef>
-          <a:spcPct val="20000"/>
-        </a:spcBef>
-        <a:buFont typeface="Arial"/>
-        <a:buChar char="•"/>
-        <a:defRPr sz="2400" kern="1200">
-          <a:solidFill>
-            <a:schemeClr val="tx1"/>
-          </a:solidFill>
-          <a:latin typeface="+mn-lt"/>
-          <a:ea typeface="+mn-ea"/>
-          <a:cs typeface="+mn-cs"/>
-        </a:defRPr>
-      </a:lvl3pPr>
-      <a:lvl4pPr marL="1600200" indent="-228600" algn="l" defTabSz="457200" rtl="0" eaLnBrk="1" latinLnBrk="0" hangingPunct="1">
-        <a:spcBef>
-          <a:spcPct val="20000"/>
-        </a:spcBef>
-        <a:buFont typeface="Arial"/>
-        <a:buChar char="–"/>
-        <a:defRPr sz="2000" kern="1200">
-          <a:solidFill>
-            <a:schemeClr val="tx1"/>
-          </a:solidFill>
-          <a:latin typeface="+mn-lt"/>
-          <a:ea typeface="+mn-ea"/>
-          <a:cs typeface="+mn-cs"/>
-        </a:defRPr>
-      </a:lvl4pPr>
-      <a:lvl5pPr marL="2057400" indent="-228600" algn="l" defTabSz="457200" rtl="0" eaLnBrk="1" latinLnBrk="0" hangingPunct="1">
-        <a:spcBef>
-          <a:spcPct val="20000"/>
-        </a:spcBef>
-        <a:buFont typeface="Arial"/>
-        <a:buChar char="»"/>
-        <a:defRPr sz="2000" kern="1200">
-          <a:solidFill>
-            <a:schemeClr val="tx1"/>
-          </a:solidFill>
-          <a:latin typeface="+mn-lt"/>
-          <a:ea typeface="+mn-ea"/>
-          <a:cs typeface="+mn-cs"/>
-        </a:defRPr>
-      </a:lvl5pPr>
-      <a:lvl6pPr marL="2514600" indent="-228600" algn="l" defTabSz="457200" rtl="0" eaLnBrk="1" latinLnBrk="0" hangingPunct="1">
-        <a:spcBef>
-          <a:spcPct val="20000"/>
-        </a:spcBef>
-        <a:buFont typeface="Arial"/>
-        <a:buChar char="•"/>
-        <a:defRPr sz="2000" kern="1200">
-          <a:solidFill>
-            <a:schemeClr val="tx1"/>
-          </a:solidFill>
-          <a:latin typeface="+mn-lt"/>
-          <a:ea typeface="+mn-ea"/>
-          <a:cs typeface="+mn-cs"/>
-        </a:defRPr>
-      </a:lvl6pPr>
-      <a:lvl7pPr marL="2971800" indent="-228600" algn="l" defTabSz="457200" rtl="0" eaLnBrk="1" latinLnBrk="0" hangingPunct="1">
-        <a:spcBef>
-          <a:spcPct val="20000"/>
-        </a:spcBef>
-        <a:buFont typeface="Arial"/>
-        <a:buChar char="•"/>
-        <a:defRPr sz="2000" kern="1200">
-          <a:solidFill>
-            <a:schemeClr val="tx1"/>
-          </a:solidFill>
-          <a:latin typeface="+mn-lt"/>
-          <a:ea typeface="+mn-ea"/>
-          <a:cs typeface="+mn-cs"/>
-        </a:defRPr>
-      </a:lvl7pPr>
-      <a:lvl8pPr marL="3429000" indent="-228600" algn="l" defTabSz="457200" rtl="0" eaLnBrk="1" latinLnBrk="0" hangingPunct="1">
-        <a:spcBef>
-          <a:spcPct val="20000"/>
-        </a:spcBef>
-        <a:buFont typeface="Arial"/>
-        <a:buChar char="•"/>
-        <a:defRPr sz="2000" kern="1200">
-          <a:solidFill>
-            <a:schemeClr val="tx1"/>
-          </a:solidFill>
-          <a:latin typeface="+mn-lt"/>
-          <a:ea typeface="+mn-ea"/>
-          <a:cs typeface="+mn-cs"/>
-        </a:defRPr>
-      </a:lvl8pPr>
-      <a:lvl9pPr marL="3886200" indent="-228600" algn="l" defTabSz="457200" rtl="0" eaLnBrk="1" latinLnBrk="0" hangingPunct="1">
-        <a:spcBef>
-          <a:spcPct val="20000"/>
-        </a:spcBef>
-        <a:buFont typeface="Arial"/>
-        <a:buChar char="•"/>
-        <a:defRPr sz="2000" kern="1200">
-          <a:solidFill>
-            <a:schemeClr val="tx1"/>
-          </a:solidFill>
-          <a:latin typeface="+mn-lt"/>
-          <a:ea typeface="+mn-ea"/>
-          <a:cs typeface="+mn-cs"/>
-        </a:defRPr>
-      </a:lvl9pPr>
-    </p:bodyStyle>
-    <p:otherStyle>
-      <a:defPPr>
-        <a:defRPr lang="en-US"/>
-      </a:defPPr>
-      <a:lvl1pPr marL="0" algn="l" defTabSz="457200" rtl="0" eaLnBrk="1" latinLnBrk="0" hangingPunct="1">
-        <a:defRPr sz="1800" kern="1200">
-          <a:solidFill>
-            <a:schemeClr val="tx1"/>
-          </a:solidFill>
-          <a:latin typeface="+mn-lt"/>
-          <a:ea typeface="+mn-ea"/>
-          <a:cs typeface="+mn-cs"/>
-        </a:defRPr>
-      </a:lvl1pPr>
-      <a:lvl2pPr marL="457200" algn="l" defTabSz="457200" rtl="0" eaLnBrk="1" latinLnBrk="0" hangingPunct="1">
-        <a:defRPr sz="1800" kern="1200">
-          <a:solidFill>
-            <a:schemeClr val="tx1"/>
-          </a:solidFill>
-          <a:latin typeface="+mn-lt"/>
-          <a:ea typeface="+mn-ea"/>
-          <a:cs typeface="+mn-cs"/>
-        </a:defRPr>
-      </a:lvl2pPr>
-      <a:lvl3pPr marL="914400" algn="l" defTabSz="457200" rtl="0" eaLnBrk="1" latinLnBrk="0" hangingPunct="1">
-        <a:defRPr sz="1800" kern="1200">
-          <a:solidFill>
-            <a:schemeClr val="tx1"/>
-          </a:solidFill>
-          <a:latin typeface="+mn-lt"/>
-          <a:ea typeface="+mn-ea"/>
-          <a:cs typeface="+mn-cs"/>
-        </a:defRPr>
-      </a:lvl3pPr>
-      <a:lvl4pPr marL="1371600" algn="l" defTabSz="457200" rtl="0" eaLnBrk="1" latinLnBrk="0" hangingPunct="1">
-        <a:defRPr sz="1800" kern="1200">
-          <a:solidFill>
-            <a:schemeClr val="tx1"/>
-          </a:solidFill>
-          <a:latin typeface="+mn-lt"/>
-          <a:ea typeface="+mn-ea"/>
-          <a:cs typeface="+mn-cs"/>
-        </a:defRPr>
-      </a:lvl4pPr>
-      <a:lvl5pPr marL="1828800" algn="l" defTabSz="457200" rtl="0" eaLnBrk="1" latinLnBrk="0" hangingPunct="1">
-        <a:defRPr sz="1800" kern="1200">
-          <a:solidFill>
-            <a:schemeClr val="tx1"/>
-          </a:solidFill>
-          <a:latin typeface="+mn-lt"/>
-          <a:ea typeface="+mn-ea"/>
-          <a:cs typeface="+mn-cs"/>
-        </a:defRPr>
-      </a:lvl5pPr>
-      <a:lvl6pPr marL="2286000" algn="l" defTabSz="457200" rtl="0" eaLnBrk="1" latinLnBrk="0" hangingPunct="1">
-        <a:defRPr sz="1800" kern="1200">
-          <a:solidFill>
-            <a:schemeClr val="tx1"/>
-          </a:solidFill>
-          <a:latin typeface="+mn-lt"/>
-          <a:ea typeface="+mn-ea"/>
-          <a:cs typeface="+mn-cs"/>
-        </a:defRPr>
-      </a:lvl6pPr>
-      <a:lvl7pPr marL="2743200" algn="l" defTabSz="457200" rtl="0" eaLnBrk="1" latinLnBrk="0" hangingPunct="1">
-        <a:defRPr sz="1800" kern="1200">
-          <a:solidFill>
-            <a:schemeClr val="tx1"/>
-          </a:solidFill>
-          <a:latin typeface="+mn-lt"/>
-          <a:ea typeface="+mn-ea"/>
-          <a:cs typeface="+mn-cs"/>
-        </a:defRPr>
-      </a:lvl7pPr>
-      <a:lvl8pPr marL="3200400" algn="l" defTabSz="457200" rtl="0" eaLnBrk="1" latinLnBrk="0" hangingPunct="1">
-        <a:defRPr sz="1800" kern="1200">
-          <a:solidFill>
-            <a:schemeClr val="tx1"/>
-          </a:solidFill>
-          <a:latin typeface="+mn-lt"/>
-          <a:ea typeface="+mn-ea"/>
-          <a:cs typeface="+mn-cs"/>
-        </a:defRPr>
-      </a:lvl8pPr>
-      <a:lvl9pPr marL="3657600" algn="l" defTabSz="457200" rtl="0" eaLnBrk="1" latinLnBrk="0" hangingPunct="1">
-        <a:defRPr sz="1800" kern="1200">
-          <a:solidFill>
-            <a:schemeClr val="tx1"/>
-          </a:solidFill>
-          <a:latin typeface="+mn-lt"/>
-          <a:ea typeface="+mn-ea"/>
-          <a:cs typeface="+mn-cs"/>
-        </a:defRPr>
-      </a:lvl9pPr>
-    </p:otherStyle>
-  </p:txStyles>
-</p:sldMaster>
-</file>
-
-<file path=ppt/slideMasters/slideMaster3.xml><?xml version="1.0" encoding="utf-8"?>
-<p:sldMaster xmlns:a="http://schemas.openxmlformats.org/drawingml/2006/main" xmlns:r="http://schemas.openxmlformats.org/officeDocument/2006/relationships" xmlns:p="http://schemas.openxmlformats.org/presentationml/2006/main">
-  <p:cSld>
-    <p:bg>
-      <p:bgRef idx="1001">
-        <a:schemeClr val="bg1"/>
-      </p:bgRef>
-    </p:bg>
-    <p:spTree>
-      <p:nvGrpSpPr>
-        <p:cNvPr id="1" name=""/>
-        <p:cNvGrpSpPr/>
-        <p:nvPr/>
-      </p:nvGrpSpPr>
-      <p:grpSpPr>
-        <a:xfrm>
-          <a:off x="0" y="0"/>
-          <a:ext cx="0" cy="0"/>
-          <a:chOff x="0" y="0"/>
-          <a:chExt cx="0" cy="0"/>
-        </a:xfrm>
-      </p:grpSpPr>
-      <p:pic>
-        <p:nvPicPr>
-          <p:cNvPr id="4" name="Picture 3" descr="PPT_Subpage-02.png"/>
-          <p:cNvPicPr>
-            <a:picLocks noChangeAspect="1"/>
-          </p:cNvPicPr>
-          <p:nvPr userDrawn="1"/>
-        </p:nvPicPr>
-        <p:blipFill>
-          <a:blip r:embed="rId13">
-            <a:extLst>
-              <a:ext uri="{28A0092B-C50C-407E-A947-70E740481C1C}">
-                <a14:useLocalDpi xmlns:a14="http://schemas.microsoft.com/office/drawing/2010/main" val="0"/>
-              </a:ext>
-            </a:extLst>
-          </a:blip>
-          <a:stretch>
-            <a:fillRect/>
-          </a:stretch>
-        </p:blipFill>
-        <p:spPr>
-          <a:xfrm>
-            <a:off x="609" y="6086899"/>
-            <a:ext cx="9143391" cy="694898"/>
-          </a:xfrm>
-          <a:prstGeom prst="rect">
-            <a:avLst/>
-          </a:prstGeom>
-        </p:spPr>
-      </p:pic>
-      <p:pic>
-        <p:nvPicPr>
-          <p:cNvPr id="7" name="Picture 6"/>
-          <p:cNvPicPr>
-            <a:picLocks noChangeAspect="1"/>
-          </p:cNvPicPr>
-          <p:nvPr userDrawn="1"/>
-        </p:nvPicPr>
-        <p:blipFill>
-          <a:blip r:embed="rId14">
-            <a:extLst>
-              <a:ext uri="{28A0092B-C50C-407E-A947-70E740481C1C}">
-                <a14:useLocalDpi xmlns:a14="http://schemas.microsoft.com/office/drawing/2010/main" val="0"/>
-              </a:ext>
-            </a:extLst>
-          </a:blip>
-          <a:stretch>
-            <a:fillRect/>
-          </a:stretch>
-        </p:blipFill>
-        <p:spPr>
-          <a:xfrm>
-            <a:off x="0" y="0"/>
-            <a:ext cx="9143997" cy="2535935"/>
-          </a:xfrm>
-          <a:prstGeom prst="rect">
-            <a:avLst/>
-          </a:prstGeom>
-        </p:spPr>
-      </p:pic>
-      <p:sp>
-        <p:nvSpPr>
-          <p:cNvPr id="2" name="Title Placeholder 1"/>
-          <p:cNvSpPr>
-            <a:spLocks noGrp="1"/>
-          </p:cNvSpPr>
-          <p:nvPr>
-            <p:ph type="title"/>
-          </p:nvPr>
-        </p:nvSpPr>
-        <p:spPr>
-          <a:xfrm>
-            <a:off x="457200" y="274638"/>
-            <a:ext cx="8229600" cy="1143000"/>
-          </a:xfrm>
-          <a:prstGeom prst="rect">
-            <a:avLst/>
-          </a:prstGeom>
-        </p:spPr>
-        <p:txBody>
-          <a:bodyPr vert="horz" lIns="91440" tIns="45720" rIns="91440" bIns="45720" rtlCol="0" anchor="ctr">
-            <a:normAutofit/>
-          </a:bodyPr>
-          <a:lstStyle/>
-          <a:p>
-            <a:r>
-              <a:rPr lang="en-US" dirty="0" smtClean="0"/>
-              <a:t>Click to edit Master title style</a:t>
-            </a:r>
-            <a:endParaRPr lang="en-US" dirty="0"/>
-          </a:p>
-        </p:txBody>
-      </p:sp>
-      <p:sp>
-        <p:nvSpPr>
-          <p:cNvPr id="3" name="Text Placeholder 2"/>
-          <p:cNvSpPr>
-            <a:spLocks noGrp="1"/>
-          </p:cNvSpPr>
-          <p:nvPr>
-            <p:ph type="body" idx="1"/>
-          </p:nvPr>
-        </p:nvSpPr>
-        <p:spPr>
-          <a:xfrm>
-            <a:off x="457200" y="1600201"/>
-            <a:ext cx="8229600" cy="4248866"/>
-          </a:xfrm>
-          <a:prstGeom prst="rect">
-            <a:avLst/>
-          </a:prstGeom>
-        </p:spPr>
-        <p:txBody>
-          <a:bodyPr vert="horz" lIns="91440" tIns="45720" rIns="91440" bIns="45720" rtlCol="0">
-            <a:normAutofit/>
-          </a:bodyPr>
-          <a:lstStyle/>
-          <a:p>
-            <a:pPr lvl="0"/>
-            <a:r>
-              <a:rPr lang="en-US" dirty="0" smtClean="0"/>
-              <a:t>Click to edit Master text styles</a:t>
-            </a:r>
-          </a:p>
-          <a:p>
-            <a:pPr lvl="1"/>
-            <a:r>
-              <a:rPr lang="en-US" dirty="0" smtClean="0"/>
-              <a:t>Second level</a:t>
-            </a:r>
-          </a:p>
-          <a:p>
-            <a:pPr lvl="2"/>
-            <a:r>
-              <a:rPr lang="en-US" dirty="0" smtClean="0"/>
-              <a:t>Third level</a:t>
-            </a:r>
-          </a:p>
-          <a:p>
-            <a:pPr lvl="3"/>
-            <a:r>
-              <a:rPr lang="en-US" dirty="0" smtClean="0"/>
-              <a:t>Fourth level</a:t>
-            </a:r>
-          </a:p>
-          <a:p>
-            <a:pPr lvl="4"/>
-            <a:r>
-              <a:rPr lang="en-US" dirty="0" smtClean="0"/>
-              <a:t>Fifth level</a:t>
-            </a:r>
-            <a:endParaRPr lang="en-US" dirty="0"/>
-          </a:p>
-        </p:txBody>
-      </p:sp>
-      <p:sp>
-        <p:nvSpPr>
-          <p:cNvPr id="5" name="Footer Placeholder 4"/>
-          <p:cNvSpPr>
-            <a:spLocks noGrp="1"/>
-          </p:cNvSpPr>
-          <p:nvPr>
-            <p:ph type="ftr" sz="quarter" idx="3"/>
-          </p:nvPr>
-        </p:nvSpPr>
-        <p:spPr>
-          <a:xfrm>
-            <a:off x="2002825" y="6357403"/>
-            <a:ext cx="4457509" cy="365125"/>
-          </a:xfrm>
-          <a:prstGeom prst="rect">
-            <a:avLst/>
-          </a:prstGeom>
-        </p:spPr>
-        <p:txBody>
-          <a:bodyPr vert="horz" lIns="91440" tIns="45720" rIns="91440" bIns="45720" rtlCol="0" anchor="ctr"/>
-          <a:lstStyle>
-            <a:lvl1pPr algn="ctr">
-              <a:defRPr sz="1200">
-                <a:solidFill>
-                  <a:schemeClr val="tx1">
-                    <a:tint val="75000"/>
-                  </a:schemeClr>
-                </a:solidFill>
-              </a:defRPr>
-            </a:lvl1pPr>
-          </a:lstStyle>
-          <a:p>
-            <a:pPr defTabSz="457200"/>
-            <a:r>
-              <a:rPr lang="en-US" dirty="0" smtClean="0">
-                <a:solidFill>
-                  <a:prstClr val="black">
-                    <a:tint val="75000"/>
-                  </a:prstClr>
-                </a:solidFill>
-              </a:rPr>
-              <a:t>Presentation Design Workshop</a:t>
-            </a:r>
-            <a:endParaRPr lang="en-US" dirty="0">
-              <a:solidFill>
-                <a:prstClr val="black">
-                  <a:tint val="75000"/>
-                </a:prstClr>
-              </a:solidFill>
-            </a:endParaRPr>
-          </a:p>
-        </p:txBody>
-      </p:sp>
-      <p:sp>
-        <p:nvSpPr>
-          <p:cNvPr id="6" name="Slide Number Placeholder 5"/>
-          <p:cNvSpPr>
-            <a:spLocks noGrp="1"/>
-          </p:cNvSpPr>
-          <p:nvPr>
-            <p:ph type="sldNum" sz="quarter" idx="4"/>
-          </p:nvPr>
-        </p:nvSpPr>
-        <p:spPr>
-          <a:xfrm>
-            <a:off x="6553200" y="6357403"/>
-            <a:ext cx="2133600" cy="365125"/>
-          </a:xfrm>
-          <a:prstGeom prst="rect">
-            <a:avLst/>
-          </a:prstGeom>
-        </p:spPr>
-        <p:txBody>
-          <a:bodyPr vert="horz" lIns="91440" tIns="45720" rIns="91440" bIns="45720" rtlCol="0" anchor="ctr"/>
-          <a:lstStyle>
-            <a:lvl1pPr algn="r">
-              <a:defRPr sz="1200">
-                <a:solidFill>
-                  <a:schemeClr val="tx1">
-                    <a:tint val="75000"/>
-                  </a:schemeClr>
-                </a:solidFill>
-              </a:defRPr>
-            </a:lvl1pPr>
-          </a:lstStyle>
-          <a:p>
-            <a:pPr defTabSz="457200"/>
-            <a:fld id="{F49B8720-E526-BD45-92D7-B4028BF31DDE}" type="slidenum">
-              <a:rPr lang="en-US" smtClean="0">
-                <a:solidFill>
-                  <a:prstClr val="black">
-                    <a:tint val="75000"/>
-                  </a:prstClr>
-                </a:solidFill>
-              </a:rPr>
-              <a:pPr defTabSz="457200"/>
-              <a:t>‹#›</a:t>
-            </a:fld>
-            <a:endParaRPr lang="en-US" dirty="0">
-              <a:solidFill>
-                <a:prstClr val="black">
-                  <a:tint val="75000"/>
-                </a:prstClr>
-              </a:solidFill>
-            </a:endParaRPr>
-          </a:p>
-        </p:txBody>
-      </p:sp>
-    </p:spTree>
-    <p:extLst>
-      <p:ext uri="{BB962C8B-B14F-4D97-AF65-F5344CB8AC3E}">
         <p14:creationId xmlns:p14="http://schemas.microsoft.com/office/powerpoint/2010/main" val="2853082145"/>
       </p:ext>
     </p:extLst>
@@ -10710,6 +7388,13 @@
   <p:clrMapOvr>
     <a:masterClrMapping/>
   </p:clrMapOvr>
+  <p:timing>
+    <p:tnLst>
+      <p:par>
+        <p:cTn id="1" dur="indefinite" restart="never" nodeType="tmRoot"/>
+      </p:par>
+    </p:tnLst>
+  </p:timing>
 </p:sld>
 </file>
 
@@ -10800,7 +7485,7 @@
         <p:spPr bwMode="auto">
           <a:xfrm>
             <a:off x="323850" y="923925"/>
-            <a:ext cx="4392613" cy="369332"/>
+            <a:ext cx="5193030" cy="369332"/>
           </a:xfrm>
           <a:prstGeom prst="rect">
             <a:avLst/>
@@ -10814,7 +7499,7 @@
           </a:ln>
         </p:spPr>
         <p:txBody>
-          <a:bodyPr>
+          <a:bodyPr wrap="square">
             <a:spAutoFit/>
           </a:bodyPr>
           <a:lstStyle/>
@@ -10830,13 +7515,8 @@
                   <a:srgbClr val="1AB0E9"/>
                 </a:solidFill>
               </a:rPr>
-              <a:t>Project Overview</a:t>
-            </a:r>
-            <a:endParaRPr lang="en-US" b="1" dirty="0">
-              <a:solidFill>
-                <a:srgbClr val="1AB0E9"/>
-              </a:solidFill>
-            </a:endParaRPr>
+              <a:t>Progress on core technology development</a:t>
+            </a:r>
           </a:p>
         </p:txBody>
       </p:sp>
@@ -10874,72 +7554,39 @@
           </a:p>
         </p:txBody>
       </p:sp>
-      <p:sp>
-        <p:nvSpPr>
-          <p:cNvPr id="2" name="TextBox 1"/>
-          <p:cNvSpPr txBox="1"/>
+      <p:pic>
+        <p:nvPicPr>
+          <p:cNvPr id="5" name="Picture 4"/>
+          <p:cNvPicPr>
+            <a:picLocks noChangeAspect="1"/>
+          </p:cNvPicPr>
           <p:nvPr/>
-        </p:nvSpPr>
-        <p:spPr>
-          <a:xfrm>
-            <a:off x="2026602" y="2437868"/>
-            <a:ext cx="5196841" cy="2031325"/>
+        </p:nvPicPr>
+        <p:blipFill rotWithShape="1">
+          <a:blip r:embed="rId3">
+            <a:extLst>
+              <a:ext uri="{28A0092B-C50C-407E-A947-70E740481C1C}">
+                <a14:useLocalDpi xmlns:a14="http://schemas.microsoft.com/office/drawing/2010/main" val="0"/>
+              </a:ext>
+            </a:extLst>
+          </a:blip>
+          <a:srcRect l="7778" t="6230" r="7778" b="2806"/>
+          <a:stretch/>
+        </p:blipFill>
+        <p:spPr>
+          <a:xfrm>
+            <a:off x="584200" y="1349891"/>
+            <a:ext cx="7721600" cy="4822309"/>
           </a:xfrm>
           <a:prstGeom prst="rect">
             <a:avLst/>
           </a:prstGeom>
-          <a:solidFill>
-            <a:srgbClr val="FFFF00"/>
-          </a:solidFill>
-          <a:effectLst>
-            <a:outerShdw blurRad="50800" dist="38100" dir="5400000" algn="t" rotWithShape="0">
-              <a:prstClr val="black">
-                <a:alpha val="40000"/>
-              </a:prstClr>
-            </a:outerShdw>
-          </a:effectLst>
-        </p:spPr>
-        <p:txBody>
-          <a:bodyPr wrap="square" rtlCol="0">
-            <a:spAutoFit/>
-          </a:bodyPr>
-          <a:lstStyle/>
-          <a:p>
-            <a:pPr defTabSz="457200"/>
-            <a:r>
-              <a:rPr lang="en-US" dirty="0">
-                <a:solidFill>
-                  <a:prstClr val="black"/>
-                </a:solidFill>
-              </a:rPr>
-              <a:t>The purpose of the slide is to provide an overall description of the entire project. Please use graphics. </a:t>
-            </a:r>
-          </a:p>
-          <a:p>
-            <a:pPr defTabSz="457200"/>
-            <a:endParaRPr lang="en-US" dirty="0">
-              <a:solidFill>
-                <a:prstClr val="black"/>
-              </a:solidFill>
-            </a:endParaRPr>
-          </a:p>
-          <a:p>
-            <a:pPr defTabSz="457200"/>
-            <a:r>
-              <a:rPr lang="en-US" dirty="0">
-                <a:solidFill>
-                  <a:prstClr val="black"/>
-                </a:solidFill>
-              </a:rPr>
-              <a:t>Key in on critical challenges and point out core technologies you are developing to overcome them.</a:t>
-            </a:r>
-          </a:p>
-        </p:txBody>
-      </p:sp>
+        </p:spPr>
+      </p:pic>
     </p:spTree>
     <p:extLst>
       <p:ext uri="{BB962C8B-B14F-4D97-AF65-F5344CB8AC3E}">
-        <p14:creationId xmlns:p14="http://schemas.microsoft.com/office/powerpoint/2010/main" val="1158926723"/>
+        <p14:creationId xmlns:p14="http://schemas.microsoft.com/office/powerpoint/2010/main" val="4239561685"/>
       </p:ext>
     </p:extLst>
   </p:cSld>
@@ -11075,11 +7722,6 @@
               </a:rPr>
               <a:t>Progress on core technology development</a:t>
             </a:r>
-            <a:endParaRPr lang="en-US" b="1" dirty="0">
-              <a:solidFill>
-                <a:srgbClr val="1AB0E9"/>
-              </a:solidFill>
-            </a:endParaRPr>
           </a:p>
         </p:txBody>
       </p:sp>
@@ -11119,37 +7761,60 @@
       </p:sp>
       <p:pic>
         <p:nvPicPr>
-          <p:cNvPr id="5" name="Picture 4"/>
+          <p:cNvPr id="1027" name="Picture 3"/>
           <p:cNvPicPr>
-            <a:picLocks noChangeAspect="1"/>
+            <a:picLocks noChangeAspect="1" noChangeArrowheads="1"/>
           </p:cNvPicPr>
           <p:nvPr/>
         </p:nvPicPr>
         <p:blipFill rotWithShape="1">
-          <a:blip r:embed="rId3">
+          <a:blip r:embed="rId2">
             <a:extLst>
               <a:ext uri="{28A0092B-C50C-407E-A947-70E740481C1C}">
                 <a14:useLocalDpi xmlns:a14="http://schemas.microsoft.com/office/drawing/2010/main" val="0"/>
               </a:ext>
             </a:extLst>
           </a:blip>
-          <a:srcRect l="7778" t="6230" r="7778" b="2806"/>
+          <a:srcRect t="3333" r="4356" b="3889"/>
           <a:stretch/>
         </p:blipFill>
-        <p:spPr>
-          <a:xfrm>
-            <a:off x="584200" y="1349891"/>
-            <a:ext cx="7721600" cy="4822309"/>
+        <p:spPr bwMode="auto">
+          <a:xfrm>
+            <a:off x="609600" y="1293257"/>
+            <a:ext cx="7372667" cy="4876180"/>
           </a:xfrm>
           <a:prstGeom prst="rect">
             <a:avLst/>
           </a:prstGeom>
+          <a:noFill/>
+          <a:ln>
+            <a:noFill/>
+          </a:ln>
+          <a:extLst>
+            <a:ext uri="{909E8E84-426E-40DD-AFC4-6F175D3DCCD1}">
+              <a14:hiddenFill xmlns:a14="http://schemas.microsoft.com/office/drawing/2010/main">
+                <a:solidFill>
+                  <a:schemeClr val="accent1"/>
+                </a:solidFill>
+              </a14:hiddenFill>
+            </a:ext>
+            <a:ext uri="{91240B29-F687-4F45-9708-019B960494DF}">
+              <a14:hiddenLine xmlns:a14="http://schemas.microsoft.com/office/drawing/2010/main" w="9525">
+                <a:solidFill>
+                  <a:schemeClr val="tx1"/>
+                </a:solidFill>
+                <a:miter lim="800000"/>
+                <a:headEnd/>
+                <a:tailEnd/>
+              </a14:hiddenLine>
+            </a:ext>
+          </a:extLst>
         </p:spPr>
       </p:pic>
     </p:spTree>
     <p:extLst>
       <p:ext uri="{BB962C8B-B14F-4D97-AF65-F5344CB8AC3E}">
-        <p14:creationId xmlns:p14="http://schemas.microsoft.com/office/powerpoint/2010/main" val="4239561685"/>
+        <p14:creationId xmlns:p14="http://schemas.microsoft.com/office/powerpoint/2010/main" val="2746275956"/>
       </p:ext>
     </p:extLst>
   </p:cSld>
@@ -11285,11 +7950,6 @@
               </a:rPr>
               <a:t>Progress on core technology development</a:t>
             </a:r>
-            <a:endParaRPr lang="en-US" b="1" dirty="0">
-              <a:solidFill>
-                <a:srgbClr val="1AB0E9"/>
-              </a:solidFill>
-            </a:endParaRPr>
           </a:p>
         </p:txBody>
       </p:sp>
@@ -11379,10 +8039,250 @@
           </a:extLst>
         </p:spPr>
       </p:pic>
+      <p:sp>
+        <p:nvSpPr>
+          <p:cNvPr id="2" name="TextBox 1"/>
+          <p:cNvSpPr txBox="1"/>
+          <p:nvPr/>
+        </p:nvSpPr>
+        <p:spPr>
+          <a:xfrm>
+            <a:off x="685800" y="2729618"/>
+            <a:ext cx="712054" cy="400110"/>
+          </a:xfrm>
+          <a:prstGeom prst="rect">
+            <a:avLst/>
+          </a:prstGeom>
+          <a:noFill/>
+        </p:spPr>
+        <p:txBody>
+          <a:bodyPr wrap="none" rtlCol="0">
+            <a:spAutoFit/>
+          </a:bodyPr>
+          <a:lstStyle/>
+          <a:p>
+            <a:r>
+              <a:rPr lang="en-US" sz="2000" dirty="0" smtClean="0">
+                <a:solidFill>
+                  <a:srgbClr val="FF0000"/>
+                </a:solidFill>
+              </a:rPr>
+              <a:t>0.1X</a:t>
+            </a:r>
+            <a:endParaRPr lang="en-US" sz="2000" dirty="0">
+              <a:solidFill>
+                <a:srgbClr val="FF0000"/>
+              </a:solidFill>
+            </a:endParaRPr>
+          </a:p>
+        </p:txBody>
+      </p:sp>
+      <p:sp>
+        <p:nvSpPr>
+          <p:cNvPr id="8" name="TextBox 7"/>
+          <p:cNvSpPr txBox="1"/>
+          <p:nvPr/>
+        </p:nvSpPr>
+        <p:spPr>
+          <a:xfrm>
+            <a:off x="6172200" y="5010090"/>
+            <a:ext cx="356188" cy="400110"/>
+          </a:xfrm>
+          <a:prstGeom prst="rect">
+            <a:avLst/>
+          </a:prstGeom>
+          <a:noFill/>
+        </p:spPr>
+        <p:txBody>
+          <a:bodyPr wrap="none" rtlCol="0">
+            <a:spAutoFit/>
+          </a:bodyPr>
+          <a:lstStyle/>
+          <a:p>
+            <a:r>
+              <a:rPr lang="en-US" sz="2000" dirty="0" smtClean="0">
+                <a:solidFill>
+                  <a:srgbClr val="FF0000"/>
+                </a:solidFill>
+              </a:rPr>
+              <a:t>X</a:t>
+            </a:r>
+            <a:endParaRPr lang="en-US" sz="2000" dirty="0">
+              <a:solidFill>
+                <a:srgbClr val="FF0000"/>
+              </a:solidFill>
+            </a:endParaRPr>
+          </a:p>
+        </p:txBody>
+      </p:sp>
+      <p:sp>
+        <p:nvSpPr>
+          <p:cNvPr id="3" name="&quot;No&quot; Symbol 2"/>
+          <p:cNvSpPr/>
+          <p:nvPr/>
+        </p:nvSpPr>
+        <p:spPr>
+          <a:xfrm>
+            <a:off x="2209800" y="2057400"/>
+            <a:ext cx="3962400" cy="3505200"/>
+          </a:xfrm>
+          <a:prstGeom prst="noSmoking">
+            <a:avLst/>
+          </a:prstGeom>
+          <a:solidFill>
+            <a:srgbClr val="FF0000"/>
+          </a:solidFill>
+          <a:ln>
+            <a:noFill/>
+          </a:ln>
+        </p:spPr>
+        <p:style>
+          <a:lnRef idx="1">
+            <a:schemeClr val="accent1"/>
+          </a:lnRef>
+          <a:fillRef idx="3">
+            <a:schemeClr val="accent1"/>
+          </a:fillRef>
+          <a:effectRef idx="2">
+            <a:schemeClr val="accent1"/>
+          </a:effectRef>
+          <a:fontRef idx="minor">
+            <a:schemeClr val="lt1"/>
+          </a:fontRef>
+        </p:style>
+        <p:txBody>
+          <a:bodyPr rtlCol="0" anchor="ctr"/>
+          <a:lstStyle/>
+          <a:p>
+            <a:pPr algn="ctr"/>
+            <a:endParaRPr lang="en-US">
+              <a:solidFill>
+                <a:schemeClr val="tx1"/>
+              </a:solidFill>
+            </a:endParaRPr>
+          </a:p>
+        </p:txBody>
+      </p:sp>
+      <p:sp>
+        <p:nvSpPr>
+          <p:cNvPr id="10" name="Rectangle 9"/>
+          <p:cNvSpPr/>
+          <p:nvPr/>
+        </p:nvSpPr>
+        <p:spPr>
+          <a:xfrm>
+            <a:off x="412767" y="3389815"/>
+            <a:ext cx="8334852" cy="1008112"/>
+          </a:xfrm>
+          <a:prstGeom prst="rect">
+            <a:avLst/>
+          </a:prstGeom>
+          <a:gradFill flip="none" rotWithShape="1">
+            <a:gsLst>
+              <a:gs pos="0">
+                <a:schemeClr val="accent4">
+                  <a:lumMod val="60000"/>
+                  <a:lumOff val="40000"/>
+                  <a:tint val="66000"/>
+                  <a:satMod val="160000"/>
+                </a:schemeClr>
+              </a:gs>
+              <a:gs pos="50000">
+                <a:schemeClr val="accent4">
+                  <a:lumMod val="60000"/>
+                  <a:lumOff val="40000"/>
+                  <a:tint val="44500"/>
+                  <a:satMod val="160000"/>
+                </a:schemeClr>
+              </a:gs>
+              <a:gs pos="100000">
+                <a:schemeClr val="accent4">
+                  <a:lumMod val="60000"/>
+                  <a:lumOff val="40000"/>
+                  <a:tint val="23500"/>
+                  <a:satMod val="160000"/>
+                </a:schemeClr>
+              </a:gs>
+            </a:gsLst>
+            <a:path path="circle">
+              <a:fillToRect l="50000" t="50000" r="50000" b="50000"/>
+            </a:path>
+            <a:tileRect/>
+          </a:gradFill>
+        </p:spPr>
+        <p:style>
+          <a:lnRef idx="2">
+            <a:schemeClr val="accent1">
+              <a:shade val="50000"/>
+            </a:schemeClr>
+          </a:lnRef>
+          <a:fillRef idx="1">
+            <a:schemeClr val="accent1"/>
+          </a:fillRef>
+          <a:effectRef idx="0">
+            <a:schemeClr val="accent1"/>
+          </a:effectRef>
+          <a:fontRef idx="minor">
+            <a:schemeClr val="lt1"/>
+          </a:fontRef>
+        </p:style>
+        <p:txBody>
+          <a:bodyPr rtlCol="0" anchor="ctr"/>
+          <a:lstStyle/>
+          <a:p>
+            <a:pPr algn="ctr"/>
+            <a:r>
+              <a:rPr lang="en-US" sz="2000" b="1" dirty="0" smtClean="0">
+                <a:solidFill>
+                  <a:srgbClr val="000000"/>
+                </a:solidFill>
+              </a:rPr>
+              <a:t>Constraining </a:t>
+            </a:r>
+            <a:r>
+              <a:rPr lang="en-US" sz="2000" b="1" dirty="0" err="1" smtClean="0">
+                <a:solidFill>
+                  <a:srgbClr val="000000"/>
+                </a:solidFill>
+              </a:rPr>
+              <a:t>Eha</a:t>
+            </a:r>
+            <a:r>
+              <a:rPr lang="en-US" sz="2000" b="1" dirty="0" smtClean="0">
+                <a:solidFill>
+                  <a:srgbClr val="000000"/>
+                </a:solidFill>
+              </a:rPr>
+              <a:t>/</a:t>
+            </a:r>
+            <a:r>
+              <a:rPr lang="en-US" sz="2000" b="1" dirty="0" err="1" smtClean="0">
+                <a:solidFill>
+                  <a:srgbClr val="000000"/>
+                </a:solidFill>
+              </a:rPr>
+              <a:t>Ehb</a:t>
+            </a:r>
+            <a:r>
+              <a:rPr lang="en-US" sz="2000" b="1" dirty="0" smtClean="0">
+                <a:solidFill>
+                  <a:srgbClr val="000000"/>
+                </a:solidFill>
+              </a:rPr>
+              <a:t> flux prevents our model from predicting growth on acetate alone</a:t>
+            </a:r>
+            <a:endParaRPr lang="en-US" sz="2000" b="1" dirty="0">
+              <a:solidFill>
+                <a:srgbClr val="000000"/>
+              </a:solidFill>
+            </a:endParaRPr>
+          </a:p>
+        </p:txBody>
+      </p:sp>
     </p:spTree>
     <p:extLst>
       <p:ext uri="{BB962C8B-B14F-4D97-AF65-F5344CB8AC3E}">
-        <p14:creationId xmlns:p14="http://schemas.microsoft.com/office/powerpoint/2010/main" val="2746275956"/>
+        <p14:creationId xmlns:p14="http://schemas.microsoft.com/office/powerpoint/2010/main" val="1893907593"/>
       </p:ext>
     </p:extLst>
   </p:cSld>
@@ -11392,9 +8292,126 @@
   <p:timing>
     <p:tnLst>
       <p:par>
-        <p:cTn id="1" dur="indefinite" restart="never" nodeType="tmRoot"/>
+        <p:cTn id="1" dur="indefinite" restart="never" nodeType="tmRoot">
+          <p:childTnLst>
+            <p:seq concurrent="1" nextAc="seek">
+              <p:cTn id="2" dur="indefinite" nodeType="mainSeq">
+                <p:childTnLst>
+                  <p:par>
+                    <p:cTn id="3" fill="hold">
+                      <p:stCondLst>
+                        <p:cond delay="indefinite"/>
+                      </p:stCondLst>
+                      <p:childTnLst>
+                        <p:par>
+                          <p:cTn id="4" fill="hold">
+                            <p:stCondLst>
+                              <p:cond delay="0"/>
+                            </p:stCondLst>
+                            <p:childTnLst>
+                              <p:par>
+                                <p:cTn id="5" presetID="1" presetClass="entr" presetSubtype="0" fill="hold" grpId="0" nodeType="clickEffect">
+                                  <p:stCondLst>
+                                    <p:cond delay="0"/>
+                                  </p:stCondLst>
+                                  <p:childTnLst>
+                                    <p:set>
+                                      <p:cBhvr>
+                                        <p:cTn id="6" dur="1" fill="hold">
+                                          <p:stCondLst>
+                                            <p:cond delay="0"/>
+                                          </p:stCondLst>
+                                        </p:cTn>
+                                        <p:tgtEl>
+                                          <p:spTgt spid="3"/>
+                                        </p:tgtEl>
+                                        <p:attrNameLst>
+                                          <p:attrName>style.visibility</p:attrName>
+                                        </p:attrNameLst>
+                                      </p:cBhvr>
+                                      <p:to>
+                                        <p:strVal val="visible"/>
+                                      </p:to>
+                                    </p:set>
+                                  </p:childTnLst>
+                                </p:cTn>
+                              </p:par>
+                            </p:childTnLst>
+                          </p:cTn>
+                        </p:par>
+                      </p:childTnLst>
+                    </p:cTn>
+                  </p:par>
+                  <p:par>
+                    <p:cTn id="7" fill="hold">
+                      <p:stCondLst>
+                        <p:cond delay="indefinite"/>
+                      </p:stCondLst>
+                      <p:childTnLst>
+                        <p:par>
+                          <p:cTn id="8" fill="hold">
+                            <p:stCondLst>
+                              <p:cond delay="0"/>
+                            </p:stCondLst>
+                            <p:childTnLst>
+                              <p:par>
+                                <p:cTn id="9" presetID="1" presetClass="entr" presetSubtype="0" fill="hold" grpId="0" nodeType="clickEffect">
+                                  <p:stCondLst>
+                                    <p:cond delay="0"/>
+                                  </p:stCondLst>
+                                  <p:childTnLst>
+                                    <p:set>
+                                      <p:cBhvr>
+                                        <p:cTn id="10" dur="1" fill="hold">
+                                          <p:stCondLst>
+                                            <p:cond delay="0"/>
+                                          </p:stCondLst>
+                                        </p:cTn>
+                                        <p:tgtEl>
+                                          <p:spTgt spid="10"/>
+                                        </p:tgtEl>
+                                        <p:attrNameLst>
+                                          <p:attrName>style.visibility</p:attrName>
+                                        </p:attrNameLst>
+                                      </p:cBhvr>
+                                      <p:to>
+                                        <p:strVal val="visible"/>
+                                      </p:to>
+                                    </p:set>
+                                  </p:childTnLst>
+                                </p:cTn>
+                              </p:par>
+                            </p:childTnLst>
+                          </p:cTn>
+                        </p:par>
+                      </p:childTnLst>
+                    </p:cTn>
+                  </p:par>
+                </p:childTnLst>
+              </p:cTn>
+              <p:prevCondLst>
+                <p:cond evt="onPrev" delay="0">
+                  <p:tgtEl>
+                    <p:sldTgt/>
+                  </p:tgtEl>
+                </p:cond>
+              </p:prevCondLst>
+              <p:nextCondLst>
+                <p:cond evt="onNext" delay="0">
+                  <p:tgtEl>
+                    <p:sldTgt/>
+                  </p:tgtEl>
+                </p:cond>
+              </p:nextCondLst>
+            </p:seq>
+          </p:childTnLst>
+        </p:cTn>
       </p:par>
     </p:tnLst>
+    <p:bldLst>
+      <p:bldP spid="3" grpId="0" animBg="1"/>
+      <p:bldP spid="10" grpId="0" animBg="1"/>
+    </p:bldLst>
   </p:timing>
 </p:sld>
 </file>
@@ -11452,32 +8469,322 @@
           </a:p>
         </p:txBody>
       </p:sp>
-      <p:sp>
-        <p:nvSpPr>
-          <p:cNvPr id="7" name="Title 6"/>
-          <p:cNvSpPr>
-            <a:spLocks noGrp="1"/>
-          </p:cNvSpPr>
-          <p:nvPr>
-            <p:ph type="title"/>
-          </p:nvPr>
-        </p:nvSpPr>
-        <p:spPr/>
-        <p:txBody>
-          <a:bodyPr/>
+      <p:pic>
+        <p:nvPicPr>
+          <p:cNvPr id="6" name="Picture 5"/>
+          <p:cNvPicPr>
+            <a:picLocks noChangeAspect="1"/>
+          </p:cNvPicPr>
+          <p:nvPr/>
+        </p:nvPicPr>
+        <p:blipFill rotWithShape="1">
+          <a:blip r:embed="rId2"/>
+          <a:srcRect t="7826" r="3748" b="6437"/>
+          <a:stretch/>
+        </p:blipFill>
+        <p:spPr>
+          <a:xfrm>
+            <a:off x="335934" y="1066800"/>
+            <a:ext cx="8350865" cy="4981219"/>
+          </a:xfrm>
+          <a:prstGeom prst="rect">
+            <a:avLst/>
+          </a:prstGeom>
+        </p:spPr>
+      </p:pic>
+      <p:sp>
+        <p:nvSpPr>
+          <p:cNvPr id="7" name="TextBox 6"/>
+          <p:cNvSpPr txBox="1"/>
+          <p:nvPr/>
+        </p:nvSpPr>
+        <p:spPr>
+          <a:xfrm>
+            <a:off x="335934" y="2743200"/>
+            <a:ext cx="712054" cy="400110"/>
+          </a:xfrm>
+          <a:prstGeom prst="rect">
+            <a:avLst/>
+          </a:prstGeom>
+          <a:noFill/>
+        </p:spPr>
+        <p:txBody>
+          <a:bodyPr wrap="none" rtlCol="0">
+            <a:spAutoFit/>
+          </a:bodyPr>
           <a:lstStyle/>
           <a:p>
             <a:r>
-              <a:rPr lang="en-US" dirty="0" smtClean="0"/>
-              <a:t>Project title</a:t>
-            </a:r>
-            <a:endParaRPr lang="en-US" dirty="0"/>
-          </a:p>
-        </p:txBody>
-      </p:sp>
-      <p:sp>
-        <p:nvSpPr>
-          <p:cNvPr id="9" name="Text Box 7"/>
+              <a:rPr lang="en-US" sz="2000" dirty="0" smtClean="0">
+                <a:solidFill>
+                  <a:srgbClr val="FF0000"/>
+                </a:solidFill>
+              </a:rPr>
+              <a:t>0.1X</a:t>
+            </a:r>
+            <a:endParaRPr lang="en-US" sz="2000" dirty="0">
+              <a:solidFill>
+                <a:srgbClr val="FF0000"/>
+              </a:solidFill>
+            </a:endParaRPr>
+          </a:p>
+        </p:txBody>
+      </p:sp>
+      <p:sp>
+        <p:nvSpPr>
+          <p:cNvPr id="8" name="TextBox 7"/>
+          <p:cNvSpPr txBox="1"/>
+          <p:nvPr/>
+        </p:nvSpPr>
+        <p:spPr>
+          <a:xfrm>
+            <a:off x="7410772" y="4495800"/>
+            <a:ext cx="356188" cy="400110"/>
+          </a:xfrm>
+          <a:prstGeom prst="rect">
+            <a:avLst/>
+          </a:prstGeom>
+          <a:noFill/>
+        </p:spPr>
+        <p:txBody>
+          <a:bodyPr wrap="none" rtlCol="0">
+            <a:spAutoFit/>
+          </a:bodyPr>
+          <a:lstStyle/>
+          <a:p>
+            <a:r>
+              <a:rPr lang="en-US" sz="2000" dirty="0" smtClean="0">
+                <a:solidFill>
+                  <a:srgbClr val="FF0000"/>
+                </a:solidFill>
+              </a:rPr>
+              <a:t>X</a:t>
+            </a:r>
+            <a:endParaRPr lang="en-US" sz="2000" dirty="0">
+              <a:solidFill>
+                <a:srgbClr val="FF0000"/>
+              </a:solidFill>
+            </a:endParaRPr>
+          </a:p>
+        </p:txBody>
+      </p:sp>
+      <p:sp>
+        <p:nvSpPr>
+          <p:cNvPr id="9" name="&quot;No&quot; Symbol 8"/>
+          <p:cNvSpPr/>
+          <p:nvPr/>
+        </p:nvSpPr>
+        <p:spPr>
+          <a:xfrm>
+            <a:off x="1981200" y="1871488"/>
+            <a:ext cx="3962400" cy="3505200"/>
+          </a:xfrm>
+          <a:prstGeom prst="noSmoking">
+            <a:avLst/>
+          </a:prstGeom>
+          <a:solidFill>
+            <a:srgbClr val="FF0000"/>
+          </a:solidFill>
+          <a:ln>
+            <a:noFill/>
+          </a:ln>
+        </p:spPr>
+        <p:style>
+          <a:lnRef idx="1">
+            <a:schemeClr val="accent1"/>
+          </a:lnRef>
+          <a:fillRef idx="3">
+            <a:schemeClr val="accent1"/>
+          </a:fillRef>
+          <a:effectRef idx="2">
+            <a:schemeClr val="accent1"/>
+          </a:effectRef>
+          <a:fontRef idx="minor">
+            <a:schemeClr val="lt1"/>
+          </a:fontRef>
+        </p:style>
+        <p:txBody>
+          <a:bodyPr rtlCol="0" anchor="ctr"/>
+          <a:lstStyle/>
+          <a:p>
+            <a:pPr algn="ctr"/>
+            <a:endParaRPr lang="en-US">
+              <a:solidFill>
+                <a:schemeClr val="tx1"/>
+              </a:solidFill>
+            </a:endParaRPr>
+          </a:p>
+        </p:txBody>
+      </p:sp>
+      <p:sp>
+        <p:nvSpPr>
+          <p:cNvPr id="10" name="TextBox 9"/>
+          <p:cNvSpPr txBox="1"/>
+          <p:nvPr/>
+        </p:nvSpPr>
+        <p:spPr>
+          <a:xfrm>
+            <a:off x="2383009" y="6322814"/>
+            <a:ext cx="4797082" cy="369332"/>
+          </a:xfrm>
+          <a:prstGeom prst="rect">
+            <a:avLst/>
+          </a:prstGeom>
+          <a:noFill/>
+        </p:spPr>
+        <p:txBody>
+          <a:bodyPr wrap="none" rtlCol="0">
+            <a:spAutoFit/>
+          </a:bodyPr>
+          <a:lstStyle/>
+          <a:p>
+            <a:pPr defTabSz="457200"/>
+            <a:r>
+              <a:rPr lang="en-US" dirty="0">
+                <a:solidFill>
+                  <a:prstClr val="black"/>
+                </a:solidFill>
+              </a:rPr>
+              <a:t>Protected Data – For DOE ARPA-E Use Only</a:t>
+            </a:r>
+          </a:p>
+        </p:txBody>
+      </p:sp>
+      <p:sp>
+        <p:nvSpPr>
+          <p:cNvPr id="11" name="Rectangle 10"/>
+          <p:cNvSpPr/>
+          <p:nvPr/>
+        </p:nvSpPr>
+        <p:spPr>
+          <a:xfrm>
+            <a:off x="71694" y="3518924"/>
+            <a:ext cx="8334852" cy="1008112"/>
+          </a:xfrm>
+          <a:prstGeom prst="rect">
+            <a:avLst/>
+          </a:prstGeom>
+          <a:gradFill flip="none" rotWithShape="1">
+            <a:gsLst>
+              <a:gs pos="0">
+                <a:schemeClr val="accent4">
+                  <a:lumMod val="60000"/>
+                  <a:lumOff val="40000"/>
+                  <a:tint val="66000"/>
+                  <a:satMod val="160000"/>
+                </a:schemeClr>
+              </a:gs>
+              <a:gs pos="50000">
+                <a:schemeClr val="accent4">
+                  <a:lumMod val="60000"/>
+                  <a:lumOff val="40000"/>
+                  <a:tint val="44500"/>
+                  <a:satMod val="160000"/>
+                </a:schemeClr>
+              </a:gs>
+              <a:gs pos="100000">
+                <a:schemeClr val="accent4">
+                  <a:lumMod val="60000"/>
+                  <a:lumOff val="40000"/>
+                  <a:tint val="23500"/>
+                  <a:satMod val="160000"/>
+                </a:schemeClr>
+              </a:gs>
+            </a:gsLst>
+            <a:path path="circle">
+              <a:fillToRect l="50000" t="50000" r="50000" b="50000"/>
+            </a:path>
+            <a:tileRect/>
+          </a:gradFill>
+        </p:spPr>
+        <p:style>
+          <a:lnRef idx="2">
+            <a:schemeClr val="accent1">
+              <a:shade val="50000"/>
+            </a:schemeClr>
+          </a:lnRef>
+          <a:fillRef idx="1">
+            <a:schemeClr val="accent1"/>
+          </a:fillRef>
+          <a:effectRef idx="0">
+            <a:schemeClr val="accent1"/>
+          </a:effectRef>
+          <a:fontRef idx="minor">
+            <a:schemeClr val="lt1"/>
+          </a:fontRef>
+        </p:style>
+        <p:txBody>
+          <a:bodyPr rtlCol="0" anchor="ctr"/>
+          <a:lstStyle/>
+          <a:p>
+            <a:pPr algn="ctr"/>
+            <a:r>
+              <a:rPr lang="en-US" sz="2000" b="1" dirty="0" smtClean="0">
+                <a:solidFill>
+                  <a:srgbClr val="000000"/>
+                </a:solidFill>
+              </a:rPr>
+              <a:t>The same constraint prevents </a:t>
+            </a:r>
+            <a:r>
+              <a:rPr lang="en-US" sz="2000" b="1" dirty="0" smtClean="0">
+                <a:solidFill>
+                  <a:srgbClr val="000000"/>
+                </a:solidFill>
+              </a:rPr>
+              <a:t>growth through </a:t>
+            </a:r>
+            <a:r>
+              <a:rPr lang="en-US" sz="2000" b="1" dirty="0" smtClean="0">
+                <a:solidFill>
+                  <a:srgbClr val="000000"/>
+                </a:solidFill>
+              </a:rPr>
+              <a:t>reverse </a:t>
+            </a:r>
+            <a:r>
+              <a:rPr lang="en-US" sz="2000" b="1" dirty="0" err="1" smtClean="0">
+                <a:solidFill>
+                  <a:srgbClr val="000000"/>
+                </a:solidFill>
+              </a:rPr>
+              <a:t>methanogenesis</a:t>
+            </a:r>
+            <a:r>
+              <a:rPr lang="en-US" sz="2000" b="1" dirty="0" smtClean="0">
+                <a:solidFill>
+                  <a:srgbClr val="000000"/>
+                </a:solidFill>
+              </a:rPr>
+              <a:t> and may have to be overcome to oxidize CH</a:t>
+            </a:r>
+            <a:r>
+              <a:rPr lang="en-US" sz="2000" b="1" baseline="-25000" dirty="0" smtClean="0">
+                <a:solidFill>
+                  <a:srgbClr val="000000"/>
+                </a:solidFill>
+              </a:rPr>
+              <a:t>4</a:t>
+            </a:r>
+            <a:r>
+              <a:rPr lang="en-US" sz="2000" b="1" dirty="0" smtClean="0">
+                <a:solidFill>
+                  <a:srgbClr val="000000"/>
+                </a:solidFill>
+              </a:rPr>
+              <a:t>. </a:t>
+            </a:r>
+            <a:endParaRPr lang="en-US" sz="2000" b="1" dirty="0">
+              <a:solidFill>
+                <a:srgbClr val="000000"/>
+              </a:solidFill>
+            </a:endParaRPr>
+          </a:p>
+        </p:txBody>
+      </p:sp>
+      <p:sp>
+        <p:nvSpPr>
+          <p:cNvPr id="15" name="Text Box 7"/>
           <p:cNvSpPr txBox="1">
             <a:spLocks noChangeArrowheads="1"/>
           </p:cNvSpPr>
@@ -11518,136 +8825,36 @@
               </a:rPr>
               <a:t>Progress on core technology development</a:t>
             </a:r>
-            <a:endParaRPr lang="en-US" b="1" dirty="0">
-              <a:solidFill>
-                <a:srgbClr val="1AB0E9"/>
-              </a:solidFill>
-            </a:endParaRPr>
-          </a:p>
-        </p:txBody>
-      </p:sp>
-      <p:sp>
-        <p:nvSpPr>
-          <p:cNvPr id="12" name="TextBox 11"/>
-          <p:cNvSpPr txBox="1"/>
-          <p:nvPr/>
-        </p:nvSpPr>
-        <p:spPr>
-          <a:xfrm>
-            <a:off x="2383009" y="6322814"/>
-            <a:ext cx="4797082" cy="369332"/>
-          </a:xfrm>
-          <a:prstGeom prst="rect">
-            <a:avLst/>
-          </a:prstGeom>
-          <a:noFill/>
-        </p:spPr>
-        <p:txBody>
-          <a:bodyPr wrap="none" rtlCol="0">
-            <a:spAutoFit/>
-          </a:bodyPr>
+          </a:p>
+        </p:txBody>
+      </p:sp>
+      <p:sp>
+        <p:nvSpPr>
+          <p:cNvPr id="16" name="Title 6"/>
+          <p:cNvSpPr>
+            <a:spLocks noGrp="1"/>
+          </p:cNvSpPr>
+          <p:nvPr>
+            <p:ph type="title"/>
+          </p:nvPr>
+        </p:nvSpPr>
+        <p:spPr/>
+        <p:txBody>
+          <a:bodyPr/>
           <a:lstStyle/>
           <a:p>
-            <a:pPr defTabSz="457200"/>
-            <a:r>
-              <a:rPr lang="en-US" dirty="0">
-                <a:solidFill>
-                  <a:prstClr val="black"/>
-                </a:solidFill>
-              </a:rPr>
-              <a:t>Protected Data – For DOE ARPA-E Use Only</a:t>
-            </a:r>
-          </a:p>
-        </p:txBody>
-      </p:sp>
-      <p:sp>
-        <p:nvSpPr>
-          <p:cNvPr id="2" name="TextBox 1"/>
-          <p:cNvSpPr txBox="1"/>
-          <p:nvPr/>
-        </p:nvSpPr>
-        <p:spPr>
-          <a:xfrm>
-            <a:off x="2026602" y="2437868"/>
-            <a:ext cx="5196841" cy="2031325"/>
-          </a:xfrm>
-          <a:prstGeom prst="rect">
-            <a:avLst/>
-          </a:prstGeom>
-          <a:solidFill>
-            <a:srgbClr val="FFFF00"/>
-          </a:solidFill>
-          <a:effectLst>
-            <a:outerShdw blurRad="50800" dist="38100" dir="5400000" algn="t" rotWithShape="0">
-              <a:prstClr val="black">
-                <a:alpha val="40000"/>
-              </a:prstClr>
-            </a:outerShdw>
-          </a:effectLst>
-        </p:spPr>
-        <p:txBody>
-          <a:bodyPr wrap="square" rtlCol="0">
-            <a:spAutoFit/>
-          </a:bodyPr>
-          <a:lstStyle/>
-          <a:p>
-            <a:pPr defTabSz="457200"/>
-            <a:r>
-              <a:rPr lang="en-US" dirty="0">
-                <a:solidFill>
-                  <a:prstClr val="black"/>
-                </a:solidFill>
-              </a:rPr>
-              <a:t>The purpose of the slide is to provide a technical update on core technology development. Since our last meeting, several groups have published and/or protected data/innovations. We expect that you will share information to the extent possible to inform other performers on your success. </a:t>
-            </a:r>
-          </a:p>
-        </p:txBody>
-      </p:sp>
-      <p:sp>
-        <p:nvSpPr>
-          <p:cNvPr id="8" name="TextBox 7"/>
-          <p:cNvSpPr txBox="1"/>
-          <p:nvPr/>
-        </p:nvSpPr>
-        <p:spPr>
-          <a:xfrm>
-            <a:off x="5699760" y="1996440"/>
-            <a:ext cx="1526828" cy="369332"/>
-          </a:xfrm>
-          <a:prstGeom prst="rect">
-            <a:avLst/>
-          </a:prstGeom>
-          <a:solidFill>
-            <a:srgbClr val="FFFF00"/>
-          </a:solidFill>
-        </p:spPr>
-        <p:txBody>
-          <a:bodyPr wrap="none" rtlCol="0">
-            <a:spAutoFit/>
-          </a:bodyPr>
-          <a:lstStyle/>
-          <a:p>
-            <a:pPr defTabSz="457200"/>
-            <a:r>
-              <a:rPr lang="en-US" b="1" dirty="0">
-                <a:solidFill>
-                  <a:prstClr val="black"/>
-                </a:solidFill>
-              </a:rPr>
-              <a:t>DATA SLIDE</a:t>
-            </a:r>
-            <a:endParaRPr lang="en-US" b="1" dirty="0">
-              <a:solidFill>
-                <a:prstClr val="black"/>
-              </a:solidFill>
-            </a:endParaRPr>
+            <a:r>
+              <a:rPr lang="en-US" dirty="0" smtClean="0"/>
+              <a:t>Project title</a:t>
+            </a:r>
+            <a:endParaRPr lang="en-US" dirty="0"/>
           </a:p>
         </p:txBody>
       </p:sp>
     </p:spTree>
     <p:extLst>
       <p:ext uri="{BB962C8B-B14F-4D97-AF65-F5344CB8AC3E}">
-        <p14:creationId xmlns:p14="http://schemas.microsoft.com/office/powerpoint/2010/main" val="3555058041"/>
+        <p14:creationId xmlns:p14="http://schemas.microsoft.com/office/powerpoint/2010/main" val="3650734058"/>
       </p:ext>
     </p:extLst>
   </p:cSld>
@@ -11657,9 +8864,126 @@
   <p:timing>
     <p:tnLst>
       <p:par>
-        <p:cTn id="1" dur="indefinite" restart="never" nodeType="tmRoot"/>
+        <p:cTn id="1" dur="indefinite" restart="never" nodeType="tmRoot">
+          <p:childTnLst>
+            <p:seq concurrent="1" nextAc="seek">
+              <p:cTn id="2" dur="indefinite" nodeType="mainSeq">
+                <p:childTnLst>
+                  <p:par>
+                    <p:cTn id="3" fill="hold">
+                      <p:stCondLst>
+                        <p:cond delay="indefinite"/>
+                      </p:stCondLst>
+                      <p:childTnLst>
+                        <p:par>
+                          <p:cTn id="4" fill="hold">
+                            <p:stCondLst>
+                              <p:cond delay="0"/>
+                            </p:stCondLst>
+                            <p:childTnLst>
+                              <p:par>
+                                <p:cTn id="5" presetID="1" presetClass="entr" presetSubtype="0" fill="hold" grpId="0" nodeType="clickEffect">
+                                  <p:stCondLst>
+                                    <p:cond delay="0"/>
+                                  </p:stCondLst>
+                                  <p:childTnLst>
+                                    <p:set>
+                                      <p:cBhvr>
+                                        <p:cTn id="6" dur="1" fill="hold">
+                                          <p:stCondLst>
+                                            <p:cond delay="0"/>
+                                          </p:stCondLst>
+                                        </p:cTn>
+                                        <p:tgtEl>
+                                          <p:spTgt spid="9"/>
+                                        </p:tgtEl>
+                                        <p:attrNameLst>
+                                          <p:attrName>style.visibility</p:attrName>
+                                        </p:attrNameLst>
+                                      </p:cBhvr>
+                                      <p:to>
+                                        <p:strVal val="visible"/>
+                                      </p:to>
+                                    </p:set>
+                                  </p:childTnLst>
+                                </p:cTn>
+                              </p:par>
+                            </p:childTnLst>
+                          </p:cTn>
+                        </p:par>
+                      </p:childTnLst>
+                    </p:cTn>
+                  </p:par>
+                  <p:par>
+                    <p:cTn id="7" fill="hold">
+                      <p:stCondLst>
+                        <p:cond delay="indefinite"/>
+                      </p:stCondLst>
+                      <p:childTnLst>
+                        <p:par>
+                          <p:cTn id="8" fill="hold">
+                            <p:stCondLst>
+                              <p:cond delay="0"/>
+                            </p:stCondLst>
+                            <p:childTnLst>
+                              <p:par>
+                                <p:cTn id="9" presetID="1" presetClass="entr" presetSubtype="0" fill="hold" grpId="0" nodeType="clickEffect">
+                                  <p:stCondLst>
+                                    <p:cond delay="0"/>
+                                  </p:stCondLst>
+                                  <p:childTnLst>
+                                    <p:set>
+                                      <p:cBhvr>
+                                        <p:cTn id="10" dur="1" fill="hold">
+                                          <p:stCondLst>
+                                            <p:cond delay="0"/>
+                                          </p:stCondLst>
+                                        </p:cTn>
+                                        <p:tgtEl>
+                                          <p:spTgt spid="11"/>
+                                        </p:tgtEl>
+                                        <p:attrNameLst>
+                                          <p:attrName>style.visibility</p:attrName>
+                                        </p:attrNameLst>
+                                      </p:cBhvr>
+                                      <p:to>
+                                        <p:strVal val="visible"/>
+                                      </p:to>
+                                    </p:set>
+                                  </p:childTnLst>
+                                </p:cTn>
+                              </p:par>
+                            </p:childTnLst>
+                          </p:cTn>
+                        </p:par>
+                      </p:childTnLst>
+                    </p:cTn>
+                  </p:par>
+                </p:childTnLst>
+              </p:cTn>
+              <p:prevCondLst>
+                <p:cond evt="onPrev" delay="0">
+                  <p:tgtEl>
+                    <p:sldTgt/>
+                  </p:tgtEl>
+                </p:cond>
+              </p:prevCondLst>
+              <p:nextCondLst>
+                <p:cond evt="onNext" delay="0">
+                  <p:tgtEl>
+                    <p:sldTgt/>
+                  </p:tgtEl>
+                </p:cond>
+              </p:nextCondLst>
+            </p:seq>
+          </p:childTnLst>
+        </p:cTn>
       </p:par>
     </p:tnLst>
+    <p:bldLst>
+      <p:bldP spid="9" grpId="0" animBg="1"/>
+      <p:bldP spid="11" grpId="0" animBg="1"/>
+    </p:bldLst>
   </p:timing>
 </p:sld>
 </file>
@@ -11719,30 +9043,148 @@
       </p:sp>
       <p:sp>
         <p:nvSpPr>
-          <p:cNvPr id="7" name="Title 6"/>
-          <p:cNvSpPr>
-            <a:spLocks noGrp="1"/>
-          </p:cNvSpPr>
-          <p:nvPr>
-            <p:ph type="title"/>
-          </p:nvPr>
-        </p:nvSpPr>
-        <p:spPr/>
-        <p:txBody>
-          <a:bodyPr/>
+          <p:cNvPr id="10" name="TextBox 9"/>
+          <p:cNvSpPr txBox="1"/>
+          <p:nvPr/>
+        </p:nvSpPr>
+        <p:spPr>
+          <a:xfrm>
+            <a:off x="2383009" y="6322814"/>
+            <a:ext cx="4797082" cy="369332"/>
+          </a:xfrm>
+          <a:prstGeom prst="rect">
+            <a:avLst/>
+          </a:prstGeom>
+          <a:noFill/>
+        </p:spPr>
+        <p:txBody>
+          <a:bodyPr wrap="none" rtlCol="0">
+            <a:spAutoFit/>
+          </a:bodyPr>
           <a:lstStyle/>
           <a:p>
-            <a:r>
-              <a:rPr lang="en-US" dirty="0" smtClean="0"/>
-              <a:t>Project title</a:t>
-            </a:r>
-            <a:endParaRPr lang="en-US" dirty="0"/>
-          </a:p>
-        </p:txBody>
-      </p:sp>
-      <p:sp>
-        <p:nvSpPr>
-          <p:cNvPr id="9" name="Text Box 7"/>
+            <a:pPr defTabSz="457200"/>
+            <a:r>
+              <a:rPr lang="en-US" dirty="0">
+                <a:solidFill>
+                  <a:prstClr val="black"/>
+                </a:solidFill>
+              </a:rPr>
+              <a:t>Protected Data – For DOE ARPA-E Use Only</a:t>
+            </a:r>
+          </a:p>
+        </p:txBody>
+      </p:sp>
+      <p:pic>
+        <p:nvPicPr>
+          <p:cNvPr id="5" name="Picture 4"/>
+          <p:cNvPicPr>
+            <a:picLocks noChangeAspect="1"/>
+          </p:cNvPicPr>
+          <p:nvPr/>
+        </p:nvPicPr>
+        <p:blipFill rotWithShape="1">
+          <a:blip r:embed="rId2"/>
+          <a:srcRect t="7661" r="4001" b="5683"/>
+          <a:stretch/>
+        </p:blipFill>
+        <p:spPr>
+          <a:xfrm>
+            <a:off x="457200" y="1213514"/>
+            <a:ext cx="8077200" cy="4882486"/>
+          </a:xfrm>
+          <a:prstGeom prst="rect">
+            <a:avLst/>
+          </a:prstGeom>
+        </p:spPr>
+      </p:pic>
+      <p:sp>
+        <p:nvSpPr>
+          <p:cNvPr id="11" name="Rectangle 10"/>
+          <p:cNvSpPr/>
+          <p:nvPr/>
+        </p:nvSpPr>
+        <p:spPr>
+          <a:xfrm>
+            <a:off x="310571" y="3709809"/>
+            <a:ext cx="8334852" cy="1008112"/>
+          </a:xfrm>
+          <a:prstGeom prst="rect">
+            <a:avLst/>
+          </a:prstGeom>
+          <a:gradFill flip="none" rotWithShape="1">
+            <a:gsLst>
+              <a:gs pos="0">
+                <a:schemeClr val="accent4">
+                  <a:lumMod val="60000"/>
+                  <a:lumOff val="40000"/>
+                  <a:tint val="66000"/>
+                  <a:satMod val="160000"/>
+                </a:schemeClr>
+              </a:gs>
+              <a:gs pos="50000">
+                <a:schemeClr val="accent4">
+                  <a:lumMod val="60000"/>
+                  <a:lumOff val="40000"/>
+                  <a:tint val="44500"/>
+                  <a:satMod val="160000"/>
+                </a:schemeClr>
+              </a:gs>
+              <a:gs pos="100000">
+                <a:schemeClr val="accent4">
+                  <a:lumMod val="60000"/>
+                  <a:lumOff val="40000"/>
+                  <a:tint val="23500"/>
+                  <a:satMod val="160000"/>
+                </a:schemeClr>
+              </a:gs>
+            </a:gsLst>
+            <a:path path="circle">
+              <a:fillToRect l="50000" t="50000" r="50000" b="50000"/>
+            </a:path>
+            <a:tileRect/>
+          </a:gradFill>
+        </p:spPr>
+        <p:style>
+          <a:lnRef idx="2">
+            <a:schemeClr val="accent1">
+              <a:shade val="50000"/>
+            </a:schemeClr>
+          </a:lnRef>
+          <a:fillRef idx="1">
+            <a:schemeClr val="accent1"/>
+          </a:fillRef>
+          <a:effectRef idx="0">
+            <a:schemeClr val="accent1"/>
+          </a:effectRef>
+          <a:fontRef idx="minor">
+            <a:schemeClr val="lt1"/>
+          </a:fontRef>
+        </p:style>
+        <p:txBody>
+          <a:bodyPr rtlCol="0" anchor="ctr"/>
+          <a:lstStyle/>
+          <a:p>
+            <a:pPr algn="ctr"/>
+            <a:r>
+              <a:rPr lang="en-US" sz="2000" b="1" dirty="0" smtClean="0">
+                <a:solidFill>
+                  <a:srgbClr val="000000"/>
+                </a:solidFill>
+              </a:rPr>
+              <a:t>We’ve found a stoichiometric solution, but have not yet found an energetically-feasible one</a:t>
+            </a:r>
+            <a:endParaRPr lang="en-US" sz="2000" b="1" dirty="0">
+              <a:solidFill>
+                <a:srgbClr val="000000"/>
+              </a:solidFill>
+            </a:endParaRPr>
+          </a:p>
+        </p:txBody>
+      </p:sp>
+      <p:sp>
+        <p:nvSpPr>
+          <p:cNvPr id="12" name="Text Box 7"/>
           <p:cNvSpPr txBox="1">
             <a:spLocks noChangeArrowheads="1"/>
           </p:cNvSpPr>
@@ -11781,113 +9223,38 @@
                   <a:srgbClr val="1AB0E9"/>
                 </a:solidFill>
               </a:rPr>
-              <a:t>Steps toward commercialization </a:t>
-            </a:r>
-            <a:endParaRPr lang="en-US" b="1" dirty="0">
-              <a:solidFill>
-                <a:srgbClr val="1AB0E9"/>
-              </a:solidFill>
-            </a:endParaRPr>
-          </a:p>
-        </p:txBody>
-      </p:sp>
-      <p:sp>
-        <p:nvSpPr>
-          <p:cNvPr id="12" name="TextBox 11"/>
-          <p:cNvSpPr txBox="1"/>
-          <p:nvPr/>
-        </p:nvSpPr>
-        <p:spPr>
-          <a:xfrm>
-            <a:off x="2383009" y="6322814"/>
-            <a:ext cx="4797082" cy="369332"/>
-          </a:xfrm>
-          <a:prstGeom prst="rect">
-            <a:avLst/>
-          </a:prstGeom>
-          <a:noFill/>
-        </p:spPr>
-        <p:txBody>
-          <a:bodyPr wrap="none" rtlCol="0">
-            <a:spAutoFit/>
-          </a:bodyPr>
+              <a:t>Progress on core technology development</a:t>
+            </a:r>
+          </a:p>
+        </p:txBody>
+      </p:sp>
+      <p:sp>
+        <p:nvSpPr>
+          <p:cNvPr id="13" name="Title 6"/>
+          <p:cNvSpPr>
+            <a:spLocks noGrp="1"/>
+          </p:cNvSpPr>
+          <p:nvPr>
+            <p:ph type="title"/>
+          </p:nvPr>
+        </p:nvSpPr>
+        <p:spPr/>
+        <p:txBody>
+          <a:bodyPr/>
           <a:lstStyle/>
           <a:p>
-            <a:pPr defTabSz="457200"/>
-            <a:r>
-              <a:rPr lang="en-US" dirty="0">
-                <a:solidFill>
-                  <a:prstClr val="black"/>
-                </a:solidFill>
-              </a:rPr>
-              <a:t>Protected Data – For DOE ARPA-E Use Only</a:t>
-            </a:r>
-          </a:p>
-        </p:txBody>
-      </p:sp>
-      <p:sp>
-        <p:nvSpPr>
-          <p:cNvPr id="2" name="TextBox 1"/>
-          <p:cNvSpPr txBox="1"/>
-          <p:nvPr/>
-        </p:nvSpPr>
-        <p:spPr>
-          <a:xfrm>
-            <a:off x="2026602" y="2437868"/>
-            <a:ext cx="5196841" cy="2031325"/>
-          </a:xfrm>
-          <a:prstGeom prst="rect">
-            <a:avLst/>
-          </a:prstGeom>
-          <a:solidFill>
-            <a:srgbClr val="FFFF00"/>
-          </a:solidFill>
-          <a:effectLst>
-            <a:outerShdw blurRad="50800" dist="38100" dir="5400000" algn="t" rotWithShape="0">
-              <a:prstClr val="black">
-                <a:alpha val="40000"/>
-              </a:prstClr>
-            </a:outerShdw>
-          </a:effectLst>
-        </p:spPr>
-        <p:txBody>
-          <a:bodyPr wrap="square" rtlCol="0">
-            <a:spAutoFit/>
-          </a:bodyPr>
-          <a:lstStyle/>
-          <a:p>
-            <a:pPr defTabSz="457200"/>
-            <a:r>
-              <a:rPr lang="en-US" dirty="0">
-                <a:solidFill>
-                  <a:prstClr val="black"/>
-                </a:solidFill>
-              </a:rPr>
-              <a:t>The purpose of the slide is to share information on what if any actions the project team have implemented to push towards commercialization (e.g. </a:t>
-            </a:r>
-            <a:r>
-              <a:rPr lang="en-US" dirty="0" err="1">
-                <a:solidFill>
-                  <a:prstClr val="black"/>
-                </a:solidFill>
-              </a:rPr>
-              <a:t>newco</a:t>
-            </a:r>
-            <a:r>
-              <a:rPr lang="en-US" dirty="0">
-                <a:solidFill>
-                  <a:prstClr val="black"/>
-                </a:solidFill>
-              </a:rPr>
-              <a:t> formation). Please expand on what additional technical advancements or skills are necessary for development of the technology beyond ARPA-E.  </a:t>
-            </a:r>
+            <a:r>
+              <a:rPr lang="en-US" dirty="0" smtClean="0"/>
+              <a:t>Project title</a:t>
+            </a:r>
+            <a:endParaRPr lang="en-US" dirty="0"/>
           </a:p>
         </p:txBody>
       </p:sp>
     </p:spTree>
     <p:extLst>
       <p:ext uri="{BB962C8B-B14F-4D97-AF65-F5344CB8AC3E}">
-        <p14:creationId xmlns:p14="http://schemas.microsoft.com/office/powerpoint/2010/main" val="3873793322"/>
+        <p14:creationId xmlns:p14="http://schemas.microsoft.com/office/powerpoint/2010/main" val="2043015677"/>
       </p:ext>
     </p:extLst>
   </p:cSld>
@@ -11897,9 +9264,80 @@
   <p:timing>
     <p:tnLst>
       <p:par>
-        <p:cTn id="1" dur="indefinite" restart="never" nodeType="tmRoot"/>
+        <p:cTn id="1" dur="indefinite" restart="never" nodeType="tmRoot">
+          <p:childTnLst>
+            <p:seq concurrent="1" nextAc="seek">
+              <p:cTn id="2" dur="indefinite" nodeType="mainSeq">
+                <p:childTnLst>
+                  <p:par>
+                    <p:cTn id="3" fill="hold">
+                      <p:stCondLst>
+                        <p:cond delay="indefinite"/>
+                      </p:stCondLst>
+                      <p:childTnLst>
+                        <p:par>
+                          <p:cTn id="4" fill="hold">
+                            <p:stCondLst>
+                              <p:cond delay="0"/>
+                            </p:stCondLst>
+                            <p:childTnLst>
+                              <p:par>
+                                <p:cTn id="5" presetID="1" presetClass="entr" presetSubtype="0" fill="hold" grpId="0" nodeType="clickEffect">
+                                  <p:stCondLst>
+                                    <p:cond delay="0"/>
+                                  </p:stCondLst>
+                                  <p:childTnLst>
+                                    <p:set>
+                                      <p:cBhvr>
+                                        <p:cTn id="6" dur="1" fill="hold">
+                                          <p:stCondLst>
+                                            <p:cond delay="0"/>
+                                          </p:stCondLst>
+                                        </p:cTn>
+                                        <p:tgtEl>
+                                          <p:spTgt spid="11"/>
+                                        </p:tgtEl>
+                                        <p:attrNameLst>
+                                          <p:attrName>style.visibility</p:attrName>
+                                        </p:attrNameLst>
+                                      </p:cBhvr>
+                                      <p:to>
+                                        <p:strVal val="visible"/>
+                                      </p:to>
+                                    </p:set>
+                                  </p:childTnLst>
+                                </p:cTn>
+                              </p:par>
+                            </p:childTnLst>
+                          </p:cTn>
+                        </p:par>
+                      </p:childTnLst>
+                    </p:cTn>
+                  </p:par>
+                </p:childTnLst>
+              </p:cTn>
+              <p:prevCondLst>
+                <p:cond evt="onPrev" delay="0">
+                  <p:tgtEl>
+                    <p:sldTgt/>
+                  </p:tgtEl>
+                </p:cond>
+              </p:prevCondLst>
+              <p:nextCondLst>
+                <p:cond evt="onNext" delay="0">
+                  <p:tgtEl>
+                    <p:sldTgt/>
+                  </p:tgtEl>
+                </p:cond>
+              </p:nextCondLst>
+            </p:seq>
+          </p:childTnLst>
+        </p:cTn>
       </p:par>
     </p:tnLst>
+    <p:bldLst>
+      <p:bldP spid="11" grpId="0" animBg="1"/>
+    </p:bldLst>
   </p:timing>
 </p:sld>
 </file>
@@ -12223,7 +9661,7 @@
 </file>
 
 <file path=ppt/theme/theme2.xml><?xml version="1.0" encoding="utf-8"?>
-<a:theme xmlns:a="http://schemas.openxmlformats.org/drawingml/2006/main" name="2_Office Theme">
+<a:theme xmlns:a="http://schemas.openxmlformats.org/drawingml/2006/main" name="3_Office Theme">
   <a:themeElements>
     <a:clrScheme name="ARPA E COLOR PALETTE 112012">
       <a:dk1>
@@ -12541,324 +9979,6 @@
 </file>
 
 <file path=ppt/theme/theme3.xml><?xml version="1.0" encoding="utf-8"?>
-<a:theme xmlns:a="http://schemas.openxmlformats.org/drawingml/2006/main" name="3_Office Theme">
-  <a:themeElements>
-    <a:clrScheme name="ARPA E COLOR PALETTE 112012">
-      <a:dk1>
-        <a:sysClr val="windowText" lastClr="000000"/>
-      </a:dk1>
-      <a:lt1>
-        <a:sysClr val="window" lastClr="FFFFFF"/>
-      </a:lt1>
-      <a:dk2>
-        <a:srgbClr val="1AB0E9"/>
-      </a:dk2>
-      <a:lt2>
-        <a:srgbClr val="E79B38"/>
-      </a:lt2>
-      <a:accent1>
-        <a:srgbClr val="1AB0E9"/>
-      </a:accent1>
-      <a:accent2>
-        <a:srgbClr val="106D96"/>
-      </a:accent2>
-      <a:accent3>
-        <a:srgbClr val="E49C3D"/>
-      </a:accent3>
-      <a:accent4>
-        <a:srgbClr val="E7862A"/>
-      </a:accent4>
-      <a:accent5>
-        <a:srgbClr val="9DA0A3"/>
-      </a:accent5>
-      <a:accent6>
-        <a:srgbClr val="DADADA"/>
-      </a:accent6>
-      <a:hlink>
-        <a:srgbClr val="1AB0E9"/>
-      </a:hlink>
-      <a:folHlink>
-        <a:srgbClr val="E49C3D"/>
-      </a:folHlink>
-    </a:clrScheme>
-    <a:fontScheme name="Office Classic 2">
-      <a:majorFont>
-        <a:latin typeface="Arial"/>
-        <a:ea typeface=""/>
-        <a:cs typeface=""/>
-        <a:font script="Jpan" typeface="ＭＳ Ｐゴシック"/>
-        <a:font script="Hang" typeface="굴림"/>
-        <a:font script="Hans" typeface="黑体"/>
-        <a:font script="Hant" typeface="微軟正黑體"/>
-        <a:font script="Arab" typeface="Arial"/>
-        <a:font script="Hebr" typeface="Arial"/>
-        <a:font script="Thai" typeface="Cordia New"/>
-        <a:font script="Ethi" typeface="Nyala"/>
-        <a:font script="Beng" typeface="Vrinda"/>
-        <a:font script="Gujr" typeface="Shruti"/>
-        <a:font script="Khmr" typeface="DaunPenh"/>
-        <a:font script="Knda" typeface="Tunga"/>
-        <a:font script="Guru" typeface="Raavi"/>
-        <a:font script="Cans" typeface="Euphemia"/>
-        <a:font script="Cher" typeface="Plantagenet Cherokee"/>
-        <a:font script="Yiii" typeface="Microsoft Yi Baiti"/>
-        <a:font script="Tibt" typeface="Microsoft Himalaya"/>
-        <a:font script="Thaa" typeface="MV Boli"/>
-        <a:font script="Deva" typeface="Mangal"/>
-        <a:font script="Telu" typeface="Gautami"/>
-        <a:font script="Taml" typeface="Latha"/>
-        <a:font script="Syrc" typeface="Estrangelo Edessa"/>
-        <a:font script="Orya" typeface="Kalinga"/>
-        <a:font script="Mlym" typeface="Kartika"/>
-        <a:font script="Laoo" typeface="DokChampa"/>
-        <a:font script="Sinh" typeface="Iskoola Pota"/>
-        <a:font script="Mong" typeface="Mongolian Baiti"/>
-        <a:font script="Viet" typeface="Arial"/>
-        <a:font script="Uigh" typeface="Microsoft Uighur"/>
-      </a:majorFont>
-      <a:minorFont>
-        <a:latin typeface="Arial"/>
-        <a:ea typeface=""/>
-        <a:cs typeface=""/>
-        <a:font script="Jpan" typeface="ＭＳ Ｐゴシック"/>
-        <a:font script="Hang" typeface="굴림"/>
-        <a:font script="Hans" typeface="黑体"/>
-        <a:font script="Hant" typeface="微軟正黑體"/>
-        <a:font script="Arab" typeface="Arial"/>
-        <a:font script="Hebr" typeface="Arial"/>
-        <a:font script="Thai" typeface="Cordia New"/>
-        <a:font script="Ethi" typeface="Nyala"/>
-        <a:font script="Beng" typeface="Vrinda"/>
-        <a:font script="Gujr" typeface="Shruti"/>
-        <a:font script="Khmr" typeface="DaunPenh"/>
-        <a:font script="Knda" typeface="Tunga"/>
-        <a:font script="Guru" typeface="Raavi"/>
-        <a:font script="Cans" typeface="Euphemia"/>
-        <a:font script="Cher" typeface="Plantagenet Cherokee"/>
-        <a:font script="Yiii" typeface="Microsoft Yi Baiti"/>
-        <a:font script="Tibt" typeface="Microsoft Himalaya"/>
-        <a:font script="Thaa" typeface="MV Boli"/>
-        <a:font script="Deva" typeface="Mangal"/>
-        <a:font script="Telu" typeface="Gautami"/>
-        <a:font script="Taml" typeface="Latha"/>
-        <a:font script="Syrc" typeface="Estrangelo Edessa"/>
-        <a:font script="Orya" typeface="Kalinga"/>
-        <a:font script="Mlym" typeface="Kartika"/>
-        <a:font script="Laoo" typeface="DokChampa"/>
-        <a:font script="Sinh" typeface="Iskoola Pota"/>
-        <a:font script="Mong" typeface="Mongolian Baiti"/>
-        <a:font script="Viet" typeface="Arial"/>
-        <a:font script="Uigh" typeface="Microsoft Uighur"/>
-      </a:minorFont>
-    </a:fontScheme>
-    <a:fmtScheme name="Office">
-      <a:fillStyleLst>
-        <a:solidFill>
-          <a:schemeClr val="phClr"/>
-        </a:solidFill>
-        <a:gradFill rotWithShape="1">
-          <a:gsLst>
-            <a:gs pos="0">
-              <a:schemeClr val="phClr">
-                <a:tint val="50000"/>
-                <a:satMod val="300000"/>
-              </a:schemeClr>
-            </a:gs>
-            <a:gs pos="35000">
-              <a:schemeClr val="phClr">
-                <a:tint val="37000"/>
-                <a:satMod val="300000"/>
-              </a:schemeClr>
-            </a:gs>
-            <a:gs pos="100000">
-              <a:schemeClr val="phClr">
-                <a:tint val="15000"/>
-                <a:satMod val="350000"/>
-              </a:schemeClr>
-            </a:gs>
-          </a:gsLst>
-          <a:lin ang="16200000" scaled="1"/>
-        </a:gradFill>
-        <a:gradFill rotWithShape="1">
-          <a:gsLst>
-            <a:gs pos="0">
-              <a:schemeClr val="phClr">
-                <a:tint val="100000"/>
-                <a:shade val="100000"/>
-                <a:satMod val="130000"/>
-              </a:schemeClr>
-            </a:gs>
-            <a:gs pos="100000">
-              <a:schemeClr val="phClr">
-                <a:tint val="50000"/>
-                <a:shade val="100000"/>
-                <a:satMod val="350000"/>
-              </a:schemeClr>
-            </a:gs>
-          </a:gsLst>
-          <a:lin ang="16200000" scaled="0"/>
-        </a:gradFill>
-      </a:fillStyleLst>
-      <a:lnStyleLst>
-        <a:ln w="9525" cap="flat" cmpd="sng" algn="ctr">
-          <a:solidFill>
-            <a:schemeClr val="phClr">
-              <a:shade val="95000"/>
-              <a:satMod val="105000"/>
-            </a:schemeClr>
-          </a:solidFill>
-          <a:prstDash val="solid"/>
-        </a:ln>
-        <a:ln w="25400" cap="flat" cmpd="sng" algn="ctr">
-          <a:solidFill>
-            <a:schemeClr val="phClr"/>
-          </a:solidFill>
-          <a:prstDash val="solid"/>
-        </a:ln>
-        <a:ln w="38100" cap="flat" cmpd="sng" algn="ctr">
-          <a:solidFill>
-            <a:schemeClr val="phClr"/>
-          </a:solidFill>
-          <a:prstDash val="solid"/>
-        </a:ln>
-      </a:lnStyleLst>
-      <a:effectStyleLst>
-        <a:effectStyle>
-          <a:effectLst>
-            <a:outerShdw blurRad="40000" dist="20000" dir="5400000" rotWithShape="0">
-              <a:srgbClr val="000000">
-                <a:alpha val="38000"/>
-              </a:srgbClr>
-            </a:outerShdw>
-          </a:effectLst>
-        </a:effectStyle>
-        <a:effectStyle>
-          <a:effectLst>
-            <a:outerShdw blurRad="40000" dist="23000" dir="5400000" rotWithShape="0">
-              <a:srgbClr val="000000">
-                <a:alpha val="35000"/>
-              </a:srgbClr>
-            </a:outerShdw>
-          </a:effectLst>
-        </a:effectStyle>
-        <a:effectStyle>
-          <a:effectLst>
-            <a:outerShdw blurRad="40000" dist="23000" dir="5400000" rotWithShape="0">
-              <a:srgbClr val="000000">
-                <a:alpha val="35000"/>
-              </a:srgbClr>
-            </a:outerShdw>
-          </a:effectLst>
-          <a:scene3d>
-            <a:camera prst="orthographicFront">
-              <a:rot lat="0" lon="0" rev="0"/>
-            </a:camera>
-            <a:lightRig rig="threePt" dir="t">
-              <a:rot lat="0" lon="0" rev="1200000"/>
-            </a:lightRig>
-          </a:scene3d>
-          <a:sp3d>
-            <a:bevelT w="63500" h="25400"/>
-          </a:sp3d>
-        </a:effectStyle>
-      </a:effectStyleLst>
-      <a:bgFillStyleLst>
-        <a:solidFill>
-          <a:schemeClr val="phClr"/>
-        </a:solidFill>
-        <a:gradFill rotWithShape="1">
-          <a:gsLst>
-            <a:gs pos="0">
-              <a:schemeClr val="phClr">
-                <a:tint val="40000"/>
-                <a:satMod val="350000"/>
-              </a:schemeClr>
-            </a:gs>
-            <a:gs pos="40000">
-              <a:schemeClr val="phClr">
-                <a:tint val="45000"/>
-                <a:shade val="99000"/>
-                <a:satMod val="350000"/>
-              </a:schemeClr>
-            </a:gs>
-            <a:gs pos="100000">
-              <a:schemeClr val="phClr">
-                <a:shade val="20000"/>
-                <a:satMod val="255000"/>
-              </a:schemeClr>
-            </a:gs>
-          </a:gsLst>
-          <a:path path="circle">
-            <a:fillToRect l="50000" t="-80000" r="50000" b="180000"/>
-          </a:path>
-        </a:gradFill>
-        <a:gradFill rotWithShape="1">
-          <a:gsLst>
-            <a:gs pos="0">
-              <a:schemeClr val="phClr">
-                <a:tint val="80000"/>
-                <a:satMod val="300000"/>
-              </a:schemeClr>
-            </a:gs>
-            <a:gs pos="100000">
-              <a:schemeClr val="phClr">
-                <a:shade val="30000"/>
-                <a:satMod val="200000"/>
-              </a:schemeClr>
-            </a:gs>
-          </a:gsLst>
-          <a:path path="circle">
-            <a:fillToRect l="50000" t="50000" r="50000" b="50000"/>
-          </a:path>
-        </a:gradFill>
-      </a:bgFillStyleLst>
-    </a:fmtScheme>
-  </a:themeElements>
-  <a:objectDefaults>
-    <a:spDef>
-      <a:spPr/>
-      <a:bodyPr/>
-      <a:lstStyle/>
-      <a:style>
-        <a:lnRef idx="1">
-          <a:schemeClr val="accent1"/>
-        </a:lnRef>
-        <a:fillRef idx="3">
-          <a:schemeClr val="accent1"/>
-        </a:fillRef>
-        <a:effectRef idx="2">
-          <a:schemeClr val="accent1"/>
-        </a:effectRef>
-        <a:fontRef idx="minor">
-          <a:schemeClr val="lt1"/>
-        </a:fontRef>
-      </a:style>
-    </a:spDef>
-    <a:lnDef>
-      <a:spPr/>
-      <a:bodyPr/>
-      <a:lstStyle/>
-      <a:style>
-        <a:lnRef idx="2">
-          <a:schemeClr val="accent1"/>
-        </a:lnRef>
-        <a:fillRef idx="0">
-          <a:schemeClr val="accent1"/>
-        </a:fillRef>
-        <a:effectRef idx="1">
-          <a:schemeClr val="accent1"/>
-        </a:effectRef>
-        <a:fontRef idx="minor">
-          <a:schemeClr val="tx1"/>
-        </a:fontRef>
-      </a:style>
-    </a:lnDef>
-  </a:objectDefaults>
-  <a:extraClrSchemeLst/>
-</a:theme>
-</file>
-
-<file path=ppt/theme/theme4.xml><?xml version="1.0" encoding="utf-8"?>
 <a:theme xmlns:a="http://schemas.openxmlformats.org/drawingml/2006/main" name="Office Theme">
   <a:themeElements>
     <a:clrScheme name="Office">

--- a/Reports/2016_01_summit.pptx
+++ b/Reports/2016_01_summit.pptx
@@ -6,7 +6,7 @@
     <p:sldMasterId id="2147483684" r:id="rId2"/>
   </p:sldMasterIdLst>
   <p:notesMasterIdLst>
-    <p:notesMasterId r:id="rId9"/>
+    <p:notesMasterId r:id="rId10"/>
   </p:notesMasterIdLst>
   <p:sldIdLst>
     <p:sldId id="257" r:id="rId3"/>
@@ -15,6 +15,7 @@
     <p:sldId id="263" r:id="rId6"/>
     <p:sldId id="265" r:id="rId7"/>
     <p:sldId id="266" r:id="rId8"/>
+    <p:sldId id="268" r:id="rId9"/>
   </p:sldIdLst>
   <p:sldSz cx="9144000" cy="6858000" type="screen4x3"/>
   <p:notesSz cx="6858000" cy="9144000"/>
@@ -115,7 +116,7 @@
   </p:defaultTextStyle>
   <p:extLst>
     <p:ext uri="{EFAFB233-063F-42B5-8137-9DF3F51BA10A}">
-      <p15:sldGuideLst xmlns:p15="http://schemas.microsoft.com/office/powerpoint/2012/main">
+      <p15:sldGuideLst xmlns="" xmlns:p15="http://schemas.microsoft.com/office/powerpoint/2012/main">
         <p15:guide id="1" orient="horz" pos="2160">
           <p15:clr>
             <a:srgbClr val="A4A3A4"/>
@@ -214,7 +215,7 @@
           <a:p>
             <a:fld id="{4C0BA6A2-2D9F-4B10-9C1A-89C15BF2AB87}" type="datetimeFigureOut">
               <a:rPr lang="en-US" smtClean="0"/>
-              <a:t>1/17/2016</a:t>
+              <a:t>1/18/2016</a:t>
             </a:fld>
             <a:endParaRPr lang="en-US"/>
           </a:p>
@@ -818,7 +819,7 @@
                 </a:solidFill>
               </a:rPr>
               <a:pPr defTabSz="457200"/>
-              <a:t>January 17, 2016</a:t>
+              <a:t>January 18, 2016</a:t>
             </a:fld>
             <a:endParaRPr lang="en-US" dirty="0">
               <a:solidFill>
@@ -971,7 +972,7 @@
                 </a:solidFill>
               </a:rPr>
               <a:pPr defTabSz="457200"/>
-              <a:t>January 17, 2016</a:t>
+              <a:t>January 18, 2016</a:t>
             </a:fld>
             <a:endParaRPr lang="en-US" dirty="0">
               <a:solidFill>
@@ -1170,7 +1171,7 @@
                 </a:solidFill>
               </a:rPr>
               <a:pPr defTabSz="457200"/>
-              <a:t>January 17, 2016</a:t>
+              <a:t>January 18, 2016</a:t>
             </a:fld>
             <a:endParaRPr lang="en-US" dirty="0">
               <a:solidFill>
@@ -1476,7 +1477,7 @@
                 </a:solidFill>
               </a:rPr>
               <a:pPr defTabSz="457200"/>
-              <a:t>January 17, 2016</a:t>
+              <a:t>January 18, 2016</a:t>
             </a:fld>
             <a:endParaRPr lang="en-US" dirty="0">
               <a:solidFill>
@@ -1946,7 +1947,7 @@
                 </a:solidFill>
               </a:rPr>
               <a:pPr defTabSz="457200"/>
-              <a:t>January 17, 2016</a:t>
+              <a:t>January 18, 2016</a:t>
             </a:fld>
             <a:endParaRPr lang="en-US" dirty="0">
               <a:solidFill>
@@ -2669,7 +2670,7 @@
                 </a:solidFill>
               </a:rPr>
               <a:pPr defTabSz="457200"/>
-              <a:t>January 17, 2016</a:t>
+              <a:t>January 18, 2016</a:t>
             </a:fld>
             <a:endParaRPr lang="en-US" dirty="0">
               <a:solidFill>
@@ -2806,7 +2807,7 @@
                 </a:solidFill>
               </a:rPr>
               <a:pPr defTabSz="457200"/>
-              <a:t>January 17, 2016</a:t>
+              <a:t>January 18, 2016</a:t>
             </a:fld>
             <a:endParaRPr lang="en-US" dirty="0">
               <a:solidFill>
@@ -2955,7 +2956,7 @@
                 </a:solidFill>
               </a:rPr>
               <a:pPr defTabSz="457200"/>
-              <a:t>January 17, 2016</a:t>
+              <a:t>January 18, 2016</a:t>
             </a:fld>
             <a:endParaRPr lang="en-US" dirty="0">
               <a:solidFill>
@@ -3251,7 +3252,7 @@
                 </a:solidFill>
               </a:rPr>
               <a:pPr defTabSz="457200"/>
-              <a:t>January 17, 2016</a:t>
+              <a:t>January 18, 2016</a:t>
             </a:fld>
             <a:endParaRPr lang="en-US" dirty="0">
               <a:solidFill>
@@ -3764,7 +3765,7 @@
                 </a:solidFill>
               </a:rPr>
               <a:pPr defTabSz="457200"/>
-              <a:t>January 17, 2016</a:t>
+              <a:t>January 18, 2016</a:t>
             </a:fld>
             <a:endParaRPr lang="en-US" dirty="0">
               <a:solidFill>
@@ -3981,7 +3982,7 @@
                 </a:solidFill>
               </a:rPr>
               <a:pPr defTabSz="457200"/>
-              <a:t>January 17, 2016</a:t>
+              <a:t>January 18, 2016</a:t>
             </a:fld>
             <a:endParaRPr lang="en-US" dirty="0">
               <a:solidFill>
@@ -4180,7 +4181,7 @@
                 </a:solidFill>
               </a:rPr>
               <a:pPr defTabSz="457200"/>
-              <a:t>January 17, 2016</a:t>
+              <a:t>January 18, 2016</a:t>
             </a:fld>
             <a:endParaRPr lang="en-US" dirty="0">
               <a:solidFill>
@@ -4445,7 +4446,7 @@
                 </a:solidFill>
               </a:rPr>
               <a:pPr defTabSz="457200"/>
-              <a:t>January 17, 2016</a:t>
+              <a:t>January 18, 2016</a:t>
             </a:fld>
             <a:endParaRPr lang="en-US" dirty="0">
               <a:solidFill>
@@ -5168,7 +5169,7 @@
                 </a:solidFill>
               </a:rPr>
               <a:pPr defTabSz="457200"/>
-              <a:t>January 17, 2016</a:t>
+              <a:t>January 18, 2016</a:t>
             </a:fld>
             <a:endParaRPr lang="en-US" dirty="0">
               <a:solidFill>
@@ -5305,7 +5306,7 @@
                 </a:solidFill>
               </a:rPr>
               <a:pPr defTabSz="457200"/>
-              <a:t>January 17, 2016</a:t>
+              <a:t>January 18, 2016</a:t>
             </a:fld>
             <a:endParaRPr lang="en-US" dirty="0">
               <a:solidFill>
@@ -5454,7 +5455,7 @@
                 </a:solidFill>
               </a:rPr>
               <a:pPr defTabSz="457200"/>
-              <a:t>January 17, 2016</a:t>
+              <a:t>January 18, 2016</a:t>
             </a:fld>
             <a:endParaRPr lang="en-US" dirty="0">
               <a:solidFill>
@@ -5750,7 +5751,7 @@
                 </a:solidFill>
               </a:rPr>
               <a:pPr defTabSz="457200"/>
-              <a:t>January 17, 2016</a:t>
+              <a:t>January 18, 2016</a:t>
             </a:fld>
             <a:endParaRPr lang="en-US" dirty="0">
               <a:solidFill>
@@ -6022,7 +6023,7 @@
                 </a:solidFill>
               </a:rPr>
               <a:pPr defTabSz="457200"/>
-              <a:t>January 17, 2016</a:t>
+              <a:t>January 18, 2016</a:t>
             </a:fld>
             <a:endParaRPr lang="en-US" dirty="0">
               <a:solidFill>
@@ -7286,18 +7287,7 @@
           <a:p>
             <a:r>
               <a:rPr lang="en-US" dirty="0" smtClean="0"/>
-              <a:t>Project Title</a:t>
-            </a:r>
-            <a:r>
-              <a:rPr lang="en-US" sz="2400" dirty="0" smtClean="0"/>
-              <a:t/>
-            </a:r>
-            <a:br>
-              <a:rPr lang="en-US" sz="2400" dirty="0" smtClean="0"/>
-            </a:br>
-            <a:r>
-              <a:rPr lang="en-US" sz="2400" dirty="0" smtClean="0"/>
-              <a:t>(sub-title if helpful)</a:t>
+              <a:t>Anaerobic Bioconversion of Methane to Methanol</a:t>
             </a:r>
             <a:endParaRPr lang="en-US" sz="2400" dirty="0"/>
           </a:p>
@@ -7314,52 +7304,64 @@
           </p:nvPr>
         </p:nvSpPr>
         <p:spPr/>
+        <p:txBody>
+          <a:bodyPr>
+            <a:normAutofit fontScale="92500"/>
+          </a:bodyPr>
+          <a:lstStyle/>
+          <a:p>
+            <a:r>
+              <a:rPr lang="en-US" dirty="0" smtClean="0"/>
+              <a:t>Steve Ragsdale, John Leigh, Nathan Price, Simone </a:t>
+            </a:r>
+            <a:r>
+              <a:rPr lang="en-US" dirty="0" err="1" smtClean="0"/>
+              <a:t>Raugei</a:t>
+            </a:r>
+            <a:endParaRPr lang="en-US" dirty="0" smtClean="0"/>
+          </a:p>
+          <a:p>
+            <a:r>
+              <a:rPr lang="en-US" dirty="0" smtClean="0"/>
+              <a:t>Steve Ragsdale (sragsdal@umich.edu) </a:t>
+            </a:r>
+            <a:endParaRPr lang="en-US" dirty="0"/>
+          </a:p>
+        </p:txBody>
+      </p:sp>
+      <p:sp>
+        <p:nvSpPr>
+          <p:cNvPr id="4" name="Date Placeholder 3"/>
+          <p:cNvSpPr>
+            <a:spLocks noGrp="1"/>
+          </p:cNvSpPr>
+          <p:nvPr>
+            <p:ph type="dt" sz="half" idx="10"/>
+          </p:nvPr>
+        </p:nvSpPr>
+        <p:spPr>
+          <a:xfrm>
+            <a:off x="685799" y="5053572"/>
+            <a:ext cx="6467475" cy="365125"/>
+          </a:xfrm>
+        </p:spPr>
         <p:txBody>
           <a:bodyPr/>
           <a:lstStyle/>
           <a:p>
             <a:r>
-              <a:rPr lang="en-US" dirty="0" smtClean="0"/>
-              <a:t>Project Team</a:t>
-            </a:r>
-          </a:p>
-          <a:p>
-            <a:r>
-              <a:rPr lang="en-US" dirty="0" smtClean="0"/>
-              <a:t>PI Name and Email </a:t>
-            </a:r>
-            <a:endParaRPr lang="en-US" dirty="0"/>
-          </a:p>
-        </p:txBody>
-      </p:sp>
-      <p:sp>
-        <p:nvSpPr>
-          <p:cNvPr id="4" name="Date Placeholder 3"/>
-          <p:cNvSpPr>
-            <a:spLocks noGrp="1"/>
-          </p:cNvSpPr>
-          <p:nvPr>
-            <p:ph type="dt" sz="half" idx="10"/>
-          </p:nvPr>
-        </p:nvSpPr>
-        <p:spPr>
-          <a:xfrm>
-            <a:off x="685799" y="5053572"/>
-            <a:ext cx="6467475" cy="365125"/>
-          </a:xfrm>
-        </p:spPr>
-        <p:txBody>
-          <a:bodyPr/>
-          <a:lstStyle/>
-          <a:p>
-            <a:r>
               <a:rPr lang="en-US" dirty="0" smtClean="0">
                 <a:solidFill>
                   <a:prstClr val="black"/>
                 </a:solidFill>
               </a:rPr>
-              <a:t>Meeting Name</a:t>
-            </a:r>
+              <a:t>REMOTE Program Review</a:t>
+            </a:r>
+            <a:endParaRPr lang="en-US" dirty="0" smtClean="0">
+              <a:solidFill>
+                <a:prstClr val="black"/>
+              </a:solidFill>
+            </a:endParaRPr>
           </a:p>
           <a:p>
             <a:r>
@@ -7368,7 +7370,7 @@
                   <a:prstClr val="black"/>
                 </a:solidFill>
               </a:rPr>
-              <a:t>Date</a:t>
+              <a:t>01/20/2016</a:t>
             </a:r>
             <a:endParaRPr lang="en-US" dirty="0">
               <a:solidFill>
@@ -7463,12 +7465,14 @@
         </p:nvSpPr>
         <p:spPr/>
         <p:txBody>
-          <a:bodyPr/>
+          <a:bodyPr>
+            <a:normAutofit fontScale="90000"/>
+          </a:bodyPr>
           <a:lstStyle/>
           <a:p>
             <a:r>
-              <a:rPr lang="en-US" dirty="0" smtClean="0"/>
-              <a:t>Project title</a:t>
+              <a:rPr lang="en-US" dirty="0"/>
+              <a:t>Anaerobic Bioconversion of Methane to Methanol</a:t>
             </a:r>
             <a:endParaRPr lang="en-US" dirty="0"/>
           </a:p>
@@ -7668,12 +7672,14 @@
         </p:nvSpPr>
         <p:spPr/>
         <p:txBody>
-          <a:bodyPr/>
+          <a:bodyPr>
+            <a:normAutofit fontScale="90000"/>
+          </a:bodyPr>
           <a:lstStyle/>
           <a:p>
             <a:r>
-              <a:rPr lang="en-US" dirty="0" smtClean="0"/>
-              <a:t>Project title</a:t>
+              <a:rPr lang="en-US" dirty="0"/>
+              <a:t>Anaerobic Bioconversion of Methane to Methanol</a:t>
             </a:r>
             <a:endParaRPr lang="en-US" dirty="0"/>
           </a:p>
@@ -7896,12 +7902,14 @@
         </p:nvSpPr>
         <p:spPr/>
         <p:txBody>
-          <a:bodyPr/>
+          <a:bodyPr>
+            <a:normAutofit fontScale="90000"/>
+          </a:bodyPr>
           <a:lstStyle/>
           <a:p>
             <a:r>
-              <a:rPr lang="en-US" dirty="0" smtClean="0"/>
-              <a:t>Project title</a:t>
+              <a:rPr lang="en-US" dirty="0"/>
+              <a:t>Anaerobic Bioconversion of Methane to Methanol</a:t>
             </a:r>
             <a:endParaRPr lang="en-US" dirty="0"/>
           </a:p>
@@ -8724,23 +8732,7 @@
                   <a:srgbClr val="000000"/>
                 </a:solidFill>
               </a:rPr>
-              <a:t>The same constraint prevents </a:t>
-            </a:r>
-            <a:r>
-              <a:rPr lang="en-US" sz="2000" b="1" dirty="0" smtClean="0">
-                <a:solidFill>
-                  <a:srgbClr val="000000"/>
-                </a:solidFill>
-              </a:rPr>
-              <a:t>growth through </a:t>
-            </a:r>
-            <a:r>
-              <a:rPr lang="en-US" sz="2000" b="1" dirty="0" smtClean="0">
-                <a:solidFill>
-                  <a:srgbClr val="000000"/>
-                </a:solidFill>
-              </a:rPr>
-              <a:t>reverse </a:t>
+              <a:t>The same constraint prevents growth through reverse </a:t>
             </a:r>
             <a:r>
               <a:rPr lang="en-US" sz="2000" b="1" dirty="0" err="1" smtClean="0">
@@ -8840,12 +8832,14 @@
         </p:nvSpPr>
         <p:spPr/>
         <p:txBody>
-          <a:bodyPr/>
+          <a:bodyPr>
+            <a:normAutofit fontScale="90000"/>
+          </a:bodyPr>
           <a:lstStyle/>
           <a:p>
             <a:r>
-              <a:rPr lang="en-US" dirty="0" smtClean="0"/>
-              <a:t>Project title</a:t>
+              <a:rPr lang="en-US" dirty="0"/>
+              <a:t>Anaerobic Bioconversion of Methane to Methanol</a:t>
             </a:r>
             <a:endParaRPr lang="en-US" dirty="0"/>
           </a:p>
@@ -9240,12 +9234,14 @@
         </p:nvSpPr>
         <p:spPr/>
         <p:txBody>
-          <a:bodyPr/>
+          <a:bodyPr>
+            <a:normAutofit fontScale="90000"/>
+          </a:bodyPr>
           <a:lstStyle/>
           <a:p>
             <a:r>
-              <a:rPr lang="en-US" dirty="0" smtClean="0"/>
-              <a:t>Project title</a:t>
+              <a:rPr lang="en-US" dirty="0"/>
+              <a:t>Anaerobic Bioconversion of Methane to Methanol</a:t>
             </a:r>
             <a:endParaRPr lang="en-US" dirty="0"/>
           </a:p>
@@ -9338,6 +9334,238 @@
     <p:bldLst>
       <p:bldP spid="11" grpId="0" animBg="1"/>
     </p:bldLst>
+  </p:timing>
+</p:sld>
+</file>
+
+<file path=ppt/slides/slide7.xml><?xml version="1.0" encoding="utf-8"?>
+<p:sld xmlns:a="http://schemas.openxmlformats.org/drawingml/2006/main" xmlns:r="http://schemas.openxmlformats.org/officeDocument/2006/relationships" xmlns:p="http://schemas.openxmlformats.org/presentationml/2006/main">
+  <p:cSld>
+    <p:spTree>
+      <p:nvGrpSpPr>
+        <p:cNvPr id="1" name=""/>
+        <p:cNvGrpSpPr/>
+        <p:nvPr/>
+      </p:nvGrpSpPr>
+      <p:grpSpPr>
+        <a:xfrm>
+          <a:off x="0" y="0"/>
+          <a:ext cx="0" cy="0"/>
+          <a:chOff x="0" y="0"/>
+          <a:chExt cx="0" cy="0"/>
+        </a:xfrm>
+      </p:grpSpPr>
+      <p:sp>
+        <p:nvSpPr>
+          <p:cNvPr id="4" name="Slide Number Placeholder 3"/>
+          <p:cNvSpPr>
+            <a:spLocks noGrp="1"/>
+          </p:cNvSpPr>
+          <p:nvPr>
+            <p:ph type="sldNum" sz="quarter" idx="12"/>
+          </p:nvPr>
+        </p:nvSpPr>
+        <p:spPr/>
+        <p:txBody>
+          <a:bodyPr/>
+          <a:lstStyle/>
+          <a:p>
+            <a:fld id="{F49B8720-E526-BD45-92D7-B4028BF31DDE}" type="slidenum">
+              <a:rPr lang="en-US" smtClean="0">
+                <a:solidFill>
+                  <a:prstClr val="black">
+                    <a:tint val="75000"/>
+                  </a:prstClr>
+                </a:solidFill>
+              </a:rPr>
+              <a:pPr/>
+              <a:t>7</a:t>
+            </a:fld>
+            <a:endParaRPr lang="en-US" dirty="0">
+              <a:solidFill>
+                <a:prstClr val="black">
+                  <a:tint val="75000"/>
+                </a:prstClr>
+              </a:solidFill>
+            </a:endParaRPr>
+          </a:p>
+        </p:txBody>
+      </p:sp>
+      <p:sp>
+        <p:nvSpPr>
+          <p:cNvPr id="10" name="TextBox 9"/>
+          <p:cNvSpPr txBox="1"/>
+          <p:nvPr/>
+        </p:nvSpPr>
+        <p:spPr>
+          <a:xfrm>
+            <a:off x="2383009" y="6322814"/>
+            <a:ext cx="4797082" cy="369332"/>
+          </a:xfrm>
+          <a:prstGeom prst="rect">
+            <a:avLst/>
+          </a:prstGeom>
+          <a:noFill/>
+        </p:spPr>
+        <p:txBody>
+          <a:bodyPr wrap="none" rtlCol="0">
+            <a:spAutoFit/>
+          </a:bodyPr>
+          <a:lstStyle/>
+          <a:p>
+            <a:pPr defTabSz="457200"/>
+            <a:r>
+              <a:rPr lang="en-US" dirty="0">
+                <a:solidFill>
+                  <a:prstClr val="black"/>
+                </a:solidFill>
+              </a:rPr>
+              <a:t>Protected Data – For DOE ARPA-E Use Only</a:t>
+            </a:r>
+          </a:p>
+        </p:txBody>
+      </p:sp>
+      <p:sp>
+        <p:nvSpPr>
+          <p:cNvPr id="12" name="Text Box 7"/>
+          <p:cNvSpPr txBox="1">
+            <a:spLocks noChangeArrowheads="1"/>
+          </p:cNvSpPr>
+          <p:nvPr/>
+        </p:nvSpPr>
+        <p:spPr bwMode="auto">
+          <a:xfrm>
+            <a:off x="323850" y="923925"/>
+            <a:ext cx="5193030" cy="369332"/>
+          </a:xfrm>
+          <a:prstGeom prst="rect">
+            <a:avLst/>
+          </a:prstGeom>
+          <a:noFill/>
+          <a:ln w="9525">
+            <a:noFill/>
+            <a:miter lim="800000"/>
+            <a:headEnd/>
+            <a:tailEnd/>
+          </a:ln>
+        </p:spPr>
+        <p:txBody>
+          <a:bodyPr wrap="square">
+            <a:spAutoFit/>
+          </a:bodyPr>
+          <a:lstStyle/>
+          <a:p>
+            <a:pPr defTabSz="457200">
+              <a:spcBef>
+                <a:spcPct val="50000"/>
+              </a:spcBef>
+            </a:pPr>
+            <a:r>
+              <a:rPr lang="en-US" b="1" dirty="0">
+                <a:solidFill>
+                  <a:srgbClr val="1AB0E9"/>
+                </a:solidFill>
+              </a:rPr>
+              <a:t>Progress on core technology development</a:t>
+            </a:r>
+          </a:p>
+        </p:txBody>
+      </p:sp>
+      <p:sp>
+        <p:nvSpPr>
+          <p:cNvPr id="13" name="Title 6"/>
+          <p:cNvSpPr>
+            <a:spLocks noGrp="1"/>
+          </p:cNvSpPr>
+          <p:nvPr>
+            <p:ph type="title"/>
+          </p:nvPr>
+        </p:nvSpPr>
+        <p:spPr/>
+        <p:txBody>
+          <a:bodyPr>
+            <a:normAutofit fontScale="90000"/>
+          </a:bodyPr>
+          <a:lstStyle/>
+          <a:p>
+            <a:r>
+              <a:rPr lang="en-US" dirty="0"/>
+              <a:t>Anaerobic Bioconversion of Methane to Methanol</a:t>
+            </a:r>
+            <a:endParaRPr lang="en-US" dirty="0"/>
+          </a:p>
+        </p:txBody>
+      </p:sp>
+      <p:pic>
+        <p:nvPicPr>
+          <p:cNvPr id="1027" name="Picture 3"/>
+          <p:cNvPicPr>
+            <a:picLocks noChangeAspect="1" noChangeArrowheads="1"/>
+          </p:cNvPicPr>
+          <p:nvPr/>
+        </p:nvPicPr>
+        <p:blipFill>
+          <a:blip r:embed="rId2">
+            <a:extLst>
+              <a:ext uri="{28A0092B-C50C-407E-A947-70E740481C1C}">
+                <a14:useLocalDpi xmlns:a14="http://schemas.microsoft.com/office/drawing/2010/main" val="0"/>
+              </a:ext>
+            </a:extLst>
+          </a:blip>
+          <a:srcRect/>
+          <a:stretch>
+            <a:fillRect/>
+          </a:stretch>
+        </p:blipFill>
+        <p:spPr bwMode="auto">
+          <a:xfrm>
+            <a:off x="876300" y="1268604"/>
+            <a:ext cx="6819900" cy="4909762"/>
+          </a:xfrm>
+          <a:prstGeom prst="rect">
+            <a:avLst/>
+          </a:prstGeom>
+          <a:noFill/>
+          <a:ln>
+            <a:noFill/>
+          </a:ln>
+          <a:extLst>
+            <a:ext uri="{909E8E84-426E-40DD-AFC4-6F175D3DCCD1}">
+              <a14:hiddenFill xmlns:a14="http://schemas.microsoft.com/office/drawing/2010/main">
+                <a:solidFill>
+                  <a:schemeClr val="accent1"/>
+                </a:solidFill>
+              </a14:hiddenFill>
+            </a:ext>
+            <a:ext uri="{91240B29-F687-4F45-9708-019B960494DF}">
+              <a14:hiddenLine xmlns:a14="http://schemas.microsoft.com/office/drawing/2010/main" w="9525">
+                <a:solidFill>
+                  <a:schemeClr val="tx1"/>
+                </a:solidFill>
+                <a:miter lim="800000"/>
+                <a:headEnd/>
+                <a:tailEnd/>
+              </a14:hiddenLine>
+            </a:ext>
+          </a:extLst>
+        </p:spPr>
+      </p:pic>
+    </p:spTree>
+    <p:extLst>
+      <p:ext uri="{BB962C8B-B14F-4D97-AF65-F5344CB8AC3E}">
+        <p14:creationId xmlns:p14="http://schemas.microsoft.com/office/powerpoint/2010/main" val="1541872709"/>
+      </p:ext>
+    </p:extLst>
+  </p:cSld>
+  <p:clrMapOvr>
+    <a:masterClrMapping/>
+  </p:clrMapOvr>
+  <p:timing>
+    <p:tnLst>
+      <p:par>
+        <p:cTn id="1" dur="indefinite" restart="never" nodeType="tmRoot"/>
+      </p:par>
+    </p:tnLst>
   </p:timing>
 </p:sld>
 </file>
